--- a/Presentation.pptx
+++ b/Presentation.pptx
@@ -113,6 +113,11 @@
       </a:defRPr>
     </a:lvl9pPr>
   </p:defaultTextStyle>
+  <p:extLst>
+    <p:ext uri="{EFAFB233-063F-42B5-8137-9DF3F51BA10A}">
+      <p15:sldGuideLst xmlns:p15="http://schemas.microsoft.com/office/powerpoint/2012/main"/>
+    </p:ext>
+  </p:extLst>
 </p:presentation>
 </file>
 
@@ -5055,7 +5060,7 @@
 <dgm:dataModel xmlns:dgm="http://schemas.openxmlformats.org/drawingml/2006/diagram" xmlns:a="http://schemas.openxmlformats.org/drawingml/2006/main">
   <dgm:ptLst>
     <dgm:pt modelId="{F64CE070-9237-401B-99CA-58E910100987}" type="doc">
-      <dgm:prSet loTypeId="urn:microsoft.com/office/officeart/2005/8/layout/vList2" loCatId="list" qsTypeId="urn:microsoft.com/office/officeart/2005/8/quickstyle/simple1" qsCatId="simple" csTypeId="urn:microsoft.com/office/officeart/2005/8/colors/accent1_2" csCatId="accent1"/>
+      <dgm:prSet loTypeId="urn:microsoft.com/office/officeart/2005/8/layout/vList2" loCatId="list" qsTypeId="urn:microsoft.com/office/officeart/2005/8/quickstyle/simple1" qsCatId="simple" csTypeId="urn:microsoft.com/office/officeart/2005/8/colors/accent1_2" csCatId="accent1" phldr="1"/>
       <dgm:spPr/>
       <dgm:t>
         <a:bodyPr/>
@@ -5073,15 +5078,19 @@
         <a:lstStyle/>
         <a:p>
           <a:r>
-            <a:rPr lang="en-US"/>
-            <a:t>Kishor Kumar Andekar</a:t>
+            <a:rPr lang="en-US" dirty="0"/>
+            <a:t>Kishor Kumar </a:t>
+          </a:r>
+          <a:r>
+            <a:rPr lang="en-US" dirty="0" err="1"/>
+            <a:t>Andekar</a:t>
           </a:r>
           <a:br>
-            <a:rPr lang="en-US"/>
+            <a:rPr lang="en-US" dirty="0"/>
           </a:br>
           <a:r>
-            <a:rPr lang="en-US"/>
-            <a:t>sxn33500@ucmo.edu</a:t>
+            <a:rPr lang="en-US" dirty="0"/>
+            <a:t>kxa47130@ucmo.edu</a:t>
           </a:r>
         </a:p>
       </dgm:t>
@@ -5300,9 +5309,9 @@
     <dgm:cxn modelId="{C6757104-5FFE-47F8-8E5B-0B2B8A72E6D4}" srcId="{F64CE070-9237-401B-99CA-58E910100987}" destId="{A3E0125A-C917-40C9-959E-B5AA098FCE5B}" srcOrd="3" destOrd="0" parTransId="{1D2934DB-941D-4EF3-AEF5-A0CB442834BD}" sibTransId="{D2A0A2A9-49D2-4E0C-991D-9B692B3FC78A}"/>
     <dgm:cxn modelId="{7109D712-BF4C-4B42-9EE6-9444397DA3A2}" type="presOf" srcId="{F64CE070-9237-401B-99CA-58E910100987}" destId="{56BCAED6-888A-AE47-9D3B-7C3FE4302EB3}" srcOrd="0" destOrd="0" presId="urn:microsoft.com/office/officeart/2005/8/layout/vList2"/>
     <dgm:cxn modelId="{7F49E73B-C133-4E8B-9427-5DCA17DCC38C}" srcId="{F64CE070-9237-401B-99CA-58E910100987}" destId="{F8A658E4-01A3-4C46-83FC-770B6C096E16}" srcOrd="2" destOrd="0" parTransId="{0457A176-BA12-4240-A75E-D408C2D41894}" sibTransId="{DEFA0383-522B-496A-B02C-FA990E8DB86E}"/>
+    <dgm:cxn modelId="{F1615F60-B147-4585-B2F1-BAC375881763}" srcId="{F64CE070-9237-401B-99CA-58E910100987}" destId="{54CC755A-8A3E-430B-8204-33C3AC90C841}" srcOrd="1" destOrd="0" parTransId="{A2B7A3E8-AB61-493E-A7FB-66D36BBC41D3}" sibTransId="{6D361374-E635-4F3B-B76C-03E2A781451C}"/>
     <dgm:cxn modelId="{57A7D44C-9259-FB4F-8A13-F296A23054CA}" type="presOf" srcId="{F8A658E4-01A3-4C46-83FC-770B6C096E16}" destId="{A8FD97E2-653E-8A4B-AA95-B9949E7246FD}" srcOrd="0" destOrd="0" presId="urn:microsoft.com/office/officeart/2005/8/layout/vList2"/>
     <dgm:cxn modelId="{CC878153-8B32-A542-A814-F197F1BB6C75}" type="presOf" srcId="{DDCD1C4D-50E1-4284-931B-963098813860}" destId="{F5B5E9D0-DE36-894C-A1EF-D4AE9116FDAA}" srcOrd="0" destOrd="0" presId="urn:microsoft.com/office/officeart/2005/8/layout/vList2"/>
-    <dgm:cxn modelId="{F1615F60-B147-4585-B2F1-BAC375881763}" srcId="{F64CE070-9237-401B-99CA-58E910100987}" destId="{54CC755A-8A3E-430B-8204-33C3AC90C841}" srcOrd="1" destOrd="0" parTransId="{A2B7A3E8-AB61-493E-A7FB-66D36BBC41D3}" sibTransId="{6D361374-E635-4F3B-B76C-03E2A781451C}"/>
     <dgm:cxn modelId="{396C4777-BAF6-46EB-AAEA-E63D24C11DB3}" srcId="{F64CE070-9237-401B-99CA-58E910100987}" destId="{DDCD1C4D-50E1-4284-931B-963098813860}" srcOrd="0" destOrd="0" parTransId="{CC948D69-B275-4D2D-834B-CED769185B08}" sibTransId="{713C041A-EBD8-4102-9FCD-D00BF9DB1DE0}"/>
     <dgm:cxn modelId="{6B5CE9B3-4402-C44B-99F6-EB9049BCF793}" type="presOf" srcId="{A3E0125A-C917-40C9-959E-B5AA098FCE5B}" destId="{5CC0AFBF-95BD-F745-86F9-360453455402}" srcOrd="0" destOrd="0" presId="urn:microsoft.com/office/officeart/2005/8/layout/vList2"/>
     <dgm:cxn modelId="{88E03C88-283B-9246-BD86-C60A24E04D6A}" type="presParOf" srcId="{56BCAED6-888A-AE47-9D3B-7C3FE4302EB3}" destId="{F5B5E9D0-DE36-894C-A1EF-D4AE9116FDAA}" srcOrd="0" destOrd="0" presId="urn:microsoft.com/office/officeart/2005/8/layout/vList2"/>
@@ -6035,11 +6044,11 @@
     <dgm:cxn modelId="{7205C723-F41A-6B46-AF2B-DA2FAFC34D7C}" type="presOf" srcId="{F45DA07F-5724-4043-896D-E4720D73417D}" destId="{A0FF80BF-8E46-444F-9F5F-BFCFDEA94B86}" srcOrd="0" destOrd="2" presId="urn:microsoft.com/office/officeart/2005/8/layout/hList1"/>
     <dgm:cxn modelId="{83DBEE29-2AF9-3546-9550-4017FBC4D829}" type="presOf" srcId="{00F31747-9DCD-4835-AF7B-E0493FD0F3E9}" destId="{A0FF80BF-8E46-444F-9F5F-BFCFDEA94B86}" srcOrd="0" destOrd="1" presId="urn:microsoft.com/office/officeart/2005/8/layout/hList1"/>
     <dgm:cxn modelId="{E9EFDD40-525B-D54F-962D-80FC3E4835AF}" type="presOf" srcId="{5A8FF3FB-20C4-460E-A27B-A847CFC3DDF0}" destId="{A0FF80BF-8E46-444F-9F5F-BFCFDEA94B86}" srcOrd="0" destOrd="0" presId="urn:microsoft.com/office/officeart/2005/8/layout/hList1"/>
+    <dgm:cxn modelId="{9D945B5D-9D3C-478C-B488-AC01273882F8}" srcId="{6D119B43-877F-44C4-98F9-13B53C2E3675}" destId="{DC7576C5-63CF-4ACC-9C8F-8E636EB686B1}" srcOrd="1" destOrd="0" parTransId="{141C283F-1546-49AB-827F-4FBBC949FD8A}" sibTransId="{F6B88A0C-468E-48E8-B8DD-E68DC1C85757}"/>
     <dgm:cxn modelId="{D1901545-6568-F34F-B153-B4EFB9F45CFC}" type="presOf" srcId="{EAA2ED45-E836-444C-A4E5-402F16AE5F1D}" destId="{F45AADB7-9338-4247-9433-328D3A8062A5}" srcOrd="0" destOrd="0" presId="urn:microsoft.com/office/officeart/2005/8/layout/hList1"/>
-    <dgm:cxn modelId="{BFD3C157-34A2-42D5-808D-2067B4F5B8C8}" srcId="{0415A7AF-360B-4902-BDCB-0B90592558B0}" destId="{EB4339DE-8CE4-4F39-B103-020590D04631}" srcOrd="0" destOrd="0" parTransId="{F9CCDCBF-3B07-4739-A6B4-6337A274BD61}" sibTransId="{52884ED5-593D-47FF-A171-2F96B4D2A66B}"/>
-    <dgm:cxn modelId="{9D945B5D-9D3C-478C-B488-AC01273882F8}" srcId="{6D119B43-877F-44C4-98F9-13B53C2E3675}" destId="{DC7576C5-63CF-4ACC-9C8F-8E636EB686B1}" srcOrd="1" destOrd="0" parTransId="{141C283F-1546-49AB-827F-4FBBC949FD8A}" sibTransId="{F6B88A0C-468E-48E8-B8DD-E68DC1C85757}"/>
     <dgm:cxn modelId="{10BAB766-64D3-4DE1-A233-F155AAC8F6E9}" srcId="{9A816BF8-529E-45B8-9647-0E3D2145E253}" destId="{E9D4AF35-19F8-47B1-B85C-C95FF577E87E}" srcOrd="2" destOrd="0" parTransId="{83BCC898-6E8E-418D-A814-F879BB753FC1}" sibTransId="{15D79833-3966-495C-A014-09BE2AF38B0D}"/>
     <dgm:cxn modelId="{A3A03977-AD56-F344-B379-B1CEF3B7B1AB}" type="presOf" srcId="{C4AC94CF-2E36-4FB5-A93D-86AB6F4AECE8}" destId="{BBB3A3F3-5B3A-7444-A595-B12B28A8EB16}" srcOrd="0" destOrd="0" presId="urn:microsoft.com/office/officeart/2005/8/layout/hList1"/>
+    <dgm:cxn modelId="{BFD3C157-34A2-42D5-808D-2067B4F5B8C8}" srcId="{0415A7AF-360B-4902-BDCB-0B90592558B0}" destId="{EB4339DE-8CE4-4F39-B103-020590D04631}" srcOrd="0" destOrd="0" parTransId="{F9CCDCBF-3B07-4739-A6B4-6337A274BD61}" sibTransId="{52884ED5-593D-47FF-A171-2F96B4D2A66B}"/>
     <dgm:cxn modelId="{91065679-9A83-45D2-846D-BF25D2014A5D}" srcId="{6D119B43-877F-44C4-98F9-13B53C2E3675}" destId="{0415A7AF-360B-4902-BDCB-0B90592558B0}" srcOrd="2" destOrd="0" parTransId="{03817A87-4B04-457C-A1AF-037E770459E1}" sibTransId="{9C2970BA-8390-43D8-9BC3-78AEE76F0F12}"/>
     <dgm:cxn modelId="{40E9A08A-8624-41CB-ADD0-2368977B2C94}" srcId="{0415A7AF-360B-4902-BDCB-0B90592558B0}" destId="{07E8BFFA-AB83-48D9-8F5B-46DF3D7358A7}" srcOrd="2" destOrd="0" parTransId="{2E84E8A7-82A1-48B8-B318-A92E0F57C2E3}" sibTransId="{CCC50D30-743D-43C1-9B1E-FA8AF0FE1210}"/>
     <dgm:cxn modelId="{921CE78C-4E68-5544-835C-FBC2FB797E15}" type="presOf" srcId="{DE6957F0-45D2-4CEF-BC4C-F06A3FADAEB5}" destId="{BBB3A3F3-5B3A-7444-A595-B12B28A8EB16}" srcOrd="0" destOrd="2" presId="urn:microsoft.com/office/officeart/2005/8/layout/hList1"/>
@@ -6771,10 +6780,10 @@
   </dgm:ptLst>
   <dgm:cxnLst>
     <dgm:cxn modelId="{79922B21-9E7C-46D7-899C-8EEA3B801B2A}" srcId="{2966D1FF-89B8-40A3-AB0A-B545168E7152}" destId="{D2842234-FFF6-447F-87C1-8DE5ACD386B9}" srcOrd="4" destOrd="0" parTransId="{DE4D2486-6F10-47C6-B505-2405DBC27467}" sibTransId="{A53DF5E6-97EB-4DB9-952B-EB93DB686323}"/>
+    <dgm:cxn modelId="{C94B3E63-5E4A-4472-866F-336C59BC2B4E}" srcId="{2966D1FF-89B8-40A3-AB0A-B545168E7152}" destId="{59E59926-26CA-4120-ADC5-63F11B73D435}" srcOrd="1" destOrd="0" parTransId="{C8C197F4-8A0F-42AA-A01C-30B9BA8232CA}" sibTransId="{D253828B-FB83-4127-B51B-A8DFE9298357}"/>
     <dgm:cxn modelId="{53D4C74A-C156-724E-AD9F-D99DDF41A2CA}" type="presOf" srcId="{2966D1FF-89B8-40A3-AB0A-B545168E7152}" destId="{B23DFED6-AE0C-784C-B678-B92836AFE05E}" srcOrd="0" destOrd="0" presId="urn:microsoft.com/office/officeart/2005/8/layout/vList2"/>
+    <dgm:cxn modelId="{3ACA7E70-8FEE-ED48-B0C1-5A23B2005837}" type="presOf" srcId="{59E59926-26CA-4120-ADC5-63F11B73D435}" destId="{B829F8AB-129E-FA40-AA05-C93A2FD17AD8}" srcOrd="0" destOrd="0" presId="urn:microsoft.com/office/officeart/2005/8/layout/vList2"/>
     <dgm:cxn modelId="{61593653-FBAC-4507-8454-86A876CFB37A}" srcId="{2966D1FF-89B8-40A3-AB0A-B545168E7152}" destId="{4A820173-2C1B-4D61-87D5-77817D660F41}" srcOrd="3" destOrd="0" parTransId="{6B4DAE6A-234C-4E02-9607-7C0F98BB4BC4}" sibTransId="{EFBA385E-D124-48BB-9785-603DF6E1D986}"/>
-    <dgm:cxn modelId="{C94B3E63-5E4A-4472-866F-336C59BC2B4E}" srcId="{2966D1FF-89B8-40A3-AB0A-B545168E7152}" destId="{59E59926-26CA-4120-ADC5-63F11B73D435}" srcOrd="1" destOrd="0" parTransId="{C8C197F4-8A0F-42AA-A01C-30B9BA8232CA}" sibTransId="{D253828B-FB83-4127-B51B-A8DFE9298357}"/>
-    <dgm:cxn modelId="{3ACA7E70-8FEE-ED48-B0C1-5A23B2005837}" type="presOf" srcId="{59E59926-26CA-4120-ADC5-63F11B73D435}" destId="{B829F8AB-129E-FA40-AA05-C93A2FD17AD8}" srcOrd="0" destOrd="0" presId="urn:microsoft.com/office/officeart/2005/8/layout/vList2"/>
     <dgm:cxn modelId="{D74F597D-0DF4-124B-9B8F-F00F192F7114}" type="presOf" srcId="{6C1E2B9D-24CE-4970-8816-CE584F460FF8}" destId="{866C0130-1A69-F646-A34F-9B6A70EAE8A5}" srcOrd="0" destOrd="0" presId="urn:microsoft.com/office/officeart/2005/8/layout/vList2"/>
     <dgm:cxn modelId="{F4960E93-F9B8-A344-9298-7A69DAA561E1}" type="presOf" srcId="{EE9A6256-A9B8-4037-B803-45BEB4C93E1A}" destId="{388DFDEF-188B-6E4C-A42B-D3F3AF49071D}" srcOrd="0" destOrd="0" presId="urn:microsoft.com/office/officeart/2005/8/layout/vList2"/>
     <dgm:cxn modelId="{D5F58098-3B8C-4B0F-A990-2069F72C1D65}" srcId="{2966D1FF-89B8-40A3-AB0A-B545168E7152}" destId="{6C1E2B9D-24CE-4970-8816-CE584F460FF8}" srcOrd="2" destOrd="0" parTransId="{D2C744D5-F26E-4C6F-99F3-9FD7B336B14D}" sibTransId="{F4D24C9D-9052-4FCC-910E-8B25BFA53523}"/>
@@ -7482,19 +7491,19 @@
     <dgm:cxn modelId="{ED9D302F-EAEC-455A-9616-6BB264A8ECD2}" srcId="{530F061B-1D26-41D8-8D65-EAC3AA136F92}" destId="{7C364739-AE15-4190-8A51-8FA6C1158C6D}" srcOrd="1" destOrd="0" parTransId="{B28D6584-E301-4568-A35A-C0D43377980C}" sibTransId="{1CC1D2A5-A346-4E9B-B29A-F9AE439060C9}"/>
     <dgm:cxn modelId="{92C57837-B55C-9043-A133-122DC143F1B9}" type="presOf" srcId="{530F061B-1D26-41D8-8D65-EAC3AA136F92}" destId="{C28A9AEC-C160-5C44-AB86-B7629B8AB46C}" srcOrd="0" destOrd="0" presId="urn:microsoft.com/office/officeart/2016/7/layout/VerticalHollowActionList"/>
     <dgm:cxn modelId="{FFEE4838-F634-CB44-A2C2-C861CD763D1F}" type="presOf" srcId="{941A4F46-EB14-494F-8582-32AD07712198}" destId="{BBE64F75-B9FE-9649-9EC3-3A60601C5519}" srcOrd="0" destOrd="2" presId="urn:microsoft.com/office/officeart/2016/7/layout/VerticalHollowActionList"/>
-    <dgm:cxn modelId="{95B6CA44-1AB2-4398-9BE7-E1211DE5B215}" srcId="{2AFDE24B-F488-4900-A9E5-4F2F77E29F8B}" destId="{59AF03DD-CA72-43A9-8882-84B963A32BDE}" srcOrd="0" destOrd="0" parTransId="{5D68EE78-DD38-42F1-985E-1FE5EDEF56C6}" sibTransId="{86D8B971-1AD6-42EB-896E-AF424C1BC269}"/>
-    <dgm:cxn modelId="{1110EA45-634F-2241-B711-5298B1DAD475}" type="presOf" srcId="{6EDCA440-BB13-481C-A466-70354410BA91}" destId="{C28A9AEC-C160-5C44-AB86-B7629B8AB46C}" srcOrd="0" destOrd="1" presId="urn:microsoft.com/office/officeart/2016/7/layout/VerticalHollowActionList"/>
-    <dgm:cxn modelId="{70D08558-58F0-4FB2-BB43-729907E0D5C5}" srcId="{2BCBC865-BB67-44DB-B9F9-38A6C0DFE963}" destId="{A4F86779-A826-4A37-A806-ACBED676DD8A}" srcOrd="2" destOrd="0" parTransId="{481717BC-6C26-49F2-A4E5-65977BBF6E3C}" sibTransId="{304B1F6D-9393-4CD6-9919-C4CA9776D6BC}"/>
-    <dgm:cxn modelId="{6979C159-3DD6-4348-A746-8958CDE16170}" type="presOf" srcId="{1F158205-9257-4841-88B2-E1FCB1C1B716}" destId="{48FBF39E-B3D2-464F-A81B-D9E98384A51D}" srcOrd="0" destOrd="0" presId="urn:microsoft.com/office/officeart/2016/7/layout/VerticalHollowActionList"/>
     <dgm:cxn modelId="{0F2B405C-0468-424B-A8A5-87D11426DA25}" srcId="{59AF03DD-CA72-43A9-8882-84B963A32BDE}" destId="{6F86358C-6F43-4ECD-BBFB-6A492FF5BF8B}" srcOrd="0" destOrd="0" parTransId="{ED30D768-5EA0-4A2C-AB3D-811C520C4AD6}" sibTransId="{F47F61F7-F045-456D-B15C-2A63EC67142E}"/>
     <dgm:cxn modelId="{29E88D5C-2134-E64A-B668-D16CCFB94BAC}" type="presOf" srcId="{2BCBC865-BB67-44DB-B9F9-38A6C0DFE963}" destId="{28952736-3B70-FD48-AC52-3FF4EA9E9E2B}" srcOrd="0" destOrd="0" presId="urn:microsoft.com/office/officeart/2016/7/layout/VerticalHollowActionList"/>
     <dgm:cxn modelId="{E5EBB462-ADEA-E140-91B8-84AAFF29435A}" type="presOf" srcId="{7C364739-AE15-4190-8A51-8FA6C1158C6D}" destId="{C28A9AEC-C160-5C44-AB86-B7629B8AB46C}" srcOrd="0" destOrd="2" presId="urn:microsoft.com/office/officeart/2016/7/layout/VerticalHollowActionList"/>
     <dgm:cxn modelId="{77A9F862-35BF-49FA-87FC-AA5F9724FE4E}" srcId="{23D3FCB7-9E31-459B-92FD-4AB07A6F8AEA}" destId="{47B4F9F3-BBCA-4C46-8FDD-4D62E003702C}" srcOrd="2" destOrd="0" parTransId="{FFA5744B-CC51-4051-8285-E61095CCA175}" sibTransId="{DF8A959E-BB7F-47B2-B5F7-C129B655989B}"/>
     <dgm:cxn modelId="{5700BB63-8ECE-443E-9FDB-37803CD5B517}" srcId="{2BCBC865-BB67-44DB-B9F9-38A6C0DFE963}" destId="{8F7E31E5-A66F-4FA7-B8AF-395AB0C84AE7}" srcOrd="0" destOrd="0" parTransId="{5F2263EB-1F80-4F6D-9EF8-84824BBA7C8E}" sibTransId="{1C7B9676-F9AE-402D-A7A4-BA509F7492EA}"/>
     <dgm:cxn modelId="{BD3CCA64-BE85-4BAD-BC87-0BA16CFECC74}" srcId="{530F061B-1D26-41D8-8D65-EAC3AA136F92}" destId="{6EDCA440-BB13-481C-A466-70354410BA91}" srcOrd="0" destOrd="0" parTransId="{6218B268-41D6-4AAD-BE5A-7ED2820735C7}" sibTransId="{86E23024-E374-44FD-B5AB-22A3071936B7}"/>
+    <dgm:cxn modelId="{95B6CA44-1AB2-4398-9BE7-E1211DE5B215}" srcId="{2AFDE24B-F488-4900-A9E5-4F2F77E29F8B}" destId="{59AF03DD-CA72-43A9-8882-84B963A32BDE}" srcOrd="0" destOrd="0" parTransId="{5D68EE78-DD38-42F1-985E-1FE5EDEF56C6}" sibTransId="{86D8B971-1AD6-42EB-896E-AF424C1BC269}"/>
+    <dgm:cxn modelId="{1110EA45-634F-2241-B711-5298B1DAD475}" type="presOf" srcId="{6EDCA440-BB13-481C-A466-70354410BA91}" destId="{C28A9AEC-C160-5C44-AB86-B7629B8AB46C}" srcOrd="0" destOrd="1" presId="urn:microsoft.com/office/officeart/2016/7/layout/VerticalHollowActionList"/>
     <dgm:cxn modelId="{7EC5D370-F1C6-4F53-A8EB-44097B89D4A9}" srcId="{530F061B-1D26-41D8-8D65-EAC3AA136F92}" destId="{073642DF-515D-4B4C-81BD-84D34CA0EE3E}" srcOrd="2" destOrd="0" parTransId="{CAE1AD37-2EBF-407F-80C3-DCDA5A18A291}" sibTransId="{B9D3C19D-4F08-4897-B819-92AB1B575163}"/>
     <dgm:cxn modelId="{D0B7DE76-15A9-422A-9A8D-01E277EA67A8}" srcId="{59AF03DD-CA72-43A9-8882-84B963A32BDE}" destId="{EB35DD38-BDE0-4C09-BC59-18223255F32D}" srcOrd="3" destOrd="0" parTransId="{4A0635C9-2D01-40F2-BA73-5539BB0CE2B2}" sibTransId="{236F44B4-1581-4488-BD30-A9D530D4611F}"/>
     <dgm:cxn modelId="{8E7B1478-4D6F-4150-8A82-8DF7543377EB}" srcId="{59AF03DD-CA72-43A9-8882-84B963A32BDE}" destId="{941A4F46-EB14-494F-8582-32AD07712198}" srcOrd="1" destOrd="0" parTransId="{F34B22F9-DCB4-4E5F-859E-DC62230B560F}" sibTransId="{C3C9B699-32AE-41BF-A053-B9ADC56EFB68}"/>
+    <dgm:cxn modelId="{70D08558-58F0-4FB2-BB43-729907E0D5C5}" srcId="{2BCBC865-BB67-44DB-B9F9-38A6C0DFE963}" destId="{A4F86779-A826-4A37-A806-ACBED676DD8A}" srcOrd="2" destOrd="0" parTransId="{481717BC-6C26-49F2-A4E5-65977BBF6E3C}" sibTransId="{304B1F6D-9393-4CD6-9919-C4CA9776D6BC}"/>
+    <dgm:cxn modelId="{6979C159-3DD6-4348-A746-8958CDE16170}" type="presOf" srcId="{1F158205-9257-4841-88B2-E1FCB1C1B716}" destId="{48FBF39E-B3D2-464F-A81B-D9E98384A51D}" srcOrd="0" destOrd="0" presId="urn:microsoft.com/office/officeart/2016/7/layout/VerticalHollowActionList"/>
     <dgm:cxn modelId="{A6052185-6C89-8447-8DF1-539D96AAC9F4}" type="presOf" srcId="{6F86358C-6F43-4ECD-BBFB-6A492FF5BF8B}" destId="{BBE64F75-B9FE-9649-9EC3-3A60601C5519}" srcOrd="0" destOrd="1" presId="urn:microsoft.com/office/officeart/2016/7/layout/VerticalHollowActionList"/>
     <dgm:cxn modelId="{3F58D088-32C8-2849-BB5D-043AC1DEFCA1}" type="presOf" srcId="{47B4F9F3-BBCA-4C46-8FDD-4D62E003702C}" destId="{CFA42B9D-2D4D-2540-A951-B64EAAECAA42}" srcOrd="0" destOrd="0" presId="urn:microsoft.com/office/officeart/2016/7/layout/VerticalHollowActionList"/>
     <dgm:cxn modelId="{83BE5089-C743-438A-B2D4-889C3F82C221}" srcId="{59AF03DD-CA72-43A9-8882-84B963A32BDE}" destId="{D69CCCA5-8EDE-410C-848C-E962292B08FD}" srcOrd="2" destOrd="0" parTransId="{33829080-CD36-4F1F-90BA-8E66A0C933FD}" sibTransId="{199F1F3B-850B-4ADC-B8CB-9C0F4FA294C2}"/>
@@ -8468,8 +8477,8 @@
     <dgm:cxn modelId="{420E8B33-CEE9-4A21-9CC8-B1524A05C0C5}" type="presOf" srcId="{E46933C8-9C82-4C03-8222-92E5C88D9D45}" destId="{A264E261-F4B7-4057-82DA-5179CB89BA22}" srcOrd="0" destOrd="0" presId="urn:microsoft.com/office/officeart/2018/2/layout/IconVerticalSolidList"/>
     <dgm:cxn modelId="{3D567940-0511-4767-84E3-410B37995E9F}" srcId="{47F0C741-8038-4D95-A7D9-30931CA97B37}" destId="{45843D35-9906-4289-9CCA-0910BB6ECE3E}" srcOrd="3" destOrd="0" parTransId="{C739A8AE-456B-4CB2-8D0E-DB00EED2EA3F}" sibTransId="{BF52B182-DB7B-4D3F-9D5F-FBE4725DB584}"/>
     <dgm:cxn modelId="{D071A342-C235-4D86-9113-C4E8B0A8BB8D}" type="presOf" srcId="{57C6C85A-C5D3-4E47-8249-94824AFDEF61}" destId="{A04F3D49-128D-46E7-BE86-05548E36B319}" srcOrd="0" destOrd="1" presId="urn:microsoft.com/office/officeart/2018/2/layout/IconVerticalSolidList"/>
+    <dgm:cxn modelId="{5450936B-5271-4073-BE92-016C7A247A39}" srcId="{D9179F6B-DE84-4F6B-9EB1-1742FA120DEF}" destId="{1454A85D-5484-4BBF-9253-C3C5D4F125AB}" srcOrd="1" destOrd="0" parTransId="{4B997539-D602-4AF4-9525-542924BB6B08}" sibTransId="{367F79C0-D905-44AD-988E-055E2C3611DF}"/>
     <dgm:cxn modelId="{13199B52-B438-431C-9D06-2C1A95149350}" srcId="{E46933C8-9C82-4C03-8222-92E5C88D9D45}" destId="{CE6E2386-C482-4404-8415-E72537DB9850}" srcOrd="2" destOrd="0" parTransId="{C6FC45D5-4296-4505-91B1-2DC10E70772B}" sibTransId="{B1D8047D-FFB1-4A35-87D2-62D6EB0F388A}"/>
-    <dgm:cxn modelId="{5450936B-5271-4073-BE92-016C7A247A39}" srcId="{D9179F6B-DE84-4F6B-9EB1-1742FA120DEF}" destId="{1454A85D-5484-4BBF-9253-C3C5D4F125AB}" srcOrd="1" destOrd="0" parTransId="{4B997539-D602-4AF4-9525-542924BB6B08}" sibTransId="{367F79C0-D905-44AD-988E-055E2C3611DF}"/>
     <dgm:cxn modelId="{A781F677-043A-4E7E-B93A-B9D10D807BED}" type="presOf" srcId="{47F0C741-8038-4D95-A7D9-30931CA97B37}" destId="{96C54832-60AC-4AD8-8A14-1E1CA2F58AFF}" srcOrd="0" destOrd="0" presId="urn:microsoft.com/office/officeart/2018/2/layout/IconVerticalSolidList"/>
     <dgm:cxn modelId="{964ABE84-8491-4359-A4E6-435CAE39C555}" srcId="{47F0C741-8038-4D95-A7D9-30931CA97B37}" destId="{D9179F6B-DE84-4F6B-9EB1-1742FA120DEF}" srcOrd="0" destOrd="0" parTransId="{756964FF-2C8C-491E-9716-B34E497ADCF6}" sibTransId="{6884D340-8528-4960-AAD6-FF03D389E73B}"/>
     <dgm:cxn modelId="{603E5189-1024-439B-8E7B-7518EF0AC8E0}" type="presOf" srcId="{1454A85D-5484-4BBF-9253-C3C5D4F125AB}" destId="{D77AF555-BF67-43F2-8D3D-264B0AF2E2E9}" srcOrd="0" destOrd="1" presId="urn:microsoft.com/office/officeart/2018/2/layout/IconVerticalSolidList"/>
@@ -8613,15 +8622,19 @@
             <a:buNone/>
           </a:pPr>
           <a:r>
-            <a:rPr lang="en-US" sz="2500" kern="1200"/>
-            <a:t>Kishor Kumar Andekar</a:t>
+            <a:rPr lang="en-US" sz="2500" kern="1200" dirty="0"/>
+            <a:t>Kishor Kumar </a:t>
+          </a:r>
+          <a:r>
+            <a:rPr lang="en-US" sz="2500" kern="1200" dirty="0" err="1"/>
+            <a:t>Andekar</a:t>
           </a:r>
           <a:br>
-            <a:rPr lang="en-US" sz="2500" kern="1200"/>
+            <a:rPr lang="en-US" sz="2500" kern="1200" dirty="0"/>
           </a:br>
           <a:r>
-            <a:rPr lang="en-US" sz="2500" kern="1200"/>
-            <a:t>sxn33500@ucmo.edu</a:t>
+            <a:rPr lang="en-US" sz="2500" kern="1200" dirty="0"/>
+            <a:t>kxa47130@ucmo.edu</a:t>
           </a:r>
         </a:p>
       </dsp:txBody>
@@ -20461,7 +20474,7 @@
           <a:p>
             <a:fld id="{C06BF673-C670-EC4B-8EE4-255F4470084B}" type="datetimeFigureOut">
               <a:rPr lang="en-US" smtClean="0"/>
-              <a:t>4/15/24</a:t>
+              <a:t>4/15/2024</a:t>
             </a:fld>
             <a:endParaRPr lang="en-US"/>
           </a:p>
@@ -20659,7 +20672,7 @@
           <a:p>
             <a:fld id="{C06BF673-C670-EC4B-8EE4-255F4470084B}" type="datetimeFigureOut">
               <a:rPr lang="en-US" smtClean="0"/>
-              <a:t>4/15/24</a:t>
+              <a:t>4/15/2024</a:t>
             </a:fld>
             <a:endParaRPr lang="en-US"/>
           </a:p>
@@ -20867,7 +20880,7 @@
           <a:p>
             <a:fld id="{C06BF673-C670-EC4B-8EE4-255F4470084B}" type="datetimeFigureOut">
               <a:rPr lang="en-US" smtClean="0"/>
-              <a:t>4/15/24</a:t>
+              <a:t>4/15/2024</a:t>
             </a:fld>
             <a:endParaRPr lang="en-US"/>
           </a:p>
@@ -21065,7 +21078,7 @@
           <a:p>
             <a:fld id="{C06BF673-C670-EC4B-8EE4-255F4470084B}" type="datetimeFigureOut">
               <a:rPr lang="en-US" smtClean="0"/>
-              <a:t>4/15/24</a:t>
+              <a:t>4/15/2024</a:t>
             </a:fld>
             <a:endParaRPr lang="en-US"/>
           </a:p>
@@ -21340,7 +21353,7 @@
           <a:p>
             <a:fld id="{C06BF673-C670-EC4B-8EE4-255F4470084B}" type="datetimeFigureOut">
               <a:rPr lang="en-US" smtClean="0"/>
-              <a:t>4/15/24</a:t>
+              <a:t>4/15/2024</a:t>
             </a:fld>
             <a:endParaRPr lang="en-US"/>
           </a:p>
@@ -21605,7 +21618,7 @@
           <a:p>
             <a:fld id="{C06BF673-C670-EC4B-8EE4-255F4470084B}" type="datetimeFigureOut">
               <a:rPr lang="en-US" smtClean="0"/>
-              <a:t>4/15/24</a:t>
+              <a:t>4/15/2024</a:t>
             </a:fld>
             <a:endParaRPr lang="en-US"/>
           </a:p>
@@ -22017,7 +22030,7 @@
           <a:p>
             <a:fld id="{C06BF673-C670-EC4B-8EE4-255F4470084B}" type="datetimeFigureOut">
               <a:rPr lang="en-US" smtClean="0"/>
-              <a:t>4/15/24</a:t>
+              <a:t>4/15/2024</a:t>
             </a:fld>
             <a:endParaRPr lang="en-US"/>
           </a:p>
@@ -22158,7 +22171,7 @@
           <a:p>
             <a:fld id="{C06BF673-C670-EC4B-8EE4-255F4470084B}" type="datetimeFigureOut">
               <a:rPr lang="en-US" smtClean="0"/>
-              <a:t>4/15/24</a:t>
+              <a:t>4/15/2024</a:t>
             </a:fld>
             <a:endParaRPr lang="en-US"/>
           </a:p>
@@ -22271,7 +22284,7 @@
           <a:p>
             <a:fld id="{C06BF673-C670-EC4B-8EE4-255F4470084B}" type="datetimeFigureOut">
               <a:rPr lang="en-US" smtClean="0"/>
-              <a:t>4/15/24</a:t>
+              <a:t>4/15/2024</a:t>
             </a:fld>
             <a:endParaRPr lang="en-US"/>
           </a:p>
@@ -22582,7 +22595,7 @@
           <a:p>
             <a:fld id="{C06BF673-C670-EC4B-8EE4-255F4470084B}" type="datetimeFigureOut">
               <a:rPr lang="en-US" smtClean="0"/>
-              <a:t>4/15/24</a:t>
+              <a:t>4/15/2024</a:t>
             </a:fld>
             <a:endParaRPr lang="en-US"/>
           </a:p>
@@ -22870,7 +22883,7 @@
           <a:p>
             <a:fld id="{C06BF673-C670-EC4B-8EE4-255F4470084B}" type="datetimeFigureOut">
               <a:rPr lang="en-US" smtClean="0"/>
-              <a:t>4/15/24</a:t>
+              <a:t>4/15/2024</a:t>
             </a:fld>
             <a:endParaRPr lang="en-US"/>
           </a:p>
@@ -23111,7 +23124,7 @@
           <a:p>
             <a:fld id="{C06BF673-C670-EC4B-8EE4-255F4470084B}" type="datetimeFigureOut">
               <a:rPr lang="en-US" smtClean="0"/>
-              <a:t>4/15/24</a:t>
+              <a:t>4/15/2024</a:t>
             </a:fld>
             <a:endParaRPr lang="en-US"/>
           </a:p>
@@ -25247,6 +25260,11 @@
           </p:cNvGraphicFramePr>
           <p:nvPr>
             <p:ph idx="1"/>
+            <p:extLst>
+              <p:ext uri="{D42A27DB-BD31-4B8C-83A1-F6EECF244321}">
+                <p14:modId xmlns:p14="http://schemas.microsoft.com/office/powerpoint/2010/main" val="3323125709"/>
+              </p:ext>
+            </p:extLst>
           </p:nvPr>
         </p:nvGraphicFramePr>
         <p:xfrm>

--- a/Presentation.pptx
+++ b/Presentation.pptx
@@ -14,7 +14,8 @@
     <p:sldId id="264" r:id="rId8"/>
     <p:sldId id="265" r:id="rId9"/>
     <p:sldId id="266" r:id="rId10"/>
-    <p:sldId id="268" r:id="rId11"/>
+    <p:sldId id="269" r:id="rId11"/>
+    <p:sldId id="270" r:id="rId12"/>
   </p:sldIdLst>
   <p:sldSz cx="12192000" cy="6858000"/>
   <p:notesSz cx="6858000" cy="9144000"/>
@@ -20474,7 +20475,7 @@
           <a:p>
             <a:fld id="{C06BF673-C670-EC4B-8EE4-255F4470084B}" type="datetimeFigureOut">
               <a:rPr lang="en-US" smtClean="0"/>
-              <a:t>4/15/2024</a:t>
+              <a:t>4/21/2024</a:t>
             </a:fld>
             <a:endParaRPr lang="en-US"/>
           </a:p>
@@ -20672,7 +20673,7 @@
           <a:p>
             <a:fld id="{C06BF673-C670-EC4B-8EE4-255F4470084B}" type="datetimeFigureOut">
               <a:rPr lang="en-US" smtClean="0"/>
-              <a:t>4/15/2024</a:t>
+              <a:t>4/21/2024</a:t>
             </a:fld>
             <a:endParaRPr lang="en-US"/>
           </a:p>
@@ -20880,7 +20881,7 @@
           <a:p>
             <a:fld id="{C06BF673-C670-EC4B-8EE4-255F4470084B}" type="datetimeFigureOut">
               <a:rPr lang="en-US" smtClean="0"/>
-              <a:t>4/15/2024</a:t>
+              <a:t>4/21/2024</a:t>
             </a:fld>
             <a:endParaRPr lang="en-US"/>
           </a:p>
@@ -21078,7 +21079,7 @@
           <a:p>
             <a:fld id="{C06BF673-C670-EC4B-8EE4-255F4470084B}" type="datetimeFigureOut">
               <a:rPr lang="en-US" smtClean="0"/>
-              <a:t>4/15/2024</a:t>
+              <a:t>4/21/2024</a:t>
             </a:fld>
             <a:endParaRPr lang="en-US"/>
           </a:p>
@@ -21353,7 +21354,7 @@
           <a:p>
             <a:fld id="{C06BF673-C670-EC4B-8EE4-255F4470084B}" type="datetimeFigureOut">
               <a:rPr lang="en-US" smtClean="0"/>
-              <a:t>4/15/2024</a:t>
+              <a:t>4/21/2024</a:t>
             </a:fld>
             <a:endParaRPr lang="en-US"/>
           </a:p>
@@ -21618,7 +21619,7 @@
           <a:p>
             <a:fld id="{C06BF673-C670-EC4B-8EE4-255F4470084B}" type="datetimeFigureOut">
               <a:rPr lang="en-US" smtClean="0"/>
-              <a:t>4/15/2024</a:t>
+              <a:t>4/21/2024</a:t>
             </a:fld>
             <a:endParaRPr lang="en-US"/>
           </a:p>
@@ -22030,7 +22031,7 @@
           <a:p>
             <a:fld id="{C06BF673-C670-EC4B-8EE4-255F4470084B}" type="datetimeFigureOut">
               <a:rPr lang="en-US" smtClean="0"/>
-              <a:t>4/15/2024</a:t>
+              <a:t>4/21/2024</a:t>
             </a:fld>
             <a:endParaRPr lang="en-US"/>
           </a:p>
@@ -22171,7 +22172,7 @@
           <a:p>
             <a:fld id="{C06BF673-C670-EC4B-8EE4-255F4470084B}" type="datetimeFigureOut">
               <a:rPr lang="en-US" smtClean="0"/>
-              <a:t>4/15/2024</a:t>
+              <a:t>4/21/2024</a:t>
             </a:fld>
             <a:endParaRPr lang="en-US"/>
           </a:p>
@@ -22284,7 +22285,7 @@
           <a:p>
             <a:fld id="{C06BF673-C670-EC4B-8EE4-255F4470084B}" type="datetimeFigureOut">
               <a:rPr lang="en-US" smtClean="0"/>
-              <a:t>4/15/2024</a:t>
+              <a:t>4/21/2024</a:t>
             </a:fld>
             <a:endParaRPr lang="en-US"/>
           </a:p>
@@ -22595,7 +22596,7 @@
           <a:p>
             <a:fld id="{C06BF673-C670-EC4B-8EE4-255F4470084B}" type="datetimeFigureOut">
               <a:rPr lang="en-US" smtClean="0"/>
-              <a:t>4/15/2024</a:t>
+              <a:t>4/21/2024</a:t>
             </a:fld>
             <a:endParaRPr lang="en-US"/>
           </a:p>
@@ -22883,7 +22884,7 @@
           <a:p>
             <a:fld id="{C06BF673-C670-EC4B-8EE4-255F4470084B}" type="datetimeFigureOut">
               <a:rPr lang="en-US" smtClean="0"/>
-              <a:t>4/15/2024</a:t>
+              <a:t>4/21/2024</a:t>
             </a:fld>
             <a:endParaRPr lang="en-US"/>
           </a:p>
@@ -23124,7 +23125,7 @@
           <a:p>
             <a:fld id="{C06BF673-C670-EC4B-8EE4-255F4470084B}" type="datetimeFigureOut">
               <a:rPr lang="en-US" smtClean="0"/>
-              <a:t>4/15/2024</a:t>
+              <a:t>4/21/2024</a:t>
             </a:fld>
             <a:endParaRPr lang="en-US"/>
           </a:p>
@@ -23749,7 +23750,7 @@
           <a:p>
             <a:pPr algn="l"/>
             <a:r>
-              <a:rPr lang="en-US" sz="4800">
+              <a:rPr lang="en-US" sz="4800" dirty="0">
                 <a:solidFill>
                   <a:schemeClr val="bg1"/>
                 </a:solidFill>
@@ -24247,12 +24248,12 @@
           <a:chExt cx="0" cy="0"/>
         </a:xfrm>
       </p:grpSpPr>
-      <p:sp>
+      <p:sp useBgFill="1">
         <p:nvSpPr>
-          <p:cNvPr id="9" name="Rectangle 8">
+          <p:cNvPr id="16" name="Rectangle 15">
             <a:extLst>
               <a:ext uri="{FF2B5EF4-FFF2-40B4-BE49-F238E27FC236}">
-                <a16:creationId xmlns:a16="http://schemas.microsoft.com/office/drawing/2014/main" id="{4C608BEB-860E-4094-8511-78603564A75E}"/>
+                <a16:creationId xmlns:a16="http://schemas.microsoft.com/office/drawing/2014/main" id="{19D32F93-50AC-4C46-A5DB-291C60DDB7BD}"/>
               </a:ext>
               <a:ext uri="{C183D7F6-B498-43B3-948B-1728B52AA6E4}">
                 <adec:decorative xmlns:adec="http://schemas.microsoft.com/office/drawing/2017/decorative" val="1"/>
@@ -24273,13 +24274,209 @@
         <p:spPr>
           <a:xfrm>
             <a:off x="0" y="0"/>
-            <a:ext cx="4059050" cy="6858000"/>
+            <a:ext cx="12192000" cy="6858000"/>
           </a:xfrm>
           <a:prstGeom prst="rect">
             <a:avLst/>
           </a:prstGeom>
+          <a:ln>
+            <a:noFill/>
+          </a:ln>
+        </p:spPr>
+        <p:style>
+          <a:lnRef idx="2">
+            <a:schemeClr val="accent1">
+              <a:shade val="50000"/>
+            </a:schemeClr>
+          </a:lnRef>
+          <a:fillRef idx="1">
+            <a:schemeClr val="accent1"/>
+          </a:fillRef>
+          <a:effectRef idx="0">
+            <a:schemeClr val="accent1"/>
+          </a:effectRef>
+          <a:fontRef idx="minor">
+            <a:schemeClr val="lt1"/>
+          </a:fontRef>
+        </p:style>
+        <p:txBody>
+          <a:bodyPr rtlCol="0" anchor="ctr"/>
+          <a:lstStyle/>
+          <a:p>
+            <a:pPr algn="ctr"/>
+            <a:endParaRPr lang="en-US"/>
+          </a:p>
+        </p:txBody>
+      </p:sp>
+      <p:sp>
+        <p:nvSpPr>
+          <p:cNvPr id="18" name="Freeform: Shape 17">
+            <a:extLst>
+              <a:ext uri="{FF2B5EF4-FFF2-40B4-BE49-F238E27FC236}">
+                <a16:creationId xmlns:a16="http://schemas.microsoft.com/office/drawing/2014/main" id="{86FD7672-78BE-4D6F-A711-2CDB79B52DFF}"/>
+              </a:ext>
+              <a:ext uri="{C183D7F6-B498-43B3-948B-1728B52AA6E4}">
+                <adec:decorative xmlns:adec="http://schemas.microsoft.com/office/drawing/2017/decorative" val="1"/>
+              </a:ext>
+            </a:extLst>
+          </p:cNvPr>
+          <p:cNvSpPr>
+            <a:spLocks noGrp="1" noRot="1" noChangeAspect="1" noMove="1" noResize="1" noEditPoints="1" noAdjustHandles="1" noChangeArrowheads="1" noChangeShapeType="1" noTextEdit="1"/>
+          </p:cNvSpPr>
+          <p:nvPr>
+            <p:extLst>
+              <p:ext uri="{386F3935-93C4-4BCD-93E2-E3B085C9AB24}">
+                <p16:designElem xmlns:p16="http://schemas.microsoft.com/office/powerpoint/2015/main" val="1"/>
+              </p:ext>
+            </p:extLst>
+          </p:nvPr>
+        </p:nvSpPr>
+        <p:spPr>
+          <a:xfrm>
+            <a:off x="7544662" y="323519"/>
+            <a:ext cx="4323899" cy="6212748"/>
+          </a:xfrm>
+          <a:custGeom>
+            <a:avLst/>
+            <a:gdLst>
+              <a:gd name="connsiteX0" fmla="*/ 0 w 4323899"/>
+              <a:gd name="connsiteY0" fmla="*/ 0 h 6212748"/>
+              <a:gd name="connsiteX1" fmla="*/ 742501 w 4323899"/>
+              <a:gd name="connsiteY1" fmla="*/ 0 h 6212748"/>
+              <a:gd name="connsiteX2" fmla="*/ 4323899 w 4323899"/>
+              <a:gd name="connsiteY2" fmla="*/ 0 h 6212748"/>
+              <a:gd name="connsiteX3" fmla="*/ 4323899 w 4323899"/>
+              <a:gd name="connsiteY3" fmla="*/ 2864954 h 6212748"/>
+              <a:gd name="connsiteX4" fmla="*/ 880454 w 4323899"/>
+              <a:gd name="connsiteY4" fmla="*/ 6212748 h 6212748"/>
+              <a:gd name="connsiteX5" fmla="*/ 0 w 4323899"/>
+              <a:gd name="connsiteY5" fmla="*/ 6212748 h 6212748"/>
+              <a:gd name="connsiteX6" fmla="*/ 0 w 4323899"/>
+              <a:gd name="connsiteY6" fmla="*/ 6210962 h 6212748"/>
+            </a:gdLst>
+            <a:ahLst/>
+            <a:cxnLst>
+              <a:cxn ang="0">
+                <a:pos x="connsiteX0" y="connsiteY0"/>
+              </a:cxn>
+              <a:cxn ang="0">
+                <a:pos x="connsiteX1" y="connsiteY1"/>
+              </a:cxn>
+              <a:cxn ang="0">
+                <a:pos x="connsiteX2" y="connsiteY2"/>
+              </a:cxn>
+              <a:cxn ang="0">
+                <a:pos x="connsiteX3" y="connsiteY3"/>
+              </a:cxn>
+              <a:cxn ang="0">
+                <a:pos x="connsiteX4" y="connsiteY4"/>
+              </a:cxn>
+              <a:cxn ang="0">
+                <a:pos x="connsiteX5" y="connsiteY5"/>
+              </a:cxn>
+              <a:cxn ang="0">
+                <a:pos x="connsiteX6" y="connsiteY6"/>
+              </a:cxn>
+            </a:cxnLst>
+            <a:rect l="l" t="t" r="r" b="b"/>
+            <a:pathLst>
+              <a:path w="4323899" h="6212748">
+                <a:moveTo>
+                  <a:pt x="0" y="0"/>
+                </a:moveTo>
+                <a:lnTo>
+                  <a:pt x="742501" y="0"/>
+                </a:lnTo>
+                <a:lnTo>
+                  <a:pt x="4323899" y="0"/>
+                </a:lnTo>
+                <a:lnTo>
+                  <a:pt x="4323899" y="2864954"/>
+                </a:lnTo>
+                <a:lnTo>
+                  <a:pt x="880454" y="6212748"/>
+                </a:lnTo>
+                <a:lnTo>
+                  <a:pt x="0" y="6212748"/>
+                </a:lnTo>
+                <a:lnTo>
+                  <a:pt x="0" y="6210962"/>
+                </a:lnTo>
+                <a:close/>
+              </a:path>
+            </a:pathLst>
+          </a:custGeom>
           <a:solidFill>
-            <a:srgbClr val="404040"/>
+            <a:schemeClr val="tx1">
+              <a:lumMod val="50000"/>
+              <a:lumOff val="50000"/>
+              <a:alpha val="25000"/>
+            </a:schemeClr>
+          </a:solidFill>
+          <a:ln>
+            <a:noFill/>
+          </a:ln>
+        </p:spPr>
+        <p:style>
+          <a:lnRef idx="2">
+            <a:schemeClr val="accent1">
+              <a:shade val="50000"/>
+            </a:schemeClr>
+          </a:lnRef>
+          <a:fillRef idx="1">
+            <a:schemeClr val="accent1"/>
+          </a:fillRef>
+          <a:effectRef idx="0">
+            <a:schemeClr val="accent1"/>
+          </a:effectRef>
+          <a:fontRef idx="minor">
+            <a:schemeClr val="lt1"/>
+          </a:fontRef>
+        </p:style>
+        <p:txBody>
+          <a:bodyPr wrap="square" rtlCol="0" anchor="ctr">
+            <a:noAutofit/>
+          </a:bodyPr>
+          <a:lstStyle/>
+          <a:p>
+            <a:pPr algn="ctr"/>
+            <a:endParaRPr lang="en-US"/>
+          </a:p>
+        </p:txBody>
+      </p:sp>
+      <p:sp>
+        <p:nvSpPr>
+          <p:cNvPr id="20" name="Right Triangle 19">
+            <a:extLst>
+              <a:ext uri="{FF2B5EF4-FFF2-40B4-BE49-F238E27FC236}">
+                <a16:creationId xmlns:a16="http://schemas.microsoft.com/office/drawing/2014/main" id="{827DC2C4-B485-428A-BF4A-472D2967F47F}"/>
+              </a:ext>
+              <a:ext uri="{C183D7F6-B498-43B3-948B-1728B52AA6E4}">
+                <adec:decorative xmlns:adec="http://schemas.microsoft.com/office/drawing/2017/decorative" val="1"/>
+              </a:ext>
+            </a:extLst>
+          </p:cNvPr>
+          <p:cNvSpPr>
+            <a:spLocks noGrp="1" noRot="1" noChangeAspect="1" noMove="1" noResize="1" noEditPoints="1" noAdjustHandles="1" noChangeArrowheads="1" noChangeShapeType="1" noTextEdit="1"/>
+          </p:cNvSpPr>
+          <p:nvPr>
+            <p:extLst>
+              <p:ext uri="{386F3935-93C4-4BCD-93E2-E3B085C9AB24}">
+                <p16:designElem xmlns:p16="http://schemas.microsoft.com/office/powerpoint/2015/main" val="1"/>
+              </p:ext>
+            </p:extLst>
+          </p:nvPr>
+        </p:nvSpPr>
+        <p:spPr>
+          <a:xfrm flipH="1">
+            <a:off x="8576720" y="3335867"/>
+            <a:ext cx="3291840" cy="3200400"/>
+          </a:xfrm>
+          <a:prstGeom prst="rtTriangle">
+            <a:avLst/>
+          </a:prstGeom>
+          <a:solidFill>
+            <a:schemeClr val="accent4"/>
           </a:solidFill>
           <a:ln>
             <a:noFill/>
@@ -24305,37 +24502,74 @@
           <a:bodyPr rtlCol="0" anchor="ctr"/>
           <a:lstStyle/>
           <a:p>
-            <a:pPr marL="0" marR="0" lvl="0" indent="0" algn="ctr" defTabSz="914400" rtl="0" eaLnBrk="1" fontAlgn="auto" latinLnBrk="0" hangingPunct="1">
-              <a:lnSpc>
-                <a:spcPct val="100000"/>
-              </a:lnSpc>
-              <a:spcBef>
-                <a:spcPts val="0"/>
-              </a:spcBef>
-              <a:spcAft>
-                <a:spcPts val="0"/>
-              </a:spcAft>
-              <a:buClrTx/>
-              <a:buSzTx/>
-              <a:buFontTx/>
-              <a:buNone/>
-              <a:tabLst/>
-              <a:defRPr/>
-            </a:pPr>
-            <a:endParaRPr kumimoji="0" lang="en-US" sz="1800" b="0" i="0" u="none" strike="noStrike" kern="1200" cap="none" spc="0" normalizeH="0" baseline="0" noProof="0">
-              <a:ln>
-                <a:noFill/>
-              </a:ln>
-              <a:solidFill>
-                <a:prstClr val="white"/>
-              </a:solidFill>
-              <a:effectLst/>
-              <a:uLnTx/>
-              <a:uFillTx/>
-              <a:latin typeface="Calibri" panose="020F0502020204030204"/>
-              <a:ea typeface="+mn-ea"/>
-              <a:cs typeface="+mn-cs"/>
-            </a:endParaRPr>
+            <a:pPr algn="ctr"/>
+            <a:endParaRPr lang="en-US" dirty="0"/>
+          </a:p>
+        </p:txBody>
+      </p:sp>
+      <p:sp>
+        <p:nvSpPr>
+          <p:cNvPr id="22" name="Rectangle 21">
+            <a:extLst>
+              <a:ext uri="{FF2B5EF4-FFF2-40B4-BE49-F238E27FC236}">
+                <a16:creationId xmlns:a16="http://schemas.microsoft.com/office/drawing/2014/main" id="{4A62647B-1222-407C-8740-5A497612B1F5}"/>
+              </a:ext>
+              <a:ext uri="{C183D7F6-B498-43B3-948B-1728B52AA6E4}">
+                <adec:decorative xmlns:adec="http://schemas.microsoft.com/office/drawing/2017/decorative" val="1"/>
+              </a:ext>
+            </a:extLst>
+          </p:cNvPr>
+          <p:cNvSpPr>
+            <a:spLocks noGrp="1" noRot="1" noChangeAspect="1" noMove="1" noResize="1" noEditPoints="1" noAdjustHandles="1" noChangeArrowheads="1" noChangeShapeType="1" noTextEdit="1"/>
+          </p:cNvSpPr>
+          <p:nvPr>
+            <p:extLst>
+              <p:ext uri="{386F3935-93C4-4BCD-93E2-E3B085C9AB24}">
+                <p16:designElem xmlns:p16="http://schemas.microsoft.com/office/powerpoint/2015/main" val="1"/>
+              </p:ext>
+            </p:extLst>
+          </p:nvPr>
+        </p:nvSpPr>
+        <p:spPr>
+          <a:xfrm>
+            <a:off x="641774" y="623275"/>
+            <a:ext cx="10905053" cy="5607882"/>
+          </a:xfrm>
+          <a:prstGeom prst="rect">
+            <a:avLst/>
+          </a:prstGeom>
+          <a:noFill/>
+          <a:ln w="19050">
+            <a:solidFill>
+              <a:schemeClr val="tx1">
+                <a:lumMod val="75000"/>
+                <a:lumOff val="25000"/>
+              </a:schemeClr>
+            </a:solidFill>
+          </a:ln>
+        </p:spPr>
+        <p:style>
+          <a:lnRef idx="2">
+            <a:schemeClr val="accent1">
+              <a:shade val="50000"/>
+            </a:schemeClr>
+          </a:lnRef>
+          <a:fillRef idx="1">
+            <a:schemeClr val="accent1"/>
+          </a:fillRef>
+          <a:effectRef idx="0">
+            <a:schemeClr val="accent1"/>
+          </a:effectRef>
+          <a:fontRef idx="minor">
+            <a:schemeClr val="lt1"/>
+          </a:fontRef>
+        </p:style>
+        <p:txBody>
+          <a:bodyPr rtlCol="0" anchor="ctr"/>
+          <a:lstStyle/>
+          <a:p>
+            <a:pPr algn="ctr"/>
+            <a:endParaRPr lang="en-US"/>
           </a:p>
         </p:txBody>
       </p:sp>
@@ -24357,20 +24591,20 @@
         </p:nvSpPr>
         <p:spPr>
           <a:xfrm>
-            <a:off x="838200" y="1412488"/>
-            <a:ext cx="2899189" cy="4363844"/>
+            <a:off x="8029293" y="806364"/>
+            <a:ext cx="3354636" cy="2847413"/>
           </a:xfrm>
         </p:spPr>
         <p:txBody>
-          <a:bodyPr vert="horz" lIns="91440" tIns="45720" rIns="91440" bIns="45720" rtlCol="0" anchor="t">
+          <a:bodyPr vert="horz" lIns="91440" tIns="45720" rIns="91440" bIns="45720" rtlCol="0" anchor="b">
             <a:normAutofit/>
           </a:bodyPr>
           <a:lstStyle/>
           <a:p>
             <a:r>
-              <a:rPr lang="en-US" sz="4000" kern="1200">
+              <a:rPr lang="en-US" sz="5600" kern="1200">
                 <a:solidFill>
-                  <a:srgbClr val="FFFFFF"/>
+                  <a:schemeClr val="tx1"/>
                 </a:solidFill>
                 <a:latin typeface="+mj-lt"/>
                 <a:ea typeface="+mj-ea"/>
@@ -24381,12 +24615,2373 @@
           </a:p>
         </p:txBody>
       </p:sp>
+      <p:graphicFrame>
+        <p:nvGraphicFramePr>
+          <p:cNvPr id="8" name="Table 7">
+            <a:extLst>
+              <a:ext uri="{FF2B5EF4-FFF2-40B4-BE49-F238E27FC236}">
+                <a16:creationId xmlns:a16="http://schemas.microsoft.com/office/drawing/2014/main" id="{82352CE1-D650-22C0-B451-9FDBA7489DC6}"/>
+              </a:ext>
+            </a:extLst>
+          </p:cNvPr>
+          <p:cNvGraphicFramePr>
+            <a:graphicFrameLocks noGrp="1"/>
+          </p:cNvGraphicFramePr>
+          <p:nvPr>
+            <p:extLst>
+              <p:ext uri="{D42A27DB-BD31-4B8C-83A1-F6EECF244321}">
+                <p14:modId xmlns:p14="http://schemas.microsoft.com/office/powerpoint/2010/main" val="3898691934"/>
+              </p:ext>
+            </p:extLst>
+          </p:nvPr>
+        </p:nvGraphicFramePr>
+        <p:xfrm>
+          <a:off x="785769" y="735979"/>
+          <a:ext cx="6133170" cy="5363740"/>
+        </p:xfrm>
+        <a:graphic>
+          <a:graphicData uri="http://schemas.openxmlformats.org/drawingml/2006/table">
+            <a:tbl>
+              <a:tblPr firstRow="1" firstCol="1" bandRow="1">
+                <a:noFill/>
+                <a:tableStyleId>{5C22544A-7EE6-4342-B048-85BDC9FD1C3A}</a:tableStyleId>
+              </a:tblPr>
+              <a:tblGrid>
+                <a:gridCol w="2069116">
+                  <a:extLst>
+                    <a:ext uri="{9D8B030D-6E8A-4147-A177-3AD203B41FA5}">
+                      <a16:colId xmlns:a16="http://schemas.microsoft.com/office/drawing/2014/main" val="3004070546"/>
+                    </a:ext>
+                  </a:extLst>
+                </a:gridCol>
+                <a:gridCol w="1999131">
+                  <a:extLst>
+                    <a:ext uri="{9D8B030D-6E8A-4147-A177-3AD203B41FA5}">
+                      <a16:colId xmlns:a16="http://schemas.microsoft.com/office/drawing/2014/main" val="1589044174"/>
+                    </a:ext>
+                  </a:extLst>
+                </a:gridCol>
+                <a:gridCol w="2064923">
+                  <a:extLst>
+                    <a:ext uri="{9D8B030D-6E8A-4147-A177-3AD203B41FA5}">
+                      <a16:colId xmlns:a16="http://schemas.microsoft.com/office/drawing/2014/main" val="1537179897"/>
+                    </a:ext>
+                  </a:extLst>
+                </a:gridCol>
+              </a:tblGrid>
+              <a:tr h="286120">
+                <a:tc>
+                  <a:txBody>
+                    <a:bodyPr/>
+                    <a:lstStyle/>
+                    <a:p>
+                      <a:pPr marL="0" marR="0">
+                        <a:spcBef>
+                          <a:spcPts val="0"/>
+                        </a:spcBef>
+                        <a:spcAft>
+                          <a:spcPts val="0"/>
+                        </a:spcAft>
+                      </a:pPr>
+                      <a:r>
+                        <a:rPr lang="en-US" sz="700" b="1" cap="none" spc="0" dirty="0">
+                          <a:solidFill>
+                            <a:schemeClr val="bg1"/>
+                          </a:solidFill>
+                          <a:effectLst/>
+                        </a:rPr>
+                        <a:t>Paper (Year) </a:t>
+                      </a:r>
+                      <a:endParaRPr lang="en-US" sz="700" b="1" cap="none" spc="0" dirty="0">
+                        <a:solidFill>
+                          <a:schemeClr val="bg1"/>
+                        </a:solidFill>
+                        <a:effectLst/>
+                        <a:latin typeface="Calibri" panose="020F0502020204030204" pitchFamily="34" charset="0"/>
+                        <a:ea typeface="Calibri" panose="020F0502020204030204" pitchFamily="34" charset="0"/>
+                        <a:cs typeface="Mangal" panose="02040503050203030202" pitchFamily="18" charset="0"/>
+                      </a:endParaRPr>
+                    </a:p>
+                  </a:txBody>
+                  <a:tcPr marL="33977" marR="24269" marT="48539" marB="48539" anchor="ctr">
+                    <a:lnL w="12700" cmpd="sng">
+                      <a:noFill/>
+                    </a:lnL>
+                    <a:lnR w="12700" cmpd="sng">
+                      <a:noFill/>
+                    </a:lnR>
+                    <a:lnT w="19050" cap="flat" cmpd="sng" algn="ctr">
+                      <a:noFill/>
+                      <a:prstDash val="solid"/>
+                    </a:lnT>
+                    <a:lnB w="38100" cmpd="sng">
+                      <a:noFill/>
+                    </a:lnB>
+                    <a:solidFill>
+                      <a:schemeClr val="tx1"/>
+                    </a:solidFill>
+                  </a:tcPr>
+                </a:tc>
+                <a:tc>
+                  <a:txBody>
+                    <a:bodyPr/>
+                    <a:lstStyle/>
+                    <a:p>
+                      <a:pPr marL="0" marR="0">
+                        <a:spcBef>
+                          <a:spcPts val="0"/>
+                        </a:spcBef>
+                        <a:spcAft>
+                          <a:spcPts val="0"/>
+                        </a:spcAft>
+                      </a:pPr>
+                      <a:r>
+                        <a:rPr lang="en-US" sz="700" b="1" cap="none" spc="0">
+                          <a:solidFill>
+                            <a:schemeClr val="bg1"/>
+                          </a:solidFill>
+                          <a:effectLst/>
+                        </a:rPr>
+                        <a:t>Author(s) </a:t>
+                      </a:r>
+                      <a:endParaRPr lang="en-US" sz="700" b="1" cap="none" spc="0">
+                        <a:solidFill>
+                          <a:schemeClr val="bg1"/>
+                        </a:solidFill>
+                        <a:effectLst/>
+                        <a:latin typeface="Calibri" panose="020F0502020204030204" pitchFamily="34" charset="0"/>
+                        <a:ea typeface="Calibri" panose="020F0502020204030204" pitchFamily="34" charset="0"/>
+                        <a:cs typeface="Mangal" panose="02040503050203030202" pitchFamily="18" charset="0"/>
+                      </a:endParaRPr>
+                    </a:p>
+                  </a:txBody>
+                  <a:tcPr marL="33977" marR="24269" marT="48539" marB="48539" anchor="ctr">
+                    <a:lnL w="12700" cmpd="sng">
+                      <a:noFill/>
+                    </a:lnL>
+                    <a:lnR w="12700" cmpd="sng">
+                      <a:noFill/>
+                    </a:lnR>
+                    <a:lnT w="19050" cap="flat" cmpd="sng" algn="ctr">
+                      <a:noFill/>
+                      <a:prstDash val="solid"/>
+                    </a:lnT>
+                    <a:lnB w="38100" cmpd="sng">
+                      <a:noFill/>
+                    </a:lnB>
+                    <a:solidFill>
+                      <a:schemeClr val="tx1"/>
+                    </a:solidFill>
+                  </a:tcPr>
+                </a:tc>
+                <a:tc>
+                  <a:txBody>
+                    <a:bodyPr/>
+                    <a:lstStyle/>
+                    <a:p>
+                      <a:pPr marL="0" marR="0">
+                        <a:spcBef>
+                          <a:spcPts val="0"/>
+                        </a:spcBef>
+                        <a:spcAft>
+                          <a:spcPts val="0"/>
+                        </a:spcAft>
+                      </a:pPr>
+                      <a:r>
+                        <a:rPr lang="en-US" sz="700" b="1" cap="none" spc="0">
+                          <a:solidFill>
+                            <a:schemeClr val="bg1"/>
+                          </a:solidFill>
+                          <a:effectLst/>
+                        </a:rPr>
+                        <a:t>Contribution </a:t>
+                      </a:r>
+                      <a:endParaRPr lang="en-US" sz="700" b="1" cap="none" spc="0">
+                        <a:solidFill>
+                          <a:schemeClr val="bg1"/>
+                        </a:solidFill>
+                        <a:effectLst/>
+                        <a:latin typeface="Calibri" panose="020F0502020204030204" pitchFamily="34" charset="0"/>
+                        <a:ea typeface="Calibri" panose="020F0502020204030204" pitchFamily="34" charset="0"/>
+                        <a:cs typeface="Mangal" panose="02040503050203030202" pitchFamily="18" charset="0"/>
+                      </a:endParaRPr>
+                    </a:p>
+                  </a:txBody>
+                  <a:tcPr marL="33977" marR="24269" marT="48539" marB="48539" anchor="ctr">
+                    <a:lnL w="12700" cmpd="sng">
+                      <a:noFill/>
+                    </a:lnL>
+                    <a:lnR w="12700" cmpd="sng">
+                      <a:noFill/>
+                    </a:lnR>
+                    <a:lnT w="19050" cap="flat" cmpd="sng" algn="ctr">
+                      <a:noFill/>
+                      <a:prstDash val="solid"/>
+                    </a:lnT>
+                    <a:lnB w="38100" cmpd="sng">
+                      <a:noFill/>
+                    </a:lnB>
+                    <a:solidFill>
+                      <a:schemeClr val="tx1"/>
+                    </a:solidFill>
+                  </a:tcPr>
+                </a:tc>
+                <a:extLst>
+                  <a:ext uri="{0D108BD9-81ED-4DB2-BD59-A6C34878D82A}">
+                    <a16:rowId xmlns:a16="http://schemas.microsoft.com/office/drawing/2014/main" val="3814431966"/>
+                  </a:ext>
+                </a:extLst>
+              </a:tr>
+              <a:tr h="447315">
+                <a:tc>
+                  <a:txBody>
+                    <a:bodyPr/>
+                    <a:lstStyle/>
+                    <a:p>
+                      <a:pPr marL="0" marR="0">
+                        <a:spcBef>
+                          <a:spcPts val="0"/>
+                        </a:spcBef>
+                        <a:spcAft>
+                          <a:spcPts val="0"/>
+                        </a:spcAft>
+                      </a:pPr>
+                      <a:r>
+                        <a:rPr lang="en-US" sz="600" b="1" cap="none" spc="0">
+                          <a:solidFill>
+                            <a:schemeClr val="tx1"/>
+                          </a:solidFill>
+                          <a:effectLst/>
+                        </a:rPr>
+                        <a:t>New York City Taxi Trip Duration Prediction Using Machine Learning (2023) </a:t>
+                      </a:r>
+                      <a:endParaRPr lang="en-US" sz="600" b="1" cap="none" spc="0">
+                        <a:solidFill>
+                          <a:schemeClr val="tx1"/>
+                        </a:solidFill>
+                        <a:effectLst/>
+                        <a:latin typeface="Calibri" panose="020F0502020204030204" pitchFamily="34" charset="0"/>
+                        <a:ea typeface="Calibri" panose="020F0502020204030204" pitchFamily="34" charset="0"/>
+                        <a:cs typeface="Mangal" panose="02040503050203030202" pitchFamily="18" charset="0"/>
+                      </a:endParaRPr>
+                    </a:p>
+                  </a:txBody>
+                  <a:tcPr marL="33977" marR="24269" marT="0" marB="48539">
+                    <a:lnL w="12700" cmpd="sng">
+                      <a:noFill/>
+                      <a:prstDash val="solid"/>
+                    </a:lnL>
+                    <a:lnR w="12700" cmpd="sng">
+                      <a:noFill/>
+                      <a:prstDash val="solid"/>
+                    </a:lnR>
+                    <a:lnT w="38100" cmpd="sng">
+                      <a:noFill/>
+                    </a:lnT>
+                    <a:lnB w="12700" cap="flat" cmpd="sng" algn="ctr">
+                      <a:solidFill>
+                        <a:schemeClr val="tx1"/>
+                      </a:solidFill>
+                      <a:prstDash val="solid"/>
+                    </a:lnB>
+                    <a:noFill/>
+                  </a:tcPr>
+                </a:tc>
+                <a:tc>
+                  <a:txBody>
+                    <a:bodyPr/>
+                    <a:lstStyle/>
+                    <a:p>
+                      <a:pPr marL="0" marR="0">
+                        <a:spcBef>
+                          <a:spcPts val="0"/>
+                        </a:spcBef>
+                        <a:spcAft>
+                          <a:spcPts val="0"/>
+                        </a:spcAft>
+                      </a:pPr>
+                      <a:r>
+                        <a:rPr lang="en-US" sz="600" cap="none" spc="0">
+                          <a:solidFill>
+                            <a:schemeClr val="tx1"/>
+                          </a:solidFill>
+                          <a:effectLst/>
+                        </a:rPr>
+                        <a:t>N. R K, J. K, A. Joseph, K. Sakthivel, S. S. Anandharajan </a:t>
+                      </a:r>
+                      <a:endParaRPr lang="en-US" sz="600" cap="none" spc="0">
+                        <a:solidFill>
+                          <a:schemeClr val="tx1"/>
+                        </a:solidFill>
+                        <a:effectLst/>
+                        <a:latin typeface="Calibri" panose="020F0502020204030204" pitchFamily="34" charset="0"/>
+                        <a:ea typeface="Calibri" panose="020F0502020204030204" pitchFamily="34" charset="0"/>
+                        <a:cs typeface="Mangal" panose="02040503050203030202" pitchFamily="18" charset="0"/>
+                      </a:endParaRPr>
+                    </a:p>
+                  </a:txBody>
+                  <a:tcPr marL="33977" marR="24269" marT="0" marB="48539">
+                    <a:lnL w="12700" cmpd="sng">
+                      <a:noFill/>
+                      <a:prstDash val="solid"/>
+                    </a:lnL>
+                    <a:lnR w="12700" cmpd="sng">
+                      <a:noFill/>
+                      <a:prstDash val="solid"/>
+                    </a:lnR>
+                    <a:lnT w="38100" cmpd="sng">
+                      <a:noFill/>
+                    </a:lnT>
+                    <a:lnB w="12700" cap="flat" cmpd="sng" algn="ctr">
+                      <a:solidFill>
+                        <a:schemeClr val="tx1"/>
+                      </a:solidFill>
+                      <a:prstDash val="solid"/>
+                    </a:lnB>
+                    <a:noFill/>
+                  </a:tcPr>
+                </a:tc>
+                <a:tc>
+                  <a:txBody>
+                    <a:bodyPr/>
+                    <a:lstStyle/>
+                    <a:p>
+                      <a:pPr marL="0" marR="0">
+                        <a:spcBef>
+                          <a:spcPts val="0"/>
+                        </a:spcBef>
+                        <a:spcAft>
+                          <a:spcPts val="0"/>
+                        </a:spcAft>
+                      </a:pPr>
+                      <a:r>
+                        <a:rPr lang="en-US" sz="600" cap="none" spc="0">
+                          <a:solidFill>
+                            <a:schemeClr val="tx1"/>
+                          </a:solidFill>
+                          <a:effectLst/>
+                        </a:rPr>
+                        <a:t>Utilized machine learning to predict taxi trip durations in New York City, aiming to enhance route planning and efficiency. </a:t>
+                      </a:r>
+                      <a:endParaRPr lang="en-US" sz="600" cap="none" spc="0">
+                        <a:solidFill>
+                          <a:schemeClr val="tx1"/>
+                        </a:solidFill>
+                        <a:effectLst/>
+                        <a:latin typeface="Calibri" panose="020F0502020204030204" pitchFamily="34" charset="0"/>
+                        <a:ea typeface="Calibri" panose="020F0502020204030204" pitchFamily="34" charset="0"/>
+                        <a:cs typeface="Mangal" panose="02040503050203030202" pitchFamily="18" charset="0"/>
+                      </a:endParaRPr>
+                    </a:p>
+                  </a:txBody>
+                  <a:tcPr marL="33977" marR="24269" marT="0" marB="48539">
+                    <a:lnL w="12700" cmpd="sng">
+                      <a:noFill/>
+                      <a:prstDash val="solid"/>
+                    </a:lnL>
+                    <a:lnR w="12700" cmpd="sng">
+                      <a:noFill/>
+                      <a:prstDash val="solid"/>
+                    </a:lnR>
+                    <a:lnT w="38100" cmpd="sng">
+                      <a:noFill/>
+                    </a:lnT>
+                    <a:lnB w="12700" cap="flat" cmpd="sng" algn="ctr">
+                      <a:solidFill>
+                        <a:schemeClr val="tx1"/>
+                      </a:solidFill>
+                      <a:prstDash val="solid"/>
+                    </a:lnB>
+                    <a:noFill/>
+                  </a:tcPr>
+                </a:tc>
+                <a:extLst>
+                  <a:ext uri="{0D108BD9-81ED-4DB2-BD59-A6C34878D82A}">
+                    <a16:rowId xmlns:a16="http://schemas.microsoft.com/office/drawing/2014/main" val="400204285"/>
+                  </a:ext>
+                </a:extLst>
+              </a:tr>
+              <a:tr h="447315">
+                <a:tc>
+                  <a:txBody>
+                    <a:bodyPr/>
+                    <a:lstStyle/>
+                    <a:p>
+                      <a:pPr marL="0" marR="0">
+                        <a:spcBef>
+                          <a:spcPts val="0"/>
+                        </a:spcBef>
+                        <a:spcAft>
+                          <a:spcPts val="0"/>
+                        </a:spcAft>
+                      </a:pPr>
+                      <a:r>
+                        <a:rPr lang="en-US" sz="600" b="1" cap="none" spc="0">
+                          <a:solidFill>
+                            <a:schemeClr val="tx1"/>
+                          </a:solidFill>
+                          <a:effectLst/>
+                        </a:rPr>
+                        <a:t>Development of predictive modeling and deep learning classification of taxi trip tolls (2022) </a:t>
+                      </a:r>
+                      <a:endParaRPr lang="en-US" sz="600" b="1" cap="none" spc="0">
+                        <a:solidFill>
+                          <a:schemeClr val="tx1"/>
+                        </a:solidFill>
+                        <a:effectLst/>
+                        <a:latin typeface="Calibri" panose="020F0502020204030204" pitchFamily="34" charset="0"/>
+                        <a:ea typeface="Calibri" panose="020F0502020204030204" pitchFamily="34" charset="0"/>
+                        <a:cs typeface="Mangal" panose="02040503050203030202" pitchFamily="18" charset="0"/>
+                      </a:endParaRPr>
+                    </a:p>
+                  </a:txBody>
+                  <a:tcPr marL="33977" marR="24269" marT="0" marB="48539">
+                    <a:lnL w="12700" cmpd="sng">
+                      <a:noFill/>
+                      <a:prstDash val="solid"/>
+                    </a:lnL>
+                    <a:lnR w="12700" cmpd="sng">
+                      <a:noFill/>
+                      <a:prstDash val="solid"/>
+                    </a:lnR>
+                    <a:lnT w="12700" cap="flat" cmpd="sng" algn="ctr">
+                      <a:solidFill>
+                        <a:schemeClr val="tx1"/>
+                      </a:solidFill>
+                      <a:prstDash val="solid"/>
+                    </a:lnT>
+                    <a:lnB w="12700" cmpd="sng">
+                      <a:noFill/>
+                      <a:prstDash val="solid"/>
+                    </a:lnB>
+                    <a:solidFill>
+                      <a:schemeClr val="bg1">
+                        <a:lumMod val="95000"/>
+                      </a:schemeClr>
+                    </a:solidFill>
+                  </a:tcPr>
+                </a:tc>
+                <a:tc>
+                  <a:txBody>
+                    <a:bodyPr/>
+                    <a:lstStyle/>
+                    <a:p>
+                      <a:pPr marL="0" marR="0">
+                        <a:spcBef>
+                          <a:spcPts val="0"/>
+                        </a:spcBef>
+                        <a:spcAft>
+                          <a:spcPts val="0"/>
+                        </a:spcAft>
+                      </a:pPr>
+                      <a:r>
+                        <a:rPr lang="en-US" sz="600" cap="none" spc="0">
+                          <a:solidFill>
+                            <a:schemeClr val="tx1"/>
+                          </a:solidFill>
+                          <a:effectLst/>
+                        </a:rPr>
+                        <a:t>S. Al-Shoukry, B. J. M. Jawad, Z. B. Musa, A. H. Sabry </a:t>
+                      </a:r>
+                      <a:endParaRPr lang="en-US" sz="600" cap="none" spc="0">
+                        <a:solidFill>
+                          <a:schemeClr val="tx1"/>
+                        </a:solidFill>
+                        <a:effectLst/>
+                        <a:latin typeface="Calibri" panose="020F0502020204030204" pitchFamily="34" charset="0"/>
+                        <a:ea typeface="Calibri" panose="020F0502020204030204" pitchFamily="34" charset="0"/>
+                        <a:cs typeface="Mangal" panose="02040503050203030202" pitchFamily="18" charset="0"/>
+                      </a:endParaRPr>
+                    </a:p>
+                  </a:txBody>
+                  <a:tcPr marL="33977" marR="24269" marT="0" marB="48539">
+                    <a:lnL w="12700" cmpd="sng">
+                      <a:noFill/>
+                      <a:prstDash val="solid"/>
+                    </a:lnL>
+                    <a:lnR w="12700" cmpd="sng">
+                      <a:noFill/>
+                      <a:prstDash val="solid"/>
+                    </a:lnR>
+                    <a:lnT w="12700" cap="flat" cmpd="sng" algn="ctr">
+                      <a:solidFill>
+                        <a:schemeClr val="tx1"/>
+                      </a:solidFill>
+                      <a:prstDash val="solid"/>
+                    </a:lnT>
+                    <a:lnB w="12700" cmpd="sng">
+                      <a:noFill/>
+                      <a:prstDash val="solid"/>
+                    </a:lnB>
+                    <a:solidFill>
+                      <a:schemeClr val="bg1">
+                        <a:lumMod val="95000"/>
+                      </a:schemeClr>
+                    </a:solidFill>
+                  </a:tcPr>
+                </a:tc>
+                <a:tc>
+                  <a:txBody>
+                    <a:bodyPr/>
+                    <a:lstStyle/>
+                    <a:p>
+                      <a:pPr marL="0" marR="0">
+                        <a:spcBef>
+                          <a:spcPts val="0"/>
+                        </a:spcBef>
+                        <a:spcAft>
+                          <a:spcPts val="0"/>
+                        </a:spcAft>
+                      </a:pPr>
+                      <a:r>
+                        <a:rPr lang="en-US" sz="600" cap="none" spc="0">
+                          <a:solidFill>
+                            <a:schemeClr val="tx1"/>
+                          </a:solidFill>
+                          <a:effectLst/>
+                        </a:rPr>
+                        <a:t>Developed predictive models and deep learning algorithms for classifying taxi trip tolls, improving fare estimation. </a:t>
+                      </a:r>
+                      <a:endParaRPr lang="en-US" sz="600" cap="none" spc="0">
+                        <a:solidFill>
+                          <a:schemeClr val="tx1"/>
+                        </a:solidFill>
+                        <a:effectLst/>
+                        <a:latin typeface="Calibri" panose="020F0502020204030204" pitchFamily="34" charset="0"/>
+                        <a:ea typeface="Calibri" panose="020F0502020204030204" pitchFamily="34" charset="0"/>
+                        <a:cs typeface="Mangal" panose="02040503050203030202" pitchFamily="18" charset="0"/>
+                      </a:endParaRPr>
+                    </a:p>
+                  </a:txBody>
+                  <a:tcPr marL="33977" marR="24269" marT="0" marB="48539">
+                    <a:lnL w="12700" cmpd="sng">
+                      <a:noFill/>
+                      <a:prstDash val="solid"/>
+                    </a:lnL>
+                    <a:lnR w="12700" cmpd="sng">
+                      <a:noFill/>
+                      <a:prstDash val="solid"/>
+                    </a:lnR>
+                    <a:lnT w="12700" cap="flat" cmpd="sng" algn="ctr">
+                      <a:solidFill>
+                        <a:schemeClr val="tx1"/>
+                      </a:solidFill>
+                      <a:prstDash val="solid"/>
+                    </a:lnT>
+                    <a:lnB w="12700" cmpd="sng">
+                      <a:noFill/>
+                      <a:prstDash val="solid"/>
+                    </a:lnB>
+                    <a:solidFill>
+                      <a:schemeClr val="bg1">
+                        <a:lumMod val="95000"/>
+                      </a:schemeClr>
+                    </a:solidFill>
+                  </a:tcPr>
+                </a:tc>
+                <a:extLst>
+                  <a:ext uri="{0D108BD9-81ED-4DB2-BD59-A6C34878D82A}">
+                    <a16:rowId xmlns:a16="http://schemas.microsoft.com/office/drawing/2014/main" val="1631201046"/>
+                  </a:ext>
+                </a:extLst>
+              </a:tr>
+              <a:tr h="568209">
+                <a:tc>
+                  <a:txBody>
+                    <a:bodyPr/>
+                    <a:lstStyle/>
+                    <a:p>
+                      <a:pPr marL="0" marR="0">
+                        <a:spcBef>
+                          <a:spcPts val="0"/>
+                        </a:spcBef>
+                        <a:spcAft>
+                          <a:spcPts val="0"/>
+                        </a:spcAft>
+                      </a:pPr>
+                      <a:r>
+                        <a:rPr lang="en-US" sz="600" b="1" cap="none" spc="0">
+                          <a:solidFill>
+                            <a:schemeClr val="tx1"/>
+                          </a:solidFill>
+                          <a:effectLst/>
+                        </a:rPr>
+                        <a:t>MLRNN: Taxi Demand Prediction Based on Multi-Level Deep Learning and Regional Heterogeneity Analysis (2022) </a:t>
+                      </a:r>
+                      <a:endParaRPr lang="en-US" sz="600" b="1" cap="none" spc="0">
+                        <a:solidFill>
+                          <a:schemeClr val="tx1"/>
+                        </a:solidFill>
+                        <a:effectLst/>
+                        <a:latin typeface="Calibri" panose="020F0502020204030204" pitchFamily="34" charset="0"/>
+                        <a:ea typeface="Calibri" panose="020F0502020204030204" pitchFamily="34" charset="0"/>
+                        <a:cs typeface="Mangal" panose="02040503050203030202" pitchFamily="18" charset="0"/>
+                      </a:endParaRPr>
+                    </a:p>
+                  </a:txBody>
+                  <a:tcPr marL="33977" marR="24269" marT="0" marB="48539">
+                    <a:lnL w="12700" cmpd="sng">
+                      <a:noFill/>
+                      <a:prstDash val="solid"/>
+                    </a:lnL>
+                    <a:lnR w="12700" cmpd="sng">
+                      <a:noFill/>
+                      <a:prstDash val="solid"/>
+                    </a:lnR>
+                    <a:lnT w="12700" cmpd="sng">
+                      <a:noFill/>
+                      <a:prstDash val="solid"/>
+                    </a:lnT>
+                    <a:lnB w="12700" cap="flat" cmpd="sng" algn="ctr">
+                      <a:solidFill>
+                        <a:schemeClr val="tx1"/>
+                      </a:solidFill>
+                      <a:prstDash val="solid"/>
+                    </a:lnB>
+                    <a:noFill/>
+                  </a:tcPr>
+                </a:tc>
+                <a:tc>
+                  <a:txBody>
+                    <a:bodyPr/>
+                    <a:lstStyle/>
+                    <a:p>
+                      <a:pPr marL="0" marR="0">
+                        <a:spcBef>
+                          <a:spcPts val="0"/>
+                        </a:spcBef>
+                        <a:spcAft>
+                          <a:spcPts val="0"/>
+                        </a:spcAft>
+                      </a:pPr>
+                      <a:r>
+                        <a:rPr lang="en-US" sz="600" cap="none" spc="0">
+                          <a:solidFill>
+                            <a:schemeClr val="tx1"/>
+                          </a:solidFill>
+                          <a:effectLst/>
+                        </a:rPr>
+                        <a:t>C. Zhang, F. Zhu, Y. Lv, P. Ye, F. -Y. Wang </a:t>
+                      </a:r>
+                      <a:endParaRPr lang="en-US" sz="600" cap="none" spc="0">
+                        <a:solidFill>
+                          <a:schemeClr val="tx1"/>
+                        </a:solidFill>
+                        <a:effectLst/>
+                        <a:latin typeface="Calibri" panose="020F0502020204030204" pitchFamily="34" charset="0"/>
+                        <a:ea typeface="Calibri" panose="020F0502020204030204" pitchFamily="34" charset="0"/>
+                        <a:cs typeface="Mangal" panose="02040503050203030202" pitchFamily="18" charset="0"/>
+                      </a:endParaRPr>
+                    </a:p>
+                  </a:txBody>
+                  <a:tcPr marL="33977" marR="24269" marT="0" marB="48539">
+                    <a:lnL w="12700" cmpd="sng">
+                      <a:noFill/>
+                      <a:prstDash val="solid"/>
+                    </a:lnL>
+                    <a:lnR w="12700" cmpd="sng">
+                      <a:noFill/>
+                      <a:prstDash val="solid"/>
+                    </a:lnR>
+                    <a:lnT w="12700" cmpd="sng">
+                      <a:noFill/>
+                      <a:prstDash val="solid"/>
+                    </a:lnT>
+                    <a:lnB w="12700" cap="flat" cmpd="sng" algn="ctr">
+                      <a:solidFill>
+                        <a:schemeClr val="tx1"/>
+                      </a:solidFill>
+                      <a:prstDash val="solid"/>
+                    </a:lnB>
+                    <a:noFill/>
+                  </a:tcPr>
+                </a:tc>
+                <a:tc>
+                  <a:txBody>
+                    <a:bodyPr/>
+                    <a:lstStyle/>
+                    <a:p>
+                      <a:pPr marL="0" marR="0">
+                        <a:spcBef>
+                          <a:spcPts val="0"/>
+                        </a:spcBef>
+                        <a:spcAft>
+                          <a:spcPts val="0"/>
+                        </a:spcAft>
+                      </a:pPr>
+                      <a:r>
+                        <a:rPr lang="en-US" sz="600" cap="none" spc="0">
+                          <a:solidFill>
+                            <a:schemeClr val="tx1"/>
+                          </a:solidFill>
+                          <a:effectLst/>
+                        </a:rPr>
+                        <a:t>Introduced a multi-level deep learning approach to predict taxi demand, taking into account regional variations. </a:t>
+                      </a:r>
+                      <a:endParaRPr lang="en-US" sz="600" cap="none" spc="0">
+                        <a:solidFill>
+                          <a:schemeClr val="tx1"/>
+                        </a:solidFill>
+                        <a:effectLst/>
+                        <a:latin typeface="Calibri" panose="020F0502020204030204" pitchFamily="34" charset="0"/>
+                        <a:ea typeface="Calibri" panose="020F0502020204030204" pitchFamily="34" charset="0"/>
+                        <a:cs typeface="Mangal" panose="02040503050203030202" pitchFamily="18" charset="0"/>
+                      </a:endParaRPr>
+                    </a:p>
+                  </a:txBody>
+                  <a:tcPr marL="33977" marR="24269" marT="0" marB="48539">
+                    <a:lnL w="12700" cmpd="sng">
+                      <a:noFill/>
+                      <a:prstDash val="solid"/>
+                    </a:lnL>
+                    <a:lnR w="12700" cmpd="sng">
+                      <a:noFill/>
+                      <a:prstDash val="solid"/>
+                    </a:lnR>
+                    <a:lnT w="12700" cmpd="sng">
+                      <a:noFill/>
+                      <a:prstDash val="solid"/>
+                    </a:lnT>
+                    <a:lnB w="12700" cap="flat" cmpd="sng" algn="ctr">
+                      <a:solidFill>
+                        <a:schemeClr val="tx1"/>
+                      </a:solidFill>
+                      <a:prstDash val="solid"/>
+                    </a:lnB>
+                    <a:noFill/>
+                  </a:tcPr>
+                </a:tc>
+                <a:extLst>
+                  <a:ext uri="{0D108BD9-81ED-4DB2-BD59-A6C34878D82A}">
+                    <a16:rowId xmlns:a16="http://schemas.microsoft.com/office/drawing/2014/main" val="1662223557"/>
+                  </a:ext>
+                </a:extLst>
+              </a:tr>
+              <a:tr h="447315">
+                <a:tc>
+                  <a:txBody>
+                    <a:bodyPr/>
+                    <a:lstStyle/>
+                    <a:p>
+                      <a:pPr marL="0" marR="0">
+                        <a:spcBef>
+                          <a:spcPts val="0"/>
+                        </a:spcBef>
+                        <a:spcAft>
+                          <a:spcPts val="0"/>
+                        </a:spcAft>
+                      </a:pPr>
+                      <a:r>
+                        <a:rPr lang="en-US" sz="600" b="1" cap="none" spc="0">
+                          <a:solidFill>
+                            <a:schemeClr val="tx1"/>
+                          </a:solidFill>
+                          <a:effectLst/>
+                        </a:rPr>
+                        <a:t>A taxi demand prediction model based on spectral domain graph convolution (2023) </a:t>
+                      </a:r>
+                      <a:endParaRPr lang="en-US" sz="600" b="1" cap="none" spc="0">
+                        <a:solidFill>
+                          <a:schemeClr val="tx1"/>
+                        </a:solidFill>
+                        <a:effectLst/>
+                        <a:latin typeface="Calibri" panose="020F0502020204030204" pitchFamily="34" charset="0"/>
+                        <a:ea typeface="Calibri" panose="020F0502020204030204" pitchFamily="34" charset="0"/>
+                        <a:cs typeface="Mangal" panose="02040503050203030202" pitchFamily="18" charset="0"/>
+                      </a:endParaRPr>
+                    </a:p>
+                  </a:txBody>
+                  <a:tcPr marL="33977" marR="24269" marT="0" marB="48539">
+                    <a:lnL w="12700" cmpd="sng">
+                      <a:noFill/>
+                      <a:prstDash val="solid"/>
+                    </a:lnL>
+                    <a:lnR w="12700" cmpd="sng">
+                      <a:noFill/>
+                      <a:prstDash val="solid"/>
+                    </a:lnR>
+                    <a:lnT w="12700" cap="flat" cmpd="sng" algn="ctr">
+                      <a:solidFill>
+                        <a:schemeClr val="tx1"/>
+                      </a:solidFill>
+                      <a:prstDash val="solid"/>
+                    </a:lnT>
+                    <a:lnB w="12700" cmpd="sng">
+                      <a:noFill/>
+                      <a:prstDash val="solid"/>
+                    </a:lnB>
+                    <a:solidFill>
+                      <a:schemeClr val="bg1">
+                        <a:lumMod val="95000"/>
+                      </a:schemeClr>
+                    </a:solidFill>
+                  </a:tcPr>
+                </a:tc>
+                <a:tc>
+                  <a:txBody>
+                    <a:bodyPr/>
+                    <a:lstStyle/>
+                    <a:p>
+                      <a:pPr marL="0" marR="0">
+                        <a:spcBef>
+                          <a:spcPts val="0"/>
+                        </a:spcBef>
+                        <a:spcAft>
+                          <a:spcPts val="0"/>
+                        </a:spcAft>
+                      </a:pPr>
+                      <a:r>
+                        <a:rPr lang="en-US" sz="600" cap="none" spc="0">
+                          <a:solidFill>
+                            <a:schemeClr val="tx1"/>
+                          </a:solidFill>
+                          <a:effectLst/>
+                        </a:rPr>
+                        <a:t>X. Xue, C. Zhou, X. Zhang, J. Guo </a:t>
+                      </a:r>
+                      <a:endParaRPr lang="en-US" sz="600" cap="none" spc="0">
+                        <a:solidFill>
+                          <a:schemeClr val="tx1"/>
+                        </a:solidFill>
+                        <a:effectLst/>
+                        <a:latin typeface="Calibri" panose="020F0502020204030204" pitchFamily="34" charset="0"/>
+                        <a:ea typeface="Calibri" panose="020F0502020204030204" pitchFamily="34" charset="0"/>
+                        <a:cs typeface="Mangal" panose="02040503050203030202" pitchFamily="18" charset="0"/>
+                      </a:endParaRPr>
+                    </a:p>
+                  </a:txBody>
+                  <a:tcPr marL="33977" marR="24269" marT="0" marB="48539">
+                    <a:lnL w="12700" cmpd="sng">
+                      <a:noFill/>
+                      <a:prstDash val="solid"/>
+                    </a:lnL>
+                    <a:lnR w="12700" cmpd="sng">
+                      <a:noFill/>
+                      <a:prstDash val="solid"/>
+                    </a:lnR>
+                    <a:lnT w="12700" cap="flat" cmpd="sng" algn="ctr">
+                      <a:solidFill>
+                        <a:schemeClr val="tx1"/>
+                      </a:solidFill>
+                      <a:prstDash val="solid"/>
+                    </a:lnT>
+                    <a:lnB w="12700" cmpd="sng">
+                      <a:noFill/>
+                      <a:prstDash val="solid"/>
+                    </a:lnB>
+                    <a:solidFill>
+                      <a:schemeClr val="bg1">
+                        <a:lumMod val="95000"/>
+                      </a:schemeClr>
+                    </a:solidFill>
+                  </a:tcPr>
+                </a:tc>
+                <a:tc>
+                  <a:txBody>
+                    <a:bodyPr/>
+                    <a:lstStyle/>
+                    <a:p>
+                      <a:pPr marL="0" marR="0">
+                        <a:spcBef>
+                          <a:spcPts val="0"/>
+                        </a:spcBef>
+                        <a:spcAft>
+                          <a:spcPts val="0"/>
+                        </a:spcAft>
+                      </a:pPr>
+                      <a:r>
+                        <a:rPr lang="en-US" sz="600" cap="none" spc="0">
+                          <a:solidFill>
+                            <a:schemeClr val="tx1"/>
+                          </a:solidFill>
+                          <a:effectLst/>
+                        </a:rPr>
+                        <a:t>Employed spectral domain graph convolution for taxi demand prediction, enhancing prediction accuracy. </a:t>
+                      </a:r>
+                      <a:endParaRPr lang="en-US" sz="600" cap="none" spc="0">
+                        <a:solidFill>
+                          <a:schemeClr val="tx1"/>
+                        </a:solidFill>
+                        <a:effectLst/>
+                        <a:latin typeface="Calibri" panose="020F0502020204030204" pitchFamily="34" charset="0"/>
+                        <a:ea typeface="Calibri" panose="020F0502020204030204" pitchFamily="34" charset="0"/>
+                        <a:cs typeface="Mangal" panose="02040503050203030202" pitchFamily="18" charset="0"/>
+                      </a:endParaRPr>
+                    </a:p>
+                  </a:txBody>
+                  <a:tcPr marL="33977" marR="24269" marT="0" marB="48539">
+                    <a:lnL w="12700" cmpd="sng">
+                      <a:noFill/>
+                      <a:prstDash val="solid"/>
+                    </a:lnL>
+                    <a:lnR w="12700" cmpd="sng">
+                      <a:noFill/>
+                      <a:prstDash val="solid"/>
+                    </a:lnR>
+                    <a:lnT w="12700" cap="flat" cmpd="sng" algn="ctr">
+                      <a:solidFill>
+                        <a:schemeClr val="tx1"/>
+                      </a:solidFill>
+                      <a:prstDash val="solid"/>
+                    </a:lnT>
+                    <a:lnB w="12700" cmpd="sng">
+                      <a:noFill/>
+                      <a:prstDash val="solid"/>
+                    </a:lnB>
+                    <a:solidFill>
+                      <a:schemeClr val="bg1">
+                        <a:lumMod val="95000"/>
+                      </a:schemeClr>
+                    </a:solidFill>
+                  </a:tcPr>
+                </a:tc>
+                <a:extLst>
+                  <a:ext uri="{0D108BD9-81ED-4DB2-BD59-A6C34878D82A}">
+                    <a16:rowId xmlns:a16="http://schemas.microsoft.com/office/drawing/2014/main" val="3383084265"/>
+                  </a:ext>
+                </a:extLst>
+              </a:tr>
+              <a:tr h="568209">
+                <a:tc>
+                  <a:txBody>
+                    <a:bodyPr/>
+                    <a:lstStyle/>
+                    <a:p>
+                      <a:pPr marL="0" marR="0">
+                        <a:spcBef>
+                          <a:spcPts val="0"/>
+                        </a:spcBef>
+                        <a:spcAft>
+                          <a:spcPts val="0"/>
+                        </a:spcAft>
+                      </a:pPr>
+                      <a:r>
+                        <a:rPr lang="en-US" sz="600" b="1" cap="none" spc="0">
+                          <a:solidFill>
+                            <a:schemeClr val="tx1"/>
+                          </a:solidFill>
+                          <a:effectLst/>
+                        </a:rPr>
+                        <a:t>Block Popularity Prediction for Multimedia Storage Systems Using Spatial-Temporal-Sequential Neural Networks (2021) </a:t>
+                      </a:r>
+                      <a:endParaRPr lang="en-US" sz="600" b="1" cap="none" spc="0">
+                        <a:solidFill>
+                          <a:schemeClr val="tx1"/>
+                        </a:solidFill>
+                        <a:effectLst/>
+                        <a:latin typeface="Calibri" panose="020F0502020204030204" pitchFamily="34" charset="0"/>
+                        <a:ea typeface="Calibri" panose="020F0502020204030204" pitchFamily="34" charset="0"/>
+                        <a:cs typeface="Mangal" panose="02040503050203030202" pitchFamily="18" charset="0"/>
+                      </a:endParaRPr>
+                    </a:p>
+                  </a:txBody>
+                  <a:tcPr marL="33977" marR="24269" marT="0" marB="48539">
+                    <a:lnL w="12700" cmpd="sng">
+                      <a:noFill/>
+                      <a:prstDash val="solid"/>
+                    </a:lnL>
+                    <a:lnR w="12700" cmpd="sng">
+                      <a:noFill/>
+                      <a:prstDash val="solid"/>
+                    </a:lnR>
+                    <a:lnT w="12700" cmpd="sng">
+                      <a:noFill/>
+                      <a:prstDash val="solid"/>
+                    </a:lnT>
+                    <a:lnB w="12700" cap="flat" cmpd="sng" algn="ctr">
+                      <a:solidFill>
+                        <a:schemeClr val="tx1"/>
+                      </a:solidFill>
+                      <a:prstDash val="solid"/>
+                    </a:lnB>
+                    <a:noFill/>
+                  </a:tcPr>
+                </a:tc>
+                <a:tc>
+                  <a:txBody>
+                    <a:bodyPr/>
+                    <a:lstStyle/>
+                    <a:p>
+                      <a:pPr marL="0" marR="0">
+                        <a:spcBef>
+                          <a:spcPts val="0"/>
+                        </a:spcBef>
+                        <a:spcAft>
+                          <a:spcPts val="0"/>
+                        </a:spcAft>
+                      </a:pPr>
+                      <a:r>
+                        <a:rPr lang="en-US" sz="600" cap="none" spc="0">
+                          <a:solidFill>
+                            <a:schemeClr val="tx1"/>
+                          </a:solidFill>
+                          <a:effectLst/>
+                        </a:rPr>
+                        <a:t>Y. Cheng et al. </a:t>
+                      </a:r>
+                      <a:endParaRPr lang="en-US" sz="600" cap="none" spc="0">
+                        <a:solidFill>
+                          <a:schemeClr val="tx1"/>
+                        </a:solidFill>
+                        <a:effectLst/>
+                        <a:latin typeface="Calibri" panose="020F0502020204030204" pitchFamily="34" charset="0"/>
+                        <a:ea typeface="Calibri" panose="020F0502020204030204" pitchFamily="34" charset="0"/>
+                        <a:cs typeface="Mangal" panose="02040503050203030202" pitchFamily="18" charset="0"/>
+                      </a:endParaRPr>
+                    </a:p>
+                  </a:txBody>
+                  <a:tcPr marL="33977" marR="24269" marT="0" marB="48539">
+                    <a:lnL w="12700" cmpd="sng">
+                      <a:noFill/>
+                      <a:prstDash val="solid"/>
+                    </a:lnL>
+                    <a:lnR w="12700" cmpd="sng">
+                      <a:noFill/>
+                      <a:prstDash val="solid"/>
+                    </a:lnR>
+                    <a:lnT w="12700" cmpd="sng">
+                      <a:noFill/>
+                      <a:prstDash val="solid"/>
+                    </a:lnT>
+                    <a:lnB w="12700" cap="flat" cmpd="sng" algn="ctr">
+                      <a:solidFill>
+                        <a:schemeClr val="tx1"/>
+                      </a:solidFill>
+                      <a:prstDash val="solid"/>
+                    </a:lnB>
+                    <a:noFill/>
+                  </a:tcPr>
+                </a:tc>
+                <a:tc>
+                  <a:txBody>
+                    <a:bodyPr/>
+                    <a:lstStyle/>
+                    <a:p>
+                      <a:pPr marL="0" marR="0">
+                        <a:spcBef>
+                          <a:spcPts val="0"/>
+                        </a:spcBef>
+                        <a:spcAft>
+                          <a:spcPts val="0"/>
+                        </a:spcAft>
+                      </a:pPr>
+                      <a:r>
+                        <a:rPr lang="en-US" sz="600" cap="none" spc="0">
+                          <a:solidFill>
+                            <a:schemeClr val="tx1"/>
+                          </a:solidFill>
+                          <a:effectLst/>
+                        </a:rPr>
+                        <a:t>Utilized spatial-temporal-sequential neural networks to predict block popularity in multimedia storage systems, contributing indirectly to traffic data analysis. </a:t>
+                      </a:r>
+                      <a:endParaRPr lang="en-US" sz="600" cap="none" spc="0">
+                        <a:solidFill>
+                          <a:schemeClr val="tx1"/>
+                        </a:solidFill>
+                        <a:effectLst/>
+                        <a:latin typeface="Calibri" panose="020F0502020204030204" pitchFamily="34" charset="0"/>
+                        <a:ea typeface="Calibri" panose="020F0502020204030204" pitchFamily="34" charset="0"/>
+                        <a:cs typeface="Mangal" panose="02040503050203030202" pitchFamily="18" charset="0"/>
+                      </a:endParaRPr>
+                    </a:p>
+                  </a:txBody>
+                  <a:tcPr marL="33977" marR="24269" marT="0" marB="48539">
+                    <a:lnL w="12700" cmpd="sng">
+                      <a:noFill/>
+                      <a:prstDash val="solid"/>
+                    </a:lnL>
+                    <a:lnR w="12700" cmpd="sng">
+                      <a:noFill/>
+                      <a:prstDash val="solid"/>
+                    </a:lnR>
+                    <a:lnT w="12700" cmpd="sng">
+                      <a:noFill/>
+                      <a:prstDash val="solid"/>
+                    </a:lnT>
+                    <a:lnB w="12700" cap="flat" cmpd="sng" algn="ctr">
+                      <a:solidFill>
+                        <a:schemeClr val="tx1"/>
+                      </a:solidFill>
+                      <a:prstDash val="solid"/>
+                    </a:lnB>
+                    <a:noFill/>
+                  </a:tcPr>
+                </a:tc>
+                <a:extLst>
+                  <a:ext uri="{0D108BD9-81ED-4DB2-BD59-A6C34878D82A}">
+                    <a16:rowId xmlns:a16="http://schemas.microsoft.com/office/drawing/2014/main" val="873115306"/>
+                  </a:ext>
+                </a:extLst>
+              </a:tr>
+              <a:tr h="447315">
+                <a:tc>
+                  <a:txBody>
+                    <a:bodyPr/>
+                    <a:lstStyle/>
+                    <a:p>
+                      <a:pPr marL="0" marR="0">
+                        <a:spcBef>
+                          <a:spcPts val="0"/>
+                        </a:spcBef>
+                        <a:spcAft>
+                          <a:spcPts val="0"/>
+                        </a:spcAft>
+                      </a:pPr>
+                      <a:r>
+                        <a:rPr lang="en-US" sz="600" b="1" cap="none" spc="0">
+                          <a:solidFill>
+                            <a:schemeClr val="tx1"/>
+                          </a:solidFill>
+                          <a:effectLst/>
+                        </a:rPr>
+                        <a:t>A Deep Learning Approach to Forecasting Short-Term Taxi Demands (2022) </a:t>
+                      </a:r>
+                      <a:endParaRPr lang="en-US" sz="600" b="1" cap="none" spc="0">
+                        <a:solidFill>
+                          <a:schemeClr val="tx1"/>
+                        </a:solidFill>
+                        <a:effectLst/>
+                        <a:latin typeface="Calibri" panose="020F0502020204030204" pitchFamily="34" charset="0"/>
+                        <a:ea typeface="Calibri" panose="020F0502020204030204" pitchFamily="34" charset="0"/>
+                        <a:cs typeface="Mangal" panose="02040503050203030202" pitchFamily="18" charset="0"/>
+                      </a:endParaRPr>
+                    </a:p>
+                  </a:txBody>
+                  <a:tcPr marL="33977" marR="24269" marT="0" marB="48539">
+                    <a:lnL w="12700" cmpd="sng">
+                      <a:noFill/>
+                      <a:prstDash val="solid"/>
+                    </a:lnL>
+                    <a:lnR w="12700" cmpd="sng">
+                      <a:noFill/>
+                      <a:prstDash val="solid"/>
+                    </a:lnR>
+                    <a:lnT w="12700" cap="flat" cmpd="sng" algn="ctr">
+                      <a:solidFill>
+                        <a:schemeClr val="tx1"/>
+                      </a:solidFill>
+                      <a:prstDash val="solid"/>
+                    </a:lnT>
+                    <a:lnB w="12700" cmpd="sng">
+                      <a:noFill/>
+                      <a:prstDash val="solid"/>
+                    </a:lnB>
+                    <a:solidFill>
+                      <a:schemeClr val="bg1">
+                        <a:lumMod val="95000"/>
+                      </a:schemeClr>
+                    </a:solidFill>
+                  </a:tcPr>
+                </a:tc>
+                <a:tc>
+                  <a:txBody>
+                    <a:bodyPr/>
+                    <a:lstStyle/>
+                    <a:p>
+                      <a:pPr marL="0" marR="0">
+                        <a:spcBef>
+                          <a:spcPts val="0"/>
+                        </a:spcBef>
+                        <a:spcAft>
+                          <a:spcPts val="0"/>
+                        </a:spcAft>
+                      </a:pPr>
+                      <a:r>
+                        <a:rPr lang="en-US" sz="600" cap="none" spc="0">
+                          <a:solidFill>
+                            <a:schemeClr val="tx1"/>
+                          </a:solidFill>
+                          <a:effectLst/>
+                        </a:rPr>
+                        <a:t>U. Sahin </a:t>
+                      </a:r>
+                      <a:endParaRPr lang="en-US" sz="600" cap="none" spc="0">
+                        <a:solidFill>
+                          <a:schemeClr val="tx1"/>
+                        </a:solidFill>
+                        <a:effectLst/>
+                        <a:latin typeface="Calibri" panose="020F0502020204030204" pitchFamily="34" charset="0"/>
+                        <a:ea typeface="Calibri" panose="020F0502020204030204" pitchFamily="34" charset="0"/>
+                        <a:cs typeface="Mangal" panose="02040503050203030202" pitchFamily="18" charset="0"/>
+                      </a:endParaRPr>
+                    </a:p>
+                  </a:txBody>
+                  <a:tcPr marL="33977" marR="24269" marT="0" marB="48539">
+                    <a:lnL w="12700" cmpd="sng">
+                      <a:noFill/>
+                      <a:prstDash val="solid"/>
+                    </a:lnL>
+                    <a:lnR w="12700" cmpd="sng">
+                      <a:noFill/>
+                      <a:prstDash val="solid"/>
+                    </a:lnR>
+                    <a:lnT w="12700" cap="flat" cmpd="sng" algn="ctr">
+                      <a:solidFill>
+                        <a:schemeClr val="tx1"/>
+                      </a:solidFill>
+                      <a:prstDash val="solid"/>
+                    </a:lnT>
+                    <a:lnB w="12700" cmpd="sng">
+                      <a:noFill/>
+                      <a:prstDash val="solid"/>
+                    </a:lnB>
+                    <a:solidFill>
+                      <a:schemeClr val="bg1">
+                        <a:lumMod val="95000"/>
+                      </a:schemeClr>
+                    </a:solidFill>
+                  </a:tcPr>
+                </a:tc>
+                <a:tc>
+                  <a:txBody>
+                    <a:bodyPr/>
+                    <a:lstStyle/>
+                    <a:p>
+                      <a:pPr marL="0" marR="0">
+                        <a:spcBef>
+                          <a:spcPts val="0"/>
+                        </a:spcBef>
+                        <a:spcAft>
+                          <a:spcPts val="0"/>
+                        </a:spcAft>
+                      </a:pPr>
+                      <a:r>
+                        <a:rPr lang="en-US" sz="600" cap="none" spc="0">
+                          <a:solidFill>
+                            <a:schemeClr val="tx1"/>
+                          </a:solidFill>
+                          <a:effectLst/>
+                        </a:rPr>
+                        <a:t>Applied deep learning to forecast short-term taxi demands, supporting dynamic dispatching and resource allocation. </a:t>
+                      </a:r>
+                      <a:endParaRPr lang="en-US" sz="600" cap="none" spc="0">
+                        <a:solidFill>
+                          <a:schemeClr val="tx1"/>
+                        </a:solidFill>
+                        <a:effectLst/>
+                        <a:latin typeface="Calibri" panose="020F0502020204030204" pitchFamily="34" charset="0"/>
+                        <a:ea typeface="Calibri" panose="020F0502020204030204" pitchFamily="34" charset="0"/>
+                        <a:cs typeface="Mangal" panose="02040503050203030202" pitchFamily="18" charset="0"/>
+                      </a:endParaRPr>
+                    </a:p>
+                  </a:txBody>
+                  <a:tcPr marL="33977" marR="24269" marT="0" marB="48539">
+                    <a:lnL w="12700" cmpd="sng">
+                      <a:noFill/>
+                      <a:prstDash val="solid"/>
+                    </a:lnL>
+                    <a:lnR w="12700" cmpd="sng">
+                      <a:noFill/>
+                      <a:prstDash val="solid"/>
+                    </a:lnR>
+                    <a:lnT w="12700" cap="flat" cmpd="sng" algn="ctr">
+                      <a:solidFill>
+                        <a:schemeClr val="tx1"/>
+                      </a:solidFill>
+                      <a:prstDash val="solid"/>
+                    </a:lnT>
+                    <a:lnB w="12700" cmpd="sng">
+                      <a:noFill/>
+                      <a:prstDash val="solid"/>
+                    </a:lnB>
+                    <a:solidFill>
+                      <a:schemeClr val="bg1">
+                        <a:lumMod val="95000"/>
+                      </a:schemeClr>
+                    </a:solidFill>
+                  </a:tcPr>
+                </a:tc>
+                <a:extLst>
+                  <a:ext uri="{0D108BD9-81ED-4DB2-BD59-A6C34878D82A}">
+                    <a16:rowId xmlns:a16="http://schemas.microsoft.com/office/drawing/2014/main" val="2197612521"/>
+                  </a:ext>
+                </a:extLst>
+              </a:tr>
+              <a:tr h="568209">
+                <a:tc>
+                  <a:txBody>
+                    <a:bodyPr/>
+                    <a:lstStyle/>
+                    <a:p>
+                      <a:pPr marL="0" marR="0">
+                        <a:spcBef>
+                          <a:spcPts val="0"/>
+                        </a:spcBef>
+                        <a:spcAft>
+                          <a:spcPts val="0"/>
+                        </a:spcAft>
+                      </a:pPr>
+                      <a:r>
+                        <a:rPr lang="en-US" sz="600" b="1" cap="none" spc="0">
+                          <a:solidFill>
+                            <a:schemeClr val="tx1"/>
+                          </a:solidFill>
+                          <a:effectLst/>
+                        </a:rPr>
+                        <a:t>Prediction of Taxi Destinations Using a Novel Data Embedding Method and Ensemble Learning (2020) </a:t>
+                      </a:r>
+                      <a:endParaRPr lang="en-US" sz="600" b="1" cap="none" spc="0">
+                        <a:solidFill>
+                          <a:schemeClr val="tx1"/>
+                        </a:solidFill>
+                        <a:effectLst/>
+                        <a:latin typeface="Calibri" panose="020F0502020204030204" pitchFamily="34" charset="0"/>
+                        <a:ea typeface="Calibri" panose="020F0502020204030204" pitchFamily="34" charset="0"/>
+                        <a:cs typeface="Mangal" panose="02040503050203030202" pitchFamily="18" charset="0"/>
+                      </a:endParaRPr>
+                    </a:p>
+                  </a:txBody>
+                  <a:tcPr marL="33977" marR="24269" marT="0" marB="48539">
+                    <a:lnL w="12700" cmpd="sng">
+                      <a:noFill/>
+                      <a:prstDash val="solid"/>
+                    </a:lnL>
+                    <a:lnR w="12700" cmpd="sng">
+                      <a:noFill/>
+                      <a:prstDash val="solid"/>
+                    </a:lnR>
+                    <a:lnT w="12700" cmpd="sng">
+                      <a:noFill/>
+                      <a:prstDash val="solid"/>
+                    </a:lnT>
+                    <a:lnB w="12700" cap="flat" cmpd="sng" algn="ctr">
+                      <a:solidFill>
+                        <a:schemeClr val="tx1"/>
+                      </a:solidFill>
+                      <a:prstDash val="solid"/>
+                    </a:lnB>
+                    <a:noFill/>
+                  </a:tcPr>
+                </a:tc>
+                <a:tc>
+                  <a:txBody>
+                    <a:bodyPr/>
+                    <a:lstStyle/>
+                    <a:p>
+                      <a:pPr marL="0" marR="0">
+                        <a:spcBef>
+                          <a:spcPts val="0"/>
+                        </a:spcBef>
+                        <a:spcAft>
+                          <a:spcPts val="0"/>
+                        </a:spcAft>
+                      </a:pPr>
+                      <a:r>
+                        <a:rPr lang="en-US" sz="600" cap="none" spc="0">
+                          <a:solidFill>
+                            <a:schemeClr val="tx1"/>
+                          </a:solidFill>
+                          <a:effectLst/>
+                        </a:rPr>
+                        <a:t>X. Zhang, Z. Zhao, Y. Zheng, J. Li </a:t>
+                      </a:r>
+                      <a:endParaRPr lang="en-US" sz="600" cap="none" spc="0">
+                        <a:solidFill>
+                          <a:schemeClr val="tx1"/>
+                        </a:solidFill>
+                        <a:effectLst/>
+                        <a:latin typeface="Calibri" panose="020F0502020204030204" pitchFamily="34" charset="0"/>
+                        <a:ea typeface="Calibri" panose="020F0502020204030204" pitchFamily="34" charset="0"/>
+                        <a:cs typeface="Mangal" panose="02040503050203030202" pitchFamily="18" charset="0"/>
+                      </a:endParaRPr>
+                    </a:p>
+                  </a:txBody>
+                  <a:tcPr marL="33977" marR="24269" marT="0" marB="48539">
+                    <a:lnL w="12700" cmpd="sng">
+                      <a:noFill/>
+                      <a:prstDash val="solid"/>
+                    </a:lnL>
+                    <a:lnR w="12700" cmpd="sng">
+                      <a:noFill/>
+                      <a:prstDash val="solid"/>
+                    </a:lnR>
+                    <a:lnT w="12700" cmpd="sng">
+                      <a:noFill/>
+                      <a:prstDash val="solid"/>
+                    </a:lnT>
+                    <a:lnB w="12700" cap="flat" cmpd="sng" algn="ctr">
+                      <a:solidFill>
+                        <a:schemeClr val="tx1"/>
+                      </a:solidFill>
+                      <a:prstDash val="solid"/>
+                    </a:lnB>
+                    <a:noFill/>
+                  </a:tcPr>
+                </a:tc>
+                <a:tc>
+                  <a:txBody>
+                    <a:bodyPr/>
+                    <a:lstStyle/>
+                    <a:p>
+                      <a:pPr marL="0" marR="0">
+                        <a:spcBef>
+                          <a:spcPts val="0"/>
+                        </a:spcBef>
+                        <a:spcAft>
+                          <a:spcPts val="0"/>
+                        </a:spcAft>
+                      </a:pPr>
+                      <a:r>
+                        <a:rPr lang="en-US" sz="600" cap="none" spc="0">
+                          <a:solidFill>
+                            <a:schemeClr val="tx1"/>
+                          </a:solidFill>
+                          <a:effectLst/>
+                        </a:rPr>
+                        <a:t>Developed a method combining data embedding and ensemble learning to predict taxi destinations, improving service efficiency. </a:t>
+                      </a:r>
+                      <a:endParaRPr lang="en-US" sz="600" cap="none" spc="0">
+                        <a:solidFill>
+                          <a:schemeClr val="tx1"/>
+                        </a:solidFill>
+                        <a:effectLst/>
+                        <a:latin typeface="Calibri" panose="020F0502020204030204" pitchFamily="34" charset="0"/>
+                        <a:ea typeface="Calibri" panose="020F0502020204030204" pitchFamily="34" charset="0"/>
+                        <a:cs typeface="Mangal" panose="02040503050203030202" pitchFamily="18" charset="0"/>
+                      </a:endParaRPr>
+                    </a:p>
+                  </a:txBody>
+                  <a:tcPr marL="33977" marR="24269" marT="0" marB="48539">
+                    <a:lnL w="12700" cmpd="sng">
+                      <a:noFill/>
+                      <a:prstDash val="solid"/>
+                    </a:lnL>
+                    <a:lnR w="12700" cmpd="sng">
+                      <a:noFill/>
+                      <a:prstDash val="solid"/>
+                    </a:lnR>
+                    <a:lnT w="12700" cmpd="sng">
+                      <a:noFill/>
+                      <a:prstDash val="solid"/>
+                    </a:lnT>
+                    <a:lnB w="12700" cap="flat" cmpd="sng" algn="ctr">
+                      <a:solidFill>
+                        <a:schemeClr val="tx1"/>
+                      </a:solidFill>
+                      <a:prstDash val="solid"/>
+                    </a:lnB>
+                    <a:noFill/>
+                  </a:tcPr>
+                </a:tc>
+                <a:extLst>
+                  <a:ext uri="{0D108BD9-81ED-4DB2-BD59-A6C34878D82A}">
+                    <a16:rowId xmlns:a16="http://schemas.microsoft.com/office/drawing/2014/main" val="1699824232"/>
+                  </a:ext>
+                </a:extLst>
+              </a:tr>
+              <a:tr h="447315">
+                <a:tc>
+                  <a:txBody>
+                    <a:bodyPr/>
+                    <a:lstStyle/>
+                    <a:p>
+                      <a:pPr marL="0" marR="0">
+                        <a:spcBef>
+                          <a:spcPts val="0"/>
+                        </a:spcBef>
+                        <a:spcAft>
+                          <a:spcPts val="0"/>
+                        </a:spcAft>
+                      </a:pPr>
+                      <a:r>
+                        <a:rPr lang="en-US" sz="600" b="1" cap="none" spc="0">
+                          <a:solidFill>
+                            <a:schemeClr val="tx1"/>
+                          </a:solidFill>
+                          <a:effectLst/>
+                        </a:rPr>
+                        <a:t>DeepCorNet: An Efficient Taxi-Hailing Prediction Model (2020) </a:t>
+                      </a:r>
+                      <a:endParaRPr lang="en-US" sz="600" b="1" cap="none" spc="0">
+                        <a:solidFill>
+                          <a:schemeClr val="tx1"/>
+                        </a:solidFill>
+                        <a:effectLst/>
+                        <a:latin typeface="Calibri" panose="020F0502020204030204" pitchFamily="34" charset="0"/>
+                        <a:ea typeface="Calibri" panose="020F0502020204030204" pitchFamily="34" charset="0"/>
+                        <a:cs typeface="Mangal" panose="02040503050203030202" pitchFamily="18" charset="0"/>
+                      </a:endParaRPr>
+                    </a:p>
+                  </a:txBody>
+                  <a:tcPr marL="33977" marR="24269" marT="0" marB="48539">
+                    <a:lnL w="12700" cmpd="sng">
+                      <a:noFill/>
+                      <a:prstDash val="solid"/>
+                    </a:lnL>
+                    <a:lnR w="12700" cmpd="sng">
+                      <a:noFill/>
+                      <a:prstDash val="solid"/>
+                    </a:lnR>
+                    <a:lnT w="12700" cap="flat" cmpd="sng" algn="ctr">
+                      <a:solidFill>
+                        <a:schemeClr val="tx1"/>
+                      </a:solidFill>
+                      <a:prstDash val="solid"/>
+                    </a:lnT>
+                    <a:lnB w="12700" cmpd="sng">
+                      <a:noFill/>
+                      <a:prstDash val="solid"/>
+                    </a:lnB>
+                    <a:solidFill>
+                      <a:schemeClr val="bg1">
+                        <a:lumMod val="95000"/>
+                      </a:schemeClr>
+                    </a:solidFill>
+                  </a:tcPr>
+                </a:tc>
+                <a:tc>
+                  <a:txBody>
+                    <a:bodyPr/>
+                    <a:lstStyle/>
+                    <a:p>
+                      <a:pPr marL="0" marR="0">
+                        <a:spcBef>
+                          <a:spcPts val="0"/>
+                        </a:spcBef>
+                        <a:spcAft>
+                          <a:spcPts val="0"/>
+                        </a:spcAft>
+                      </a:pPr>
+                      <a:r>
+                        <a:rPr lang="en-US" sz="600" cap="none" spc="0">
+                          <a:solidFill>
+                            <a:schemeClr val="tx1"/>
+                          </a:solidFill>
+                          <a:effectLst/>
+                        </a:rPr>
+                        <a:t>F. Mao, Z. Li, K. Zhang </a:t>
+                      </a:r>
+                      <a:endParaRPr lang="en-US" sz="600" cap="none" spc="0">
+                        <a:solidFill>
+                          <a:schemeClr val="tx1"/>
+                        </a:solidFill>
+                        <a:effectLst/>
+                        <a:latin typeface="Calibri" panose="020F0502020204030204" pitchFamily="34" charset="0"/>
+                        <a:ea typeface="Calibri" panose="020F0502020204030204" pitchFamily="34" charset="0"/>
+                        <a:cs typeface="Mangal" panose="02040503050203030202" pitchFamily="18" charset="0"/>
+                      </a:endParaRPr>
+                    </a:p>
+                  </a:txBody>
+                  <a:tcPr marL="33977" marR="24269" marT="0" marB="48539">
+                    <a:lnL w="12700" cmpd="sng">
+                      <a:noFill/>
+                      <a:prstDash val="solid"/>
+                    </a:lnL>
+                    <a:lnR w="12700" cmpd="sng">
+                      <a:noFill/>
+                      <a:prstDash val="solid"/>
+                    </a:lnR>
+                    <a:lnT w="12700" cap="flat" cmpd="sng" algn="ctr">
+                      <a:solidFill>
+                        <a:schemeClr val="tx1"/>
+                      </a:solidFill>
+                      <a:prstDash val="solid"/>
+                    </a:lnT>
+                    <a:lnB w="12700" cmpd="sng">
+                      <a:noFill/>
+                      <a:prstDash val="solid"/>
+                    </a:lnB>
+                    <a:solidFill>
+                      <a:schemeClr val="bg1">
+                        <a:lumMod val="95000"/>
+                      </a:schemeClr>
+                    </a:solidFill>
+                  </a:tcPr>
+                </a:tc>
+                <a:tc>
+                  <a:txBody>
+                    <a:bodyPr/>
+                    <a:lstStyle/>
+                    <a:p>
+                      <a:pPr marL="0" marR="0">
+                        <a:spcBef>
+                          <a:spcPts val="0"/>
+                        </a:spcBef>
+                        <a:spcAft>
+                          <a:spcPts val="0"/>
+                        </a:spcAft>
+                      </a:pPr>
+                      <a:r>
+                        <a:rPr lang="en-US" sz="600" cap="none" spc="0">
+                          <a:solidFill>
+                            <a:schemeClr val="tx1"/>
+                          </a:solidFill>
+                          <a:effectLst/>
+                        </a:rPr>
+                        <a:t>Created DeepCorNet to predict taxi-hailing demands, optimizing the allocation of taxis across urban areas. </a:t>
+                      </a:r>
+                      <a:endParaRPr lang="en-US" sz="600" cap="none" spc="0">
+                        <a:solidFill>
+                          <a:schemeClr val="tx1"/>
+                        </a:solidFill>
+                        <a:effectLst/>
+                        <a:latin typeface="Calibri" panose="020F0502020204030204" pitchFamily="34" charset="0"/>
+                        <a:ea typeface="Calibri" panose="020F0502020204030204" pitchFamily="34" charset="0"/>
+                        <a:cs typeface="Mangal" panose="02040503050203030202" pitchFamily="18" charset="0"/>
+                      </a:endParaRPr>
+                    </a:p>
+                  </a:txBody>
+                  <a:tcPr marL="33977" marR="24269" marT="0" marB="48539">
+                    <a:lnL w="12700" cmpd="sng">
+                      <a:noFill/>
+                      <a:prstDash val="solid"/>
+                    </a:lnL>
+                    <a:lnR w="12700" cmpd="sng">
+                      <a:noFill/>
+                      <a:prstDash val="solid"/>
+                    </a:lnR>
+                    <a:lnT w="12700" cap="flat" cmpd="sng" algn="ctr">
+                      <a:solidFill>
+                        <a:schemeClr val="tx1"/>
+                      </a:solidFill>
+                      <a:prstDash val="solid"/>
+                    </a:lnT>
+                    <a:lnB w="12700" cmpd="sng">
+                      <a:noFill/>
+                      <a:prstDash val="solid"/>
+                    </a:lnB>
+                    <a:solidFill>
+                      <a:schemeClr val="bg1">
+                        <a:lumMod val="95000"/>
+                      </a:schemeClr>
+                    </a:solidFill>
+                  </a:tcPr>
+                </a:tc>
+                <a:extLst>
+                  <a:ext uri="{0D108BD9-81ED-4DB2-BD59-A6C34878D82A}">
+                    <a16:rowId xmlns:a16="http://schemas.microsoft.com/office/drawing/2014/main" val="3631618198"/>
+                  </a:ext>
+                </a:extLst>
+              </a:tr>
+              <a:tr h="568209">
+                <a:tc>
+                  <a:txBody>
+                    <a:bodyPr/>
+                    <a:lstStyle/>
+                    <a:p>
+                      <a:pPr marL="0" marR="0">
+                        <a:spcBef>
+                          <a:spcPts val="0"/>
+                        </a:spcBef>
+                        <a:spcAft>
+                          <a:spcPts val="0"/>
+                        </a:spcAft>
+                      </a:pPr>
+                      <a:r>
+                        <a:rPr lang="en-US" sz="600" b="1" cap="none" spc="0">
+                          <a:solidFill>
+                            <a:schemeClr val="tx1"/>
+                          </a:solidFill>
+                          <a:effectLst/>
+                        </a:rPr>
+                        <a:t>Forecasting of origin-to-destination requests for taxis using DNN algorithm with NYU database (2023) </a:t>
+                      </a:r>
+                      <a:endParaRPr lang="en-US" sz="600" b="1" cap="none" spc="0">
+                        <a:solidFill>
+                          <a:schemeClr val="tx1"/>
+                        </a:solidFill>
+                        <a:effectLst/>
+                        <a:latin typeface="Calibri" panose="020F0502020204030204" pitchFamily="34" charset="0"/>
+                        <a:ea typeface="Calibri" panose="020F0502020204030204" pitchFamily="34" charset="0"/>
+                        <a:cs typeface="Mangal" panose="02040503050203030202" pitchFamily="18" charset="0"/>
+                      </a:endParaRPr>
+                    </a:p>
+                  </a:txBody>
+                  <a:tcPr marL="33977" marR="24269" marT="0" marB="48539">
+                    <a:lnL w="12700" cmpd="sng">
+                      <a:noFill/>
+                      <a:prstDash val="solid"/>
+                    </a:lnL>
+                    <a:lnR w="12700" cmpd="sng">
+                      <a:noFill/>
+                      <a:prstDash val="solid"/>
+                    </a:lnR>
+                    <a:lnT w="12700" cmpd="sng">
+                      <a:noFill/>
+                      <a:prstDash val="solid"/>
+                    </a:lnT>
+                    <a:lnB w="12700" cap="flat" cmpd="sng" algn="ctr">
+                      <a:solidFill>
+                        <a:schemeClr val="tx1"/>
+                      </a:solidFill>
+                      <a:prstDash val="solid"/>
+                    </a:lnB>
+                    <a:noFill/>
+                  </a:tcPr>
+                </a:tc>
+                <a:tc>
+                  <a:txBody>
+                    <a:bodyPr/>
+                    <a:lstStyle/>
+                    <a:p>
+                      <a:pPr marL="0" marR="0">
+                        <a:spcBef>
+                          <a:spcPts val="0"/>
+                        </a:spcBef>
+                        <a:spcAft>
+                          <a:spcPts val="0"/>
+                        </a:spcAft>
+                      </a:pPr>
+                      <a:r>
+                        <a:rPr lang="en-US" sz="600" cap="none" spc="0">
+                          <a:solidFill>
+                            <a:schemeClr val="tx1"/>
+                          </a:solidFill>
+                          <a:effectLst/>
+                        </a:rPr>
+                        <a:t>R. Jegadeesan et al. </a:t>
+                      </a:r>
+                      <a:endParaRPr lang="en-US" sz="600" cap="none" spc="0">
+                        <a:solidFill>
+                          <a:schemeClr val="tx1"/>
+                        </a:solidFill>
+                        <a:effectLst/>
+                        <a:latin typeface="Calibri" panose="020F0502020204030204" pitchFamily="34" charset="0"/>
+                        <a:ea typeface="Calibri" panose="020F0502020204030204" pitchFamily="34" charset="0"/>
+                        <a:cs typeface="Mangal" panose="02040503050203030202" pitchFamily="18" charset="0"/>
+                      </a:endParaRPr>
+                    </a:p>
+                  </a:txBody>
+                  <a:tcPr marL="33977" marR="24269" marT="0" marB="48539">
+                    <a:lnL w="12700" cmpd="sng">
+                      <a:noFill/>
+                      <a:prstDash val="solid"/>
+                    </a:lnL>
+                    <a:lnR w="12700" cmpd="sng">
+                      <a:noFill/>
+                      <a:prstDash val="solid"/>
+                    </a:lnR>
+                    <a:lnT w="12700" cmpd="sng">
+                      <a:noFill/>
+                      <a:prstDash val="solid"/>
+                    </a:lnT>
+                    <a:lnB w="12700" cap="flat" cmpd="sng" algn="ctr">
+                      <a:solidFill>
+                        <a:schemeClr val="tx1"/>
+                      </a:solidFill>
+                      <a:prstDash val="solid"/>
+                    </a:lnB>
+                    <a:noFill/>
+                  </a:tcPr>
+                </a:tc>
+                <a:tc>
+                  <a:txBody>
+                    <a:bodyPr/>
+                    <a:lstStyle/>
+                    <a:p>
+                      <a:pPr marL="0" marR="0">
+                        <a:spcBef>
+                          <a:spcPts val="0"/>
+                        </a:spcBef>
+                        <a:spcAft>
+                          <a:spcPts val="0"/>
+                        </a:spcAft>
+                      </a:pPr>
+                      <a:r>
+                        <a:rPr lang="en-US" sz="600" cap="none" spc="0">
+                          <a:solidFill>
+                            <a:schemeClr val="tx1"/>
+                          </a:solidFill>
+                          <a:effectLst/>
+                        </a:rPr>
+                        <a:t>Used deep neural networks and NYU database to forecast taxi requests from origin to destination, enhancing predictive capabilities. </a:t>
+                      </a:r>
+                      <a:endParaRPr lang="en-US" sz="600" cap="none" spc="0">
+                        <a:solidFill>
+                          <a:schemeClr val="tx1"/>
+                        </a:solidFill>
+                        <a:effectLst/>
+                        <a:latin typeface="Calibri" panose="020F0502020204030204" pitchFamily="34" charset="0"/>
+                        <a:ea typeface="Calibri" panose="020F0502020204030204" pitchFamily="34" charset="0"/>
+                        <a:cs typeface="Mangal" panose="02040503050203030202" pitchFamily="18" charset="0"/>
+                      </a:endParaRPr>
+                    </a:p>
+                  </a:txBody>
+                  <a:tcPr marL="33977" marR="24269" marT="0" marB="48539">
+                    <a:lnL w="12700" cmpd="sng">
+                      <a:noFill/>
+                      <a:prstDash val="solid"/>
+                    </a:lnL>
+                    <a:lnR w="12700" cmpd="sng">
+                      <a:noFill/>
+                      <a:prstDash val="solid"/>
+                    </a:lnR>
+                    <a:lnT w="12700" cmpd="sng">
+                      <a:noFill/>
+                      <a:prstDash val="solid"/>
+                    </a:lnT>
+                    <a:lnB w="12700" cap="flat" cmpd="sng" algn="ctr">
+                      <a:solidFill>
+                        <a:schemeClr val="tx1"/>
+                      </a:solidFill>
+                      <a:prstDash val="solid"/>
+                    </a:lnB>
+                    <a:noFill/>
+                  </a:tcPr>
+                </a:tc>
+                <a:extLst>
+                  <a:ext uri="{0D108BD9-81ED-4DB2-BD59-A6C34878D82A}">
+                    <a16:rowId xmlns:a16="http://schemas.microsoft.com/office/drawing/2014/main" val="343748482"/>
+                  </a:ext>
+                </a:extLst>
+              </a:tr>
+              <a:tr h="568209">
+                <a:tc>
+                  <a:txBody>
+                    <a:bodyPr/>
+                    <a:lstStyle/>
+                    <a:p>
+                      <a:pPr marL="0" marR="0">
+                        <a:spcBef>
+                          <a:spcPts val="0"/>
+                        </a:spcBef>
+                        <a:spcAft>
+                          <a:spcPts val="0"/>
+                        </a:spcAft>
+                      </a:pPr>
+                      <a:r>
+                        <a:rPr lang="en-US" sz="600" b="1" cap="none" spc="0">
+                          <a:solidFill>
+                            <a:schemeClr val="tx1"/>
+                          </a:solidFill>
+                          <a:effectLst/>
+                        </a:rPr>
+                        <a:t>Multitask Learning and GCN-Based Taxi Demand Prediction for a Traffic Road Network (2020) </a:t>
+                      </a:r>
+                      <a:endParaRPr lang="en-US" sz="600" b="1" cap="none" spc="0">
+                        <a:solidFill>
+                          <a:schemeClr val="tx1"/>
+                        </a:solidFill>
+                        <a:effectLst/>
+                        <a:latin typeface="Calibri" panose="020F0502020204030204" pitchFamily="34" charset="0"/>
+                        <a:ea typeface="Calibri" panose="020F0502020204030204" pitchFamily="34" charset="0"/>
+                        <a:cs typeface="Mangal" panose="02040503050203030202" pitchFamily="18" charset="0"/>
+                      </a:endParaRPr>
+                    </a:p>
+                  </a:txBody>
+                  <a:tcPr marL="33977" marR="24269" marT="0" marB="48539">
+                    <a:lnL w="12700" cmpd="sng">
+                      <a:noFill/>
+                      <a:prstDash val="solid"/>
+                    </a:lnL>
+                    <a:lnR w="12700" cmpd="sng">
+                      <a:noFill/>
+                      <a:prstDash val="solid"/>
+                    </a:lnR>
+                    <a:lnT w="12700" cap="flat" cmpd="sng" algn="ctr">
+                      <a:solidFill>
+                        <a:schemeClr val="tx1"/>
+                      </a:solidFill>
+                      <a:prstDash val="solid"/>
+                    </a:lnT>
+                    <a:lnB w="12700" cmpd="sng">
+                      <a:noFill/>
+                      <a:prstDash val="solid"/>
+                    </a:lnB>
+                    <a:solidFill>
+                      <a:schemeClr val="bg1">
+                        <a:lumMod val="95000"/>
+                      </a:schemeClr>
+                    </a:solidFill>
+                  </a:tcPr>
+                </a:tc>
+                <a:tc>
+                  <a:txBody>
+                    <a:bodyPr/>
+                    <a:lstStyle/>
+                    <a:p>
+                      <a:pPr marL="0" marR="0">
+                        <a:spcBef>
+                          <a:spcPts val="0"/>
+                        </a:spcBef>
+                        <a:spcAft>
+                          <a:spcPts val="0"/>
+                        </a:spcAft>
+                      </a:pPr>
+                      <a:r>
+                        <a:rPr lang="en-US" sz="600" cap="none" spc="0">
+                          <a:solidFill>
+                            <a:schemeClr val="tx1"/>
+                          </a:solidFill>
+                          <a:effectLst/>
+                        </a:rPr>
+                        <a:t>Z. Chen, B. Zhao, Y. Wang, Z. Duan, X. Zhao </a:t>
+                      </a:r>
+                      <a:endParaRPr lang="en-US" sz="600" cap="none" spc="0">
+                        <a:solidFill>
+                          <a:schemeClr val="tx1"/>
+                        </a:solidFill>
+                        <a:effectLst/>
+                        <a:latin typeface="Calibri" panose="020F0502020204030204" pitchFamily="34" charset="0"/>
+                        <a:ea typeface="Calibri" panose="020F0502020204030204" pitchFamily="34" charset="0"/>
+                        <a:cs typeface="Mangal" panose="02040503050203030202" pitchFamily="18" charset="0"/>
+                      </a:endParaRPr>
+                    </a:p>
+                  </a:txBody>
+                  <a:tcPr marL="33977" marR="24269" marT="0" marB="48539">
+                    <a:lnL w="12700" cmpd="sng">
+                      <a:noFill/>
+                      <a:prstDash val="solid"/>
+                    </a:lnL>
+                    <a:lnR w="12700" cmpd="sng">
+                      <a:noFill/>
+                      <a:prstDash val="solid"/>
+                    </a:lnR>
+                    <a:lnT w="12700" cap="flat" cmpd="sng" algn="ctr">
+                      <a:solidFill>
+                        <a:schemeClr val="tx1"/>
+                      </a:solidFill>
+                      <a:prstDash val="solid"/>
+                    </a:lnT>
+                    <a:lnB w="12700" cmpd="sng">
+                      <a:noFill/>
+                      <a:prstDash val="solid"/>
+                    </a:lnB>
+                    <a:solidFill>
+                      <a:schemeClr val="bg1">
+                        <a:lumMod val="95000"/>
+                      </a:schemeClr>
+                    </a:solidFill>
+                  </a:tcPr>
+                </a:tc>
+                <a:tc>
+                  <a:txBody>
+                    <a:bodyPr/>
+                    <a:lstStyle/>
+                    <a:p>
+                      <a:pPr marL="0" marR="0">
+                        <a:spcBef>
+                          <a:spcPts val="0"/>
+                        </a:spcBef>
+                        <a:spcAft>
+                          <a:spcPts val="0"/>
+                        </a:spcAft>
+                      </a:pPr>
+                      <a:r>
+                        <a:rPr lang="en-US" sz="600" cap="none" spc="0" dirty="0">
+                          <a:solidFill>
+                            <a:schemeClr val="tx1"/>
+                          </a:solidFill>
+                          <a:effectLst/>
+                        </a:rPr>
+                        <a:t>Integrated multitask learning and graph convolutional networks to predict taxi demand, improving traffic management and planning. </a:t>
+                      </a:r>
+                      <a:endParaRPr lang="en-US" sz="600" cap="none" spc="0" dirty="0">
+                        <a:solidFill>
+                          <a:schemeClr val="tx1"/>
+                        </a:solidFill>
+                        <a:effectLst/>
+                        <a:latin typeface="Calibri" panose="020F0502020204030204" pitchFamily="34" charset="0"/>
+                        <a:ea typeface="Calibri" panose="020F0502020204030204" pitchFamily="34" charset="0"/>
+                        <a:cs typeface="Mangal" panose="02040503050203030202" pitchFamily="18" charset="0"/>
+                      </a:endParaRPr>
+                    </a:p>
+                  </a:txBody>
+                  <a:tcPr marL="33977" marR="24269" marT="0" marB="48539">
+                    <a:lnL w="12700" cmpd="sng">
+                      <a:noFill/>
+                      <a:prstDash val="solid"/>
+                    </a:lnL>
+                    <a:lnR w="12700" cmpd="sng">
+                      <a:noFill/>
+                      <a:prstDash val="solid"/>
+                    </a:lnR>
+                    <a:lnT w="12700" cap="flat" cmpd="sng" algn="ctr">
+                      <a:solidFill>
+                        <a:schemeClr val="tx1"/>
+                      </a:solidFill>
+                      <a:prstDash val="solid"/>
+                    </a:lnT>
+                    <a:lnB w="12700" cmpd="sng">
+                      <a:noFill/>
+                      <a:prstDash val="solid"/>
+                    </a:lnB>
+                    <a:solidFill>
+                      <a:schemeClr val="bg1">
+                        <a:lumMod val="95000"/>
+                      </a:schemeClr>
+                    </a:solidFill>
+                  </a:tcPr>
+                </a:tc>
+                <a:extLst>
+                  <a:ext uri="{0D108BD9-81ED-4DB2-BD59-A6C34878D82A}">
+                    <a16:rowId xmlns:a16="http://schemas.microsoft.com/office/drawing/2014/main" val="2045733383"/>
+                  </a:ext>
+                </a:extLst>
+              </a:tr>
+            </a:tbl>
+          </a:graphicData>
+        </a:graphic>
+      </p:graphicFrame>
+    </p:spTree>
+    <p:extLst>
+      <p:ext uri="{BB962C8B-B14F-4D97-AF65-F5344CB8AC3E}">
+        <p14:creationId xmlns:p14="http://schemas.microsoft.com/office/powerpoint/2010/main" val="135468049"/>
+      </p:ext>
+    </p:extLst>
+  </p:cSld>
+  <p:clrMapOvr>
+    <a:masterClrMapping/>
+  </p:clrMapOvr>
+</p:sld>
+</file>
+
+<file path=ppt/slides/slide11.xml><?xml version="1.0" encoding="utf-8"?>
+<p:sld xmlns:a="http://schemas.openxmlformats.org/drawingml/2006/main" xmlns:r="http://schemas.openxmlformats.org/officeDocument/2006/relationships" xmlns:p="http://schemas.openxmlformats.org/presentationml/2006/main">
+  <p:cSld>
+    <p:bg>
+      <p:bgPr>
+        <a:solidFill>
+          <a:schemeClr val="bg1"/>
+        </a:solidFill>
+        <a:effectLst/>
+      </p:bgPr>
+    </p:bg>
+    <p:spTree>
+      <p:nvGrpSpPr>
+        <p:cNvPr id="1" name=""/>
+        <p:cNvGrpSpPr/>
+        <p:nvPr/>
+      </p:nvGrpSpPr>
+      <p:grpSpPr>
+        <a:xfrm>
+          <a:off x="0" y="0"/>
+          <a:ext cx="0" cy="0"/>
+          <a:chOff x="0" y="0"/>
+          <a:chExt cx="0" cy="0"/>
+        </a:xfrm>
+      </p:grpSpPr>
+      <p:sp useBgFill="1">
+        <p:nvSpPr>
+          <p:cNvPr id="16" name="Rectangle 15">
+            <a:extLst>
+              <a:ext uri="{FF2B5EF4-FFF2-40B4-BE49-F238E27FC236}">
+                <a16:creationId xmlns:a16="http://schemas.microsoft.com/office/drawing/2014/main" id="{19D32F93-50AC-4C46-A5DB-291C60DDB7BD}"/>
+              </a:ext>
+              <a:ext uri="{C183D7F6-B498-43B3-948B-1728B52AA6E4}">
+                <adec:decorative xmlns:adec="http://schemas.microsoft.com/office/drawing/2017/decorative" val="1"/>
+              </a:ext>
+            </a:extLst>
+          </p:cNvPr>
+          <p:cNvSpPr>
+            <a:spLocks noGrp="1" noRot="1" noChangeAspect="1" noMove="1" noResize="1" noEditPoints="1" noAdjustHandles="1" noChangeArrowheads="1" noChangeShapeType="1" noTextEdit="1"/>
+          </p:cNvSpPr>
+          <p:nvPr>
+            <p:extLst>
+              <p:ext uri="{386F3935-93C4-4BCD-93E2-E3B085C9AB24}">
+                <p16:designElem xmlns:p16="http://schemas.microsoft.com/office/powerpoint/2015/main" val="1"/>
+              </p:ext>
+            </p:extLst>
+          </p:nvPr>
+        </p:nvSpPr>
+        <p:spPr>
+          <a:xfrm>
+            <a:off x="0" y="0"/>
+            <a:ext cx="12192000" cy="6858000"/>
+          </a:xfrm>
+          <a:prstGeom prst="rect">
+            <a:avLst/>
+          </a:prstGeom>
+          <a:ln>
+            <a:noFill/>
+          </a:ln>
+        </p:spPr>
+        <p:style>
+          <a:lnRef idx="2">
+            <a:schemeClr val="accent1">
+              <a:shade val="50000"/>
+            </a:schemeClr>
+          </a:lnRef>
+          <a:fillRef idx="1">
+            <a:schemeClr val="accent1"/>
+          </a:fillRef>
+          <a:effectRef idx="0">
+            <a:schemeClr val="accent1"/>
+          </a:effectRef>
+          <a:fontRef idx="minor">
+            <a:schemeClr val="lt1"/>
+          </a:fontRef>
+        </p:style>
+        <p:txBody>
+          <a:bodyPr rtlCol="0" anchor="ctr"/>
+          <a:lstStyle/>
+          <a:p>
+            <a:pPr algn="ctr"/>
+            <a:endParaRPr lang="en-US"/>
+          </a:p>
+        </p:txBody>
+      </p:sp>
       <p:sp>
         <p:nvSpPr>
-          <p:cNvPr id="3" name="Content Placeholder 2">
+          <p:cNvPr id="18" name="Freeform: Shape 17">
             <a:extLst>
               <a:ext uri="{FF2B5EF4-FFF2-40B4-BE49-F238E27FC236}">
-                <a16:creationId xmlns:a16="http://schemas.microsoft.com/office/drawing/2014/main" id="{96F96D10-AA21-A763-91EC-408C27FB702B}"/>
+                <a16:creationId xmlns:a16="http://schemas.microsoft.com/office/drawing/2014/main" id="{86FD7672-78BE-4D6F-A711-2CDB79B52DFF}"/>
+              </a:ext>
+              <a:ext uri="{C183D7F6-B498-43B3-948B-1728B52AA6E4}">
+                <adec:decorative xmlns:adec="http://schemas.microsoft.com/office/drawing/2017/decorative" val="1"/>
+              </a:ext>
+            </a:extLst>
+          </p:cNvPr>
+          <p:cNvSpPr>
+            <a:spLocks noGrp="1" noRot="1" noChangeAspect="1" noMove="1" noResize="1" noEditPoints="1" noAdjustHandles="1" noChangeArrowheads="1" noChangeShapeType="1" noTextEdit="1"/>
+          </p:cNvSpPr>
+          <p:nvPr>
+            <p:extLst>
+              <p:ext uri="{386F3935-93C4-4BCD-93E2-E3B085C9AB24}">
+                <p16:designElem xmlns:p16="http://schemas.microsoft.com/office/powerpoint/2015/main" val="1"/>
+              </p:ext>
+            </p:extLst>
+          </p:nvPr>
+        </p:nvSpPr>
+        <p:spPr>
+          <a:xfrm>
+            <a:off x="7544662" y="323519"/>
+            <a:ext cx="4323899" cy="6212748"/>
+          </a:xfrm>
+          <a:custGeom>
+            <a:avLst/>
+            <a:gdLst>
+              <a:gd name="connsiteX0" fmla="*/ 0 w 4323899"/>
+              <a:gd name="connsiteY0" fmla="*/ 0 h 6212748"/>
+              <a:gd name="connsiteX1" fmla="*/ 742501 w 4323899"/>
+              <a:gd name="connsiteY1" fmla="*/ 0 h 6212748"/>
+              <a:gd name="connsiteX2" fmla="*/ 4323899 w 4323899"/>
+              <a:gd name="connsiteY2" fmla="*/ 0 h 6212748"/>
+              <a:gd name="connsiteX3" fmla="*/ 4323899 w 4323899"/>
+              <a:gd name="connsiteY3" fmla="*/ 2864954 h 6212748"/>
+              <a:gd name="connsiteX4" fmla="*/ 880454 w 4323899"/>
+              <a:gd name="connsiteY4" fmla="*/ 6212748 h 6212748"/>
+              <a:gd name="connsiteX5" fmla="*/ 0 w 4323899"/>
+              <a:gd name="connsiteY5" fmla="*/ 6212748 h 6212748"/>
+              <a:gd name="connsiteX6" fmla="*/ 0 w 4323899"/>
+              <a:gd name="connsiteY6" fmla="*/ 6210962 h 6212748"/>
+            </a:gdLst>
+            <a:ahLst/>
+            <a:cxnLst>
+              <a:cxn ang="0">
+                <a:pos x="connsiteX0" y="connsiteY0"/>
+              </a:cxn>
+              <a:cxn ang="0">
+                <a:pos x="connsiteX1" y="connsiteY1"/>
+              </a:cxn>
+              <a:cxn ang="0">
+                <a:pos x="connsiteX2" y="connsiteY2"/>
+              </a:cxn>
+              <a:cxn ang="0">
+                <a:pos x="connsiteX3" y="connsiteY3"/>
+              </a:cxn>
+              <a:cxn ang="0">
+                <a:pos x="connsiteX4" y="connsiteY4"/>
+              </a:cxn>
+              <a:cxn ang="0">
+                <a:pos x="connsiteX5" y="connsiteY5"/>
+              </a:cxn>
+              <a:cxn ang="0">
+                <a:pos x="connsiteX6" y="connsiteY6"/>
+              </a:cxn>
+            </a:cxnLst>
+            <a:rect l="l" t="t" r="r" b="b"/>
+            <a:pathLst>
+              <a:path w="4323899" h="6212748">
+                <a:moveTo>
+                  <a:pt x="0" y="0"/>
+                </a:moveTo>
+                <a:lnTo>
+                  <a:pt x="742501" y="0"/>
+                </a:lnTo>
+                <a:lnTo>
+                  <a:pt x="4323899" y="0"/>
+                </a:lnTo>
+                <a:lnTo>
+                  <a:pt x="4323899" y="2864954"/>
+                </a:lnTo>
+                <a:lnTo>
+                  <a:pt x="880454" y="6212748"/>
+                </a:lnTo>
+                <a:lnTo>
+                  <a:pt x="0" y="6212748"/>
+                </a:lnTo>
+                <a:lnTo>
+                  <a:pt x="0" y="6210962"/>
+                </a:lnTo>
+                <a:close/>
+              </a:path>
+            </a:pathLst>
+          </a:custGeom>
+          <a:solidFill>
+            <a:schemeClr val="tx1">
+              <a:lumMod val="50000"/>
+              <a:lumOff val="50000"/>
+              <a:alpha val="25000"/>
+            </a:schemeClr>
+          </a:solidFill>
+          <a:ln>
+            <a:noFill/>
+          </a:ln>
+        </p:spPr>
+        <p:style>
+          <a:lnRef idx="2">
+            <a:schemeClr val="accent1">
+              <a:shade val="50000"/>
+            </a:schemeClr>
+          </a:lnRef>
+          <a:fillRef idx="1">
+            <a:schemeClr val="accent1"/>
+          </a:fillRef>
+          <a:effectRef idx="0">
+            <a:schemeClr val="accent1"/>
+          </a:effectRef>
+          <a:fontRef idx="minor">
+            <a:schemeClr val="lt1"/>
+          </a:fontRef>
+        </p:style>
+        <p:txBody>
+          <a:bodyPr wrap="square" rtlCol="0" anchor="ctr">
+            <a:noAutofit/>
+          </a:bodyPr>
+          <a:lstStyle/>
+          <a:p>
+            <a:pPr algn="ctr"/>
+            <a:endParaRPr lang="en-US"/>
+          </a:p>
+        </p:txBody>
+      </p:sp>
+      <p:sp>
+        <p:nvSpPr>
+          <p:cNvPr id="20" name="Right Triangle 19">
+            <a:extLst>
+              <a:ext uri="{FF2B5EF4-FFF2-40B4-BE49-F238E27FC236}">
+                <a16:creationId xmlns:a16="http://schemas.microsoft.com/office/drawing/2014/main" id="{827DC2C4-B485-428A-BF4A-472D2967F47F}"/>
+              </a:ext>
+              <a:ext uri="{C183D7F6-B498-43B3-948B-1728B52AA6E4}">
+                <adec:decorative xmlns:adec="http://schemas.microsoft.com/office/drawing/2017/decorative" val="1"/>
+              </a:ext>
+            </a:extLst>
+          </p:cNvPr>
+          <p:cNvSpPr>
+            <a:spLocks noGrp="1" noRot="1" noChangeAspect="1" noMove="1" noResize="1" noEditPoints="1" noAdjustHandles="1" noChangeArrowheads="1" noChangeShapeType="1" noTextEdit="1"/>
+          </p:cNvSpPr>
+          <p:nvPr>
+            <p:extLst>
+              <p:ext uri="{386F3935-93C4-4BCD-93E2-E3B085C9AB24}">
+                <p16:designElem xmlns:p16="http://schemas.microsoft.com/office/powerpoint/2015/main" val="1"/>
+              </p:ext>
+            </p:extLst>
+          </p:nvPr>
+        </p:nvSpPr>
+        <p:spPr>
+          <a:xfrm flipH="1">
+            <a:off x="8576720" y="3335867"/>
+            <a:ext cx="3291840" cy="3200400"/>
+          </a:xfrm>
+          <a:prstGeom prst="rtTriangle">
+            <a:avLst/>
+          </a:prstGeom>
+          <a:solidFill>
+            <a:schemeClr val="accent4"/>
+          </a:solidFill>
+          <a:ln>
+            <a:noFill/>
+          </a:ln>
+        </p:spPr>
+        <p:style>
+          <a:lnRef idx="2">
+            <a:schemeClr val="accent1">
+              <a:shade val="50000"/>
+            </a:schemeClr>
+          </a:lnRef>
+          <a:fillRef idx="1">
+            <a:schemeClr val="accent1"/>
+          </a:fillRef>
+          <a:effectRef idx="0">
+            <a:schemeClr val="accent1"/>
+          </a:effectRef>
+          <a:fontRef idx="minor">
+            <a:schemeClr val="lt1"/>
+          </a:fontRef>
+        </p:style>
+        <p:txBody>
+          <a:bodyPr rtlCol="0" anchor="ctr"/>
+          <a:lstStyle/>
+          <a:p>
+            <a:pPr algn="ctr"/>
+            <a:endParaRPr lang="en-US" dirty="0"/>
+          </a:p>
+        </p:txBody>
+      </p:sp>
+      <p:sp>
+        <p:nvSpPr>
+          <p:cNvPr id="22" name="Rectangle 21">
+            <a:extLst>
+              <a:ext uri="{FF2B5EF4-FFF2-40B4-BE49-F238E27FC236}">
+                <a16:creationId xmlns:a16="http://schemas.microsoft.com/office/drawing/2014/main" id="{4A62647B-1222-407C-8740-5A497612B1F5}"/>
+              </a:ext>
+              <a:ext uri="{C183D7F6-B498-43B3-948B-1728B52AA6E4}">
+                <adec:decorative xmlns:adec="http://schemas.microsoft.com/office/drawing/2017/decorative" val="1"/>
+              </a:ext>
+            </a:extLst>
+          </p:cNvPr>
+          <p:cNvSpPr>
+            <a:spLocks noGrp="1" noRot="1" noChangeAspect="1" noMove="1" noResize="1" noEditPoints="1" noAdjustHandles="1" noChangeArrowheads="1" noChangeShapeType="1" noTextEdit="1"/>
+          </p:cNvSpPr>
+          <p:nvPr>
+            <p:extLst>
+              <p:ext uri="{386F3935-93C4-4BCD-93E2-E3B085C9AB24}">
+                <p16:designElem xmlns:p16="http://schemas.microsoft.com/office/powerpoint/2015/main" val="1"/>
+              </p:ext>
+            </p:extLst>
+          </p:nvPr>
+        </p:nvSpPr>
+        <p:spPr>
+          <a:xfrm>
+            <a:off x="641774" y="623275"/>
+            <a:ext cx="10905053" cy="5607882"/>
+          </a:xfrm>
+          <a:prstGeom prst="rect">
+            <a:avLst/>
+          </a:prstGeom>
+          <a:noFill/>
+          <a:ln w="19050">
+            <a:solidFill>
+              <a:schemeClr val="tx1">
+                <a:lumMod val="75000"/>
+                <a:lumOff val="25000"/>
+              </a:schemeClr>
+            </a:solidFill>
+          </a:ln>
+        </p:spPr>
+        <p:style>
+          <a:lnRef idx="2">
+            <a:schemeClr val="accent1">
+              <a:shade val="50000"/>
+            </a:schemeClr>
+          </a:lnRef>
+          <a:fillRef idx="1">
+            <a:schemeClr val="accent1"/>
+          </a:fillRef>
+          <a:effectRef idx="0">
+            <a:schemeClr val="accent1"/>
+          </a:effectRef>
+          <a:fontRef idx="minor">
+            <a:schemeClr val="lt1"/>
+          </a:fontRef>
+        </p:style>
+        <p:txBody>
+          <a:bodyPr rtlCol="0" anchor="ctr"/>
+          <a:lstStyle/>
+          <a:p>
+            <a:pPr algn="ctr"/>
+            <a:endParaRPr lang="en-US"/>
+          </a:p>
+        </p:txBody>
+      </p:sp>
+      <p:sp>
+        <p:nvSpPr>
+          <p:cNvPr id="2" name="Title 1">
+            <a:extLst>
+              <a:ext uri="{FF2B5EF4-FFF2-40B4-BE49-F238E27FC236}">
+                <a16:creationId xmlns:a16="http://schemas.microsoft.com/office/drawing/2014/main" id="{3390866A-8D28-5136-1419-75A3A9BC2DAB}"/>
               </a:ext>
             </a:extLst>
           </p:cNvPr>
@@ -24394,797 +26989,1412 @@
             <a:spLocks noGrp="1"/>
           </p:cNvSpPr>
           <p:nvPr>
-            <p:ph idx="1"/>
+            <p:ph type="title"/>
           </p:nvPr>
         </p:nvSpPr>
         <p:spPr>
           <a:xfrm>
-            <a:off x="4380855" y="372533"/>
-            <a:ext cx="3427283" cy="5403800"/>
+            <a:off x="8029293" y="806364"/>
+            <a:ext cx="3354636" cy="2847413"/>
           </a:xfrm>
         </p:spPr>
         <p:txBody>
-          <a:bodyPr vert="horz" lIns="91440" tIns="45720" rIns="91440" bIns="45720" rtlCol="0">
+          <a:bodyPr vert="horz" lIns="91440" tIns="45720" rIns="91440" bIns="45720" rtlCol="0" anchor="b">
             <a:normAutofit/>
           </a:bodyPr>
           <a:lstStyle/>
           <a:p>
-            <a:pPr marL="0" indent="0">
-              <a:buNone/>
-            </a:pPr>
             <a:r>
-              <a:rPr lang="en-US" sz="800" dirty="0"/>
-              <a:t>[1]  N. R K, J. K, A. Joseph, K. Sakthivel, and S. S. </a:t>
-            </a:r>
-            <a:r>
-              <a:rPr lang="en-US" sz="800" dirty="0" err="1"/>
-              <a:t>Anandharajan</a:t>
-            </a:r>
-            <a:r>
-              <a:rPr lang="en-US" sz="800" dirty="0"/>
-              <a:t>, "New York City Taxi Trip Duration Prediction Using Machine Learning," International Journal for Research in Applied Science &amp; Engineering Technology, vol. 11, 2023, </a:t>
-            </a:r>
-            <a:r>
-              <a:rPr lang="en-US" sz="800" dirty="0" err="1"/>
-              <a:t>doi</a:t>
-            </a:r>
-            <a:r>
-              <a:rPr lang="en-US" sz="800" dirty="0"/>
-              <a:t>: 10.22214/ijraset.2023.52768.</a:t>
-            </a:r>
-          </a:p>
-          <a:p>
-            <a:pPr marL="0" indent="0">
-              <a:buNone/>
-            </a:pPr>
-            <a:r>
-              <a:rPr lang="en-US" sz="800" dirty="0"/>
-              <a:t>[2]  S. Al-Shoukry, B. J. M. Jawad, Z. B. Musa, and A. H. Sabry, "Development of predictive modeling and deep learning classification of taxi trip tolls," Eastern-European Journal of Enterprise Technologies, 2022. Available: https://</a:t>
-            </a:r>
-            <a:r>
-              <a:rPr lang="en-US" sz="800" dirty="0" err="1"/>
-              <a:t>pdfs.semanticscholar.org</a:t>
-            </a:r>
-            <a:r>
-              <a:rPr lang="en-US" sz="800" dirty="0"/>
-              <a:t>/23be/a2ccf6be7cfdf4c7a70a62e3675b22209e38.pdf</a:t>
-            </a:r>
-          </a:p>
-          <a:p>
-            <a:pPr marL="0" indent="0">
-              <a:buNone/>
-            </a:pPr>
-            <a:r>
-              <a:rPr lang="en-US" sz="800" dirty="0"/>
-              <a:t>[3]  C. Zhang, F. Zhu, Y. </a:t>
-            </a:r>
-            <a:r>
-              <a:rPr lang="en-US" sz="800" dirty="0" err="1"/>
-              <a:t>Lv</a:t>
-            </a:r>
-            <a:r>
-              <a:rPr lang="en-US" sz="800" dirty="0"/>
-              <a:t>, P. Ye and F. -Y. Wang, "MLRNN: Taxi Demand Prediction Based on Multi-Level Deep Learning and Regional Heterogeneity Analysis," IEEE Transactions on Intelligent Transportation Systems, vol. 23, no. 7, pp. 8412-8422, July 2022, </a:t>
-            </a:r>
-            <a:r>
-              <a:rPr lang="en-US" sz="800" dirty="0" err="1"/>
-              <a:t>doi</a:t>
-            </a:r>
-            <a:r>
-              <a:rPr lang="en-US" sz="800" dirty="0"/>
-              <a:t>: 10.1109/TITS.2021.3080511.</a:t>
-            </a:r>
-          </a:p>
-          <a:p>
-            <a:pPr marL="0" indent="0">
-              <a:buNone/>
-            </a:pPr>
-            <a:r>
-              <a:rPr lang="en-US" sz="800" dirty="0"/>
-              <a:t>[4]  X. </a:t>
-            </a:r>
-            <a:r>
-              <a:rPr lang="en-US" sz="800" dirty="0" err="1"/>
-              <a:t>Xue</a:t>
-            </a:r>
-            <a:r>
-              <a:rPr lang="en-US" sz="800" dirty="0"/>
-              <a:t>, C. Zhou, X. Zhang, and J. Guo, "A taxi demand prediction model based on spectral domain graph convolution," Journal of Applied Remote Sensing, vol. 12613, pp. 1261319-1261319-6, 2023, </a:t>
-            </a:r>
-            <a:r>
-              <a:rPr lang="en-US" sz="800" dirty="0" err="1"/>
-              <a:t>doi</a:t>
-            </a:r>
-            <a:r>
-              <a:rPr lang="en-US" sz="800" dirty="0"/>
-              <a:t>: 10.1117/12.2673584.</a:t>
-            </a:r>
-          </a:p>
-          <a:p>
-            <a:pPr marL="0" indent="0">
-              <a:buNone/>
-            </a:pPr>
-            <a:r>
-              <a:rPr lang="en-US" sz="800" dirty="0"/>
-              <a:t>[5]  Y. Cheng et al., "Block Popularity Prediction for Multimedia Storage Systems Using Spatial-Temporal-Sequential Neural Networks," Proceedings of the 29th ACM International Conference on Multimedia (MM '21), pp. 3390–3398, 2021, </a:t>
-            </a:r>
-            <a:r>
-              <a:rPr lang="en-US" sz="800" dirty="0" err="1"/>
-              <a:t>doi</a:t>
-            </a:r>
-            <a:r>
-              <a:rPr lang="en-US" sz="800" dirty="0"/>
-              <a:t>: 10.1145/3474085.3475495.  </a:t>
-            </a:r>
-          </a:p>
-          <a:p>
-            <a:pPr marL="0" indent="0">
-              <a:buNone/>
-            </a:pPr>
-            <a:r>
-              <a:rPr lang="en-US" sz="800" dirty="0"/>
-              <a:t>[6]  U. </a:t>
-            </a:r>
-            <a:r>
-              <a:rPr lang="en-US" sz="800" dirty="0" err="1"/>
-              <a:t>Sahin</a:t>
-            </a:r>
-            <a:r>
-              <a:rPr lang="en-US" sz="800" dirty="0"/>
-              <a:t>, "A Deep Learning Approach to Forecasting Short-Term Taxi Demands," 2022 30th Signal Processing and Communications Applications Conference (SIU), pp. 1-4, 2022, </a:t>
-            </a:r>
-            <a:r>
-              <a:rPr lang="en-US" sz="800" dirty="0" err="1"/>
-              <a:t>doi</a:t>
-            </a:r>
-            <a:r>
-              <a:rPr lang="en-US" sz="800" dirty="0"/>
-              <a:t>: 10.1109/SIU55565.2022.9864773.</a:t>
-            </a:r>
-          </a:p>
-          <a:p>
-            <a:pPr marL="0" indent="0">
-              <a:buNone/>
-            </a:pPr>
-            <a:r>
-              <a:rPr lang="en-US" sz="800" dirty="0"/>
-              <a:t>[7]  X. Zhang, Z. Zhao, Y. Zheng, and J. Li, "Prediction of Taxi Destinations Using a Novel Data Embedding Method and Ensemble Learning," IEEE Transactions on Intelligent Transportation Systems, vol. 21, pp. 68-78, 2020, </a:t>
-            </a:r>
-            <a:r>
-              <a:rPr lang="en-US" sz="800" dirty="0" err="1"/>
-              <a:t>doi</a:t>
-            </a:r>
-            <a:r>
-              <a:rPr lang="en-US" sz="800" dirty="0"/>
-              <a:t>: 10.1109/TITS.2018.2888587.</a:t>
-            </a:r>
-          </a:p>
-          <a:p>
-            <a:pPr marL="0" indent="0">
-              <a:buNone/>
-            </a:pPr>
-            <a:r>
-              <a:rPr lang="en-US" sz="800" dirty="0"/>
-              <a:t>[8]  F. Mao, Z. Li, and K. Zhang, "</a:t>
-            </a:r>
-            <a:r>
-              <a:rPr lang="en-US" sz="800" dirty="0" err="1"/>
-              <a:t>DeepCorNet</a:t>
-            </a:r>
-            <a:r>
-              <a:rPr lang="en-US" sz="800" dirty="0"/>
-              <a:t>: A efficient taxi-hailing prediction model," Journal of Physics: Conference Series, vol. 1693, 2020, </a:t>
-            </a:r>
-            <a:r>
-              <a:rPr lang="en-US" sz="800" dirty="0" err="1"/>
-              <a:t>doi</a:t>
-            </a:r>
-            <a:r>
-              <a:rPr lang="en-US" sz="800" dirty="0"/>
-              <a:t>: 10.1088/1742-6596/1693/1/012083.</a:t>
-            </a:r>
-          </a:p>
-          <a:p>
-            <a:pPr marL="0" indent="0">
-              <a:buNone/>
-            </a:pPr>
-            <a:r>
-              <a:rPr lang="en-US" sz="800" dirty="0"/>
-              <a:t>[9]  R. </a:t>
-            </a:r>
-            <a:r>
-              <a:rPr lang="en-US" sz="800" dirty="0" err="1"/>
-              <a:t>Jegadeesan</a:t>
-            </a:r>
-            <a:r>
-              <a:rPr lang="en-US" sz="800" dirty="0"/>
-              <a:t> et al., "Forecasting of origin-to-destination requests for taxis using DNN algorithm with NYU database," AIP Conference Proceedings, 2023, </a:t>
-            </a:r>
-            <a:r>
-              <a:rPr lang="en-US" sz="800" dirty="0" err="1"/>
-              <a:t>doi</a:t>
-            </a:r>
-            <a:r>
-              <a:rPr lang="en-US" sz="800" dirty="0"/>
-              <a:t>: 10.1063/5.0150597.</a:t>
-            </a:r>
-          </a:p>
-          <a:p>
-            <a:pPr marL="0" indent="0">
-              <a:buNone/>
-            </a:pPr>
-            <a:r>
-              <a:rPr lang="en-US" sz="800" dirty="0"/>
-              <a:t>[10]  Z. Chen, B. Zhao, Y. Wang, Z. Duan, and X. Zhao, "Multitask Learning and GCN-Based Taxi Demand Prediction for a Traffic Road Network," Sensors, vol. 20, no. 13, 3776, 2020, </a:t>
-            </a:r>
-            <a:r>
-              <a:rPr lang="en-US" sz="800" dirty="0" err="1"/>
-              <a:t>doi</a:t>
-            </a:r>
-            <a:r>
-              <a:rPr lang="en-US" sz="800" dirty="0"/>
-              <a:t>: 10.3390/s20133776.</a:t>
+              <a:rPr lang="en-US" sz="5600" kern="1200">
+                <a:solidFill>
+                  <a:schemeClr val="tx1"/>
+                </a:solidFill>
+                <a:latin typeface="+mj-lt"/>
+                <a:ea typeface="+mj-ea"/>
+                <a:cs typeface="+mj-cs"/>
+              </a:rPr>
+              <a:t>References</a:t>
             </a:r>
           </a:p>
         </p:txBody>
       </p:sp>
-      <p:cxnSp>
-        <p:nvCxnSpPr>
-          <p:cNvPr id="11" name="Straight Connector 10">
+      <p:graphicFrame>
+        <p:nvGraphicFramePr>
+          <p:cNvPr id="4" name="Table 3">
             <a:extLst>
               <a:ext uri="{FF2B5EF4-FFF2-40B4-BE49-F238E27FC236}">
-                <a16:creationId xmlns:a16="http://schemas.microsoft.com/office/drawing/2014/main" id="{1F16A8D4-FE87-4604-88B2-394B5D1EB437}"/>
-              </a:ext>
-              <a:ext uri="{C183D7F6-B498-43B3-948B-1728B52AA6E4}">
-                <adec:decorative xmlns:adec="http://schemas.microsoft.com/office/drawing/2017/decorative" val="1"/>
+                <a16:creationId xmlns:a16="http://schemas.microsoft.com/office/drawing/2014/main" id="{965AFA9D-33DE-6AB3-DC34-AC239454774F}"/>
               </a:ext>
             </a:extLst>
           </p:cNvPr>
-          <p:cNvCxnSpPr>
-            <a:cxnSpLocks noGrp="1" noRot="1" noChangeAspect="1" noMove="1" noResize="1" noEditPoints="1" noAdjustHandles="1" noChangeArrowheads="1" noChangeShapeType="1"/>
-          </p:cNvCxnSpPr>
+          <p:cNvGraphicFramePr>
+            <a:graphicFrameLocks noGrp="1"/>
+          </p:cNvGraphicFramePr>
           <p:nvPr>
             <p:extLst>
-              <p:ext uri="{386F3935-93C4-4BCD-93E2-E3B085C9AB24}">
-                <p16:designElem xmlns:p16="http://schemas.microsoft.com/office/powerpoint/2015/main" val="1"/>
+              <p:ext uri="{D42A27DB-BD31-4B8C-83A1-F6EECF244321}">
+                <p14:modId xmlns:p14="http://schemas.microsoft.com/office/powerpoint/2010/main" val="828266041"/>
               </p:ext>
             </p:extLst>
           </p:nvPr>
-        </p:nvCxnSpPr>
-        <p:spPr>
-          <a:xfrm>
-            <a:off x="8129871" y="1412488"/>
-            <a:ext cx="0" cy="3657600"/>
-          </a:xfrm>
-          <a:prstGeom prst="line">
-            <a:avLst/>
-          </a:prstGeom>
-          <a:ln w="12700">
-            <a:solidFill>
-              <a:schemeClr val="tx1">
-                <a:lumMod val="50000"/>
-                <a:lumOff val="50000"/>
-              </a:schemeClr>
-            </a:solidFill>
-          </a:ln>
-        </p:spPr>
-        <p:style>
-          <a:lnRef idx="1">
-            <a:schemeClr val="accent1"/>
-          </a:lnRef>
-          <a:fillRef idx="0">
-            <a:schemeClr val="accent1"/>
-          </a:fillRef>
-          <a:effectRef idx="0">
-            <a:schemeClr val="accent1"/>
-          </a:effectRef>
-          <a:fontRef idx="minor">
-            <a:schemeClr val="tx1"/>
-          </a:fontRef>
-        </p:style>
-      </p:cxnSp>
-      <p:sp>
-        <p:nvSpPr>
-          <p:cNvPr id="4" name="Content Placeholder 2">
-            <a:extLst>
-              <a:ext uri="{FF2B5EF4-FFF2-40B4-BE49-F238E27FC236}">
-                <a16:creationId xmlns:a16="http://schemas.microsoft.com/office/drawing/2014/main" id="{56784E44-B1B6-A419-0DB1-8F4BB96EC686}"/>
-              </a:ext>
-            </a:extLst>
-          </p:cNvPr>
-          <p:cNvSpPr txBox="1">
-            <a:spLocks/>
-          </p:cNvSpPr>
-          <p:nvPr/>
-        </p:nvSpPr>
-        <p:spPr>
-          <a:xfrm>
-            <a:off x="8451604" y="372533"/>
-            <a:ext cx="3197701" cy="5403800"/>
-          </a:xfrm>
-          <a:prstGeom prst="rect">
-            <a:avLst/>
-          </a:prstGeom>
-        </p:spPr>
-        <p:txBody>
-          <a:bodyPr vert="horz" lIns="91440" tIns="45720" rIns="91440" bIns="45720" rtlCol="0">
-            <a:normAutofit lnSpcReduction="10000"/>
-          </a:bodyPr>
-          <a:lstStyle>
-            <a:lvl1pPr marL="228600" indent="-228600" algn="l" defTabSz="914400" rtl="0" eaLnBrk="1" latinLnBrk="0" hangingPunct="1">
-              <a:lnSpc>
-                <a:spcPct val="90000"/>
-              </a:lnSpc>
-              <a:spcBef>
-                <a:spcPts val="1000"/>
-              </a:spcBef>
-              <a:buFont typeface="Arial" panose="020B0604020202020204" pitchFamily="34" charset="0"/>
-              <a:buChar char="•"/>
-              <a:defRPr sz="2800" kern="1200">
-                <a:solidFill>
-                  <a:schemeClr val="tx1"/>
-                </a:solidFill>
-                <a:latin typeface="+mn-lt"/>
-                <a:ea typeface="+mn-ea"/>
-                <a:cs typeface="+mn-cs"/>
-              </a:defRPr>
-            </a:lvl1pPr>
-            <a:lvl2pPr marL="685800" indent="-228600" algn="l" defTabSz="914400" rtl="0" eaLnBrk="1" latinLnBrk="0" hangingPunct="1">
-              <a:lnSpc>
-                <a:spcPct val="90000"/>
-              </a:lnSpc>
-              <a:spcBef>
-                <a:spcPts val="500"/>
-              </a:spcBef>
-              <a:buFont typeface="Arial" panose="020B0604020202020204" pitchFamily="34" charset="0"/>
-              <a:buChar char="•"/>
-              <a:defRPr sz="2400" kern="1200">
-                <a:solidFill>
-                  <a:schemeClr val="tx1"/>
-                </a:solidFill>
-                <a:latin typeface="+mn-lt"/>
-                <a:ea typeface="+mn-ea"/>
-                <a:cs typeface="+mn-cs"/>
-              </a:defRPr>
-            </a:lvl2pPr>
-            <a:lvl3pPr marL="1143000" indent="-228600" algn="l" defTabSz="914400" rtl="0" eaLnBrk="1" latinLnBrk="0" hangingPunct="1">
-              <a:lnSpc>
-                <a:spcPct val="90000"/>
-              </a:lnSpc>
-              <a:spcBef>
-                <a:spcPts val="500"/>
-              </a:spcBef>
-              <a:buFont typeface="Arial" panose="020B0604020202020204" pitchFamily="34" charset="0"/>
-              <a:buChar char="•"/>
-              <a:defRPr sz="2000" kern="1200">
-                <a:solidFill>
-                  <a:schemeClr val="tx1"/>
-                </a:solidFill>
-                <a:latin typeface="+mn-lt"/>
-                <a:ea typeface="+mn-ea"/>
-                <a:cs typeface="+mn-cs"/>
-              </a:defRPr>
-            </a:lvl3pPr>
-            <a:lvl4pPr marL="1600200" indent="-228600" algn="l" defTabSz="914400" rtl="0" eaLnBrk="1" latinLnBrk="0" hangingPunct="1">
-              <a:lnSpc>
-                <a:spcPct val="90000"/>
-              </a:lnSpc>
-              <a:spcBef>
-                <a:spcPts val="500"/>
-              </a:spcBef>
-              <a:buFont typeface="Arial" panose="020B0604020202020204" pitchFamily="34" charset="0"/>
-              <a:buChar char="•"/>
-              <a:defRPr sz="1800" kern="1200">
-                <a:solidFill>
-                  <a:schemeClr val="tx1"/>
-                </a:solidFill>
-                <a:latin typeface="+mn-lt"/>
-                <a:ea typeface="+mn-ea"/>
-                <a:cs typeface="+mn-cs"/>
-              </a:defRPr>
-            </a:lvl4pPr>
-            <a:lvl5pPr marL="2057400" indent="-228600" algn="l" defTabSz="914400" rtl="0" eaLnBrk="1" latinLnBrk="0" hangingPunct="1">
-              <a:lnSpc>
-                <a:spcPct val="90000"/>
-              </a:lnSpc>
-              <a:spcBef>
-                <a:spcPts val="500"/>
-              </a:spcBef>
-              <a:buFont typeface="Arial" panose="020B0604020202020204" pitchFamily="34" charset="0"/>
-              <a:buChar char="•"/>
-              <a:defRPr sz="1800" kern="1200">
-                <a:solidFill>
-                  <a:schemeClr val="tx1"/>
-                </a:solidFill>
-                <a:latin typeface="+mn-lt"/>
-                <a:ea typeface="+mn-ea"/>
-                <a:cs typeface="+mn-cs"/>
-              </a:defRPr>
-            </a:lvl5pPr>
-            <a:lvl6pPr marL="2514600" indent="-228600" algn="l" defTabSz="914400" rtl="0" eaLnBrk="1" latinLnBrk="0" hangingPunct="1">
-              <a:lnSpc>
-                <a:spcPct val="90000"/>
-              </a:lnSpc>
-              <a:spcBef>
-                <a:spcPts val="500"/>
-              </a:spcBef>
-              <a:buFont typeface="Arial" panose="020B0604020202020204" pitchFamily="34" charset="0"/>
-              <a:buChar char="•"/>
-              <a:defRPr sz="1800" kern="1200">
-                <a:solidFill>
-                  <a:schemeClr val="tx1"/>
-                </a:solidFill>
-                <a:latin typeface="+mn-lt"/>
-                <a:ea typeface="+mn-ea"/>
-                <a:cs typeface="+mn-cs"/>
-              </a:defRPr>
-            </a:lvl6pPr>
-            <a:lvl7pPr marL="2971800" indent="-228600" algn="l" defTabSz="914400" rtl="0" eaLnBrk="1" latinLnBrk="0" hangingPunct="1">
-              <a:lnSpc>
-                <a:spcPct val="90000"/>
-              </a:lnSpc>
-              <a:spcBef>
-                <a:spcPts val="500"/>
-              </a:spcBef>
-              <a:buFont typeface="Arial" panose="020B0604020202020204" pitchFamily="34" charset="0"/>
-              <a:buChar char="•"/>
-              <a:defRPr sz="1800" kern="1200">
-                <a:solidFill>
-                  <a:schemeClr val="tx1"/>
-                </a:solidFill>
-                <a:latin typeface="+mn-lt"/>
-                <a:ea typeface="+mn-ea"/>
-                <a:cs typeface="+mn-cs"/>
-              </a:defRPr>
-            </a:lvl7pPr>
-            <a:lvl8pPr marL="3429000" indent="-228600" algn="l" defTabSz="914400" rtl="0" eaLnBrk="1" latinLnBrk="0" hangingPunct="1">
-              <a:lnSpc>
-                <a:spcPct val="90000"/>
-              </a:lnSpc>
-              <a:spcBef>
-                <a:spcPts val="500"/>
-              </a:spcBef>
-              <a:buFont typeface="Arial" panose="020B0604020202020204" pitchFamily="34" charset="0"/>
-              <a:buChar char="•"/>
-              <a:defRPr sz="1800" kern="1200">
-                <a:solidFill>
-                  <a:schemeClr val="tx1"/>
-                </a:solidFill>
-                <a:latin typeface="+mn-lt"/>
-                <a:ea typeface="+mn-ea"/>
-                <a:cs typeface="+mn-cs"/>
-              </a:defRPr>
-            </a:lvl8pPr>
-            <a:lvl9pPr marL="3886200" indent="-228600" algn="l" defTabSz="914400" rtl="0" eaLnBrk="1" latinLnBrk="0" hangingPunct="1">
-              <a:lnSpc>
-                <a:spcPct val="90000"/>
-              </a:lnSpc>
-              <a:spcBef>
-                <a:spcPts val="500"/>
-              </a:spcBef>
-              <a:buFont typeface="Arial" panose="020B0604020202020204" pitchFamily="34" charset="0"/>
-              <a:buChar char="•"/>
-              <a:defRPr sz="1800" kern="1200">
-                <a:solidFill>
-                  <a:schemeClr val="tx1"/>
-                </a:solidFill>
-                <a:latin typeface="+mn-lt"/>
-                <a:ea typeface="+mn-ea"/>
-                <a:cs typeface="+mn-cs"/>
-              </a:defRPr>
-            </a:lvl9pPr>
-          </a:lstStyle>
-          <a:p>
-            <a:pPr marL="0" indent="0">
-              <a:buNone/>
-            </a:pPr>
-            <a:r>
-              <a:rPr lang="en-US" sz="700" dirty="0"/>
-              <a:t>[11]  E. </a:t>
-            </a:r>
-            <a:r>
-              <a:rPr lang="en-US" sz="700" dirty="0" err="1"/>
-              <a:t>Hassanzadeh</a:t>
-            </a:r>
-            <a:r>
-              <a:rPr lang="en-US" sz="700" dirty="0"/>
-              <a:t> and Z. </a:t>
-            </a:r>
-            <a:r>
-              <a:rPr lang="en-US" sz="700" dirty="0" err="1"/>
-              <a:t>Amini</a:t>
-            </a:r>
-            <a:r>
-              <a:rPr lang="en-US" sz="700" dirty="0"/>
-              <a:t>, "Using Neural Network for Predicting Hourly Origin-Destination Matrices from Trip Data and Environmental Information," Scientia </a:t>
-            </a:r>
-            <a:r>
-              <a:rPr lang="en-US" sz="700" dirty="0" err="1"/>
-              <a:t>Iranica</a:t>
-            </a:r>
-            <a:r>
-              <a:rPr lang="en-US" sz="700" dirty="0"/>
-              <a:t>, 2023, </a:t>
-            </a:r>
-            <a:r>
-              <a:rPr lang="en-US" sz="700" dirty="0" err="1"/>
-              <a:t>doi</a:t>
-            </a:r>
-            <a:r>
-              <a:rPr lang="en-US" sz="700" dirty="0"/>
-              <a:t>: 10.24200/sci.2023.58193.5608.</a:t>
-            </a:r>
-          </a:p>
-          <a:p>
-            <a:pPr marL="0" indent="0">
-              <a:buNone/>
-            </a:pPr>
-            <a:r>
-              <a:rPr lang="en-US" sz="700" dirty="0"/>
-              <a:t>[12]  Y. He, M. Hu, L. Yuan, and H. Jiang, "Flight taxi-out time prediction based on deep learning," Proc. SPIE 12081, MIPPR 2021: Pattern Recognition and Computer Vision, 1208127, 2022, </a:t>
-            </a:r>
-            <a:r>
-              <a:rPr lang="en-US" sz="700" dirty="0" err="1"/>
-              <a:t>doi</a:t>
-            </a:r>
-            <a:r>
-              <a:rPr lang="en-US" sz="700" dirty="0"/>
-              <a:t>: 10.1117/12.2623856.</a:t>
-            </a:r>
-          </a:p>
-          <a:p>
-            <a:pPr marL="0" indent="0">
-              <a:buNone/>
-            </a:pPr>
-            <a:r>
-              <a:rPr lang="en-US" sz="700" dirty="0"/>
-              <a:t>[13] K. Zhao, D. </a:t>
-            </a:r>
-            <a:r>
-              <a:rPr lang="en-US" sz="700" dirty="0" err="1"/>
-              <a:t>Khryashchev</a:t>
-            </a:r>
-            <a:r>
-              <a:rPr lang="en-US" sz="700" dirty="0"/>
-              <a:t>, and H. Vo, "Predicting Taxi and Uber Demand in Cities: Approaching the Limit of Predictability," IEEE Transactions on Knowledge and Data Engineering, vol. 33, no. 7, pp. 2723-2736, 2021, </a:t>
-            </a:r>
-            <a:r>
-              <a:rPr lang="en-US" sz="700" dirty="0" err="1"/>
-              <a:t>doi</a:t>
-            </a:r>
-            <a:r>
-              <a:rPr lang="en-US" sz="700" dirty="0"/>
-              <a:t>: 10.1109/TKDE.2019.2955686.</a:t>
-            </a:r>
-          </a:p>
-          <a:p>
-            <a:pPr marL="0" indent="0">
-              <a:buNone/>
-            </a:pPr>
-            <a:r>
-              <a:rPr lang="en-US" sz="700" dirty="0"/>
-              <a:t>[14]  Y. Li, S. Cui, L. Zhang, B. Liu, and D. Song, "Taxi Destination Prediction with Deep Spatial-Temporal Features," 2021 International Conference on Communications, Information System and Computer Engineering (CISCE), pp. 562-565, 2021, </a:t>
-            </a:r>
-            <a:r>
-              <a:rPr lang="en-US" sz="700" dirty="0" err="1"/>
-              <a:t>doi</a:t>
-            </a:r>
-            <a:r>
-              <a:rPr lang="en-US" sz="700" dirty="0"/>
-              <a:t>: 10.1109/CISCE52179.2021.9445931.</a:t>
-            </a:r>
-          </a:p>
-          <a:p>
-            <a:pPr marL="0" indent="0">
-              <a:buNone/>
-            </a:pPr>
-            <a:r>
-              <a:rPr lang="en-US" sz="700" dirty="0"/>
-              <a:t>[15]  J. Tang, J. Liang, T. Yu, Y. </a:t>
-            </a:r>
-            <a:r>
-              <a:rPr lang="en-US" sz="700" dirty="0" err="1"/>
-              <a:t>Xiong</a:t>
-            </a:r>
-            <a:r>
-              <a:rPr lang="en-US" sz="700" dirty="0"/>
-              <a:t>, and G. Zeng, "Trip destination prediction based on a deep integration network by fusing multiple features from taxi trajectories," IET Intelligent Transport Systems, 2021, </a:t>
-            </a:r>
-            <a:r>
-              <a:rPr lang="en-US" sz="700" dirty="0" err="1"/>
-              <a:t>doi</a:t>
-            </a:r>
-            <a:r>
-              <a:rPr lang="en-US" sz="700" dirty="0"/>
-              <a:t>: 10.1049/ITR2.12075. </a:t>
-            </a:r>
-          </a:p>
-          <a:p>
-            <a:pPr marL="0" indent="0">
-              <a:buNone/>
-            </a:pPr>
-            <a:r>
-              <a:rPr lang="en-US" sz="700" dirty="0"/>
-              <a:t>[16]  D. Cao et al., "BERT-Based Deep Spatial-Temporal Network for Taxi Demand Prediction," IEEE Transactions on Intelligent Transportation Systems, vol. 23, no. 7, pp. 9442-9454, 2022, </a:t>
-            </a:r>
-            <a:r>
-              <a:rPr lang="en-US" sz="700" dirty="0" err="1"/>
-              <a:t>doi</a:t>
-            </a:r>
-            <a:r>
-              <a:rPr lang="en-US" sz="700" dirty="0"/>
-              <a:t>: 10.1109/tits.2021.3122114.</a:t>
-            </a:r>
-          </a:p>
-          <a:p>
-            <a:pPr marL="0" indent="0">
-              <a:buNone/>
-            </a:pPr>
-            <a:r>
-              <a:rPr lang="en-US" sz="700" dirty="0"/>
-              <a:t>[17]  H. Luo, J. Cai, K. Zhang, R. </a:t>
-            </a:r>
-            <a:r>
-              <a:rPr lang="en-US" sz="700" dirty="0" err="1"/>
-              <a:t>Xie</a:t>
-            </a:r>
-            <a:r>
-              <a:rPr lang="en-US" sz="700" dirty="0"/>
-              <a:t>, and L. Zheng, "A multi-task deep learning model for short-term taxi demand forecasting considering spatiotemporal dependences," Journal of Traffic and Transportation Engineering, 2020, </a:t>
-            </a:r>
-            <a:r>
-              <a:rPr lang="en-US" sz="700" dirty="0" err="1"/>
-              <a:t>doi</a:t>
-            </a:r>
-            <a:r>
-              <a:rPr lang="en-US" sz="700" dirty="0"/>
-              <a:t>: 10.1016/j.jtte.2019.07.002.</a:t>
-            </a:r>
-          </a:p>
-          <a:p>
-            <a:pPr marL="0" indent="0">
-              <a:buNone/>
-            </a:pPr>
-            <a:r>
-              <a:rPr lang="en-US" sz="700" dirty="0"/>
-              <a:t>[18]  J. Zhao, C. Chen, H. Huang, and C. Xiang, "Unifying Uber and taxi data via deep models for taxi passenger demand prediction," Personal and Ubiquitous Computing, pp. 1-13, 2020, </a:t>
-            </a:r>
-            <a:r>
-              <a:rPr lang="en-US" sz="700" dirty="0" err="1"/>
-              <a:t>doi</a:t>
-            </a:r>
-            <a:r>
-              <a:rPr lang="en-US" sz="700" dirty="0"/>
-              <a:t>: 10.1007/s00779-020-01426-y.</a:t>
-            </a:r>
-          </a:p>
-          <a:p>
-            <a:pPr marL="0" indent="0">
-              <a:buNone/>
-            </a:pPr>
-            <a:r>
-              <a:rPr lang="en-US" sz="700" dirty="0"/>
-              <a:t>[19]  S. </a:t>
-            </a:r>
-            <a:r>
-              <a:rPr lang="en-US" sz="700" dirty="0" err="1"/>
-              <a:t>Sonbhadra</a:t>
-            </a:r>
-            <a:r>
-              <a:rPr lang="en-US" sz="700" dirty="0"/>
-              <a:t>, S. Agarwal, M. </a:t>
-            </a:r>
-            <a:r>
-              <a:rPr lang="en-US" sz="700" dirty="0" err="1"/>
-              <a:t>Syafrullah</a:t>
-            </a:r>
-            <a:r>
-              <a:rPr lang="en-US" sz="700" dirty="0"/>
-              <a:t>, and K. </a:t>
-            </a:r>
-            <a:r>
-              <a:rPr lang="en-US" sz="700" dirty="0" err="1"/>
-              <a:t>Adiyarta</a:t>
-            </a:r>
-            <a:r>
-              <a:rPr lang="en-US" sz="700" dirty="0"/>
-              <a:t>, "An Application of Ensemble and Deep Learning Models in Predictive Analytics," 2020 IEEE 7th International Conference on Industrial Engineering and Applications (ICIEA), pp. 574-582, 2020, </a:t>
-            </a:r>
-            <a:r>
-              <a:rPr lang="en-US" sz="700" dirty="0" err="1"/>
-              <a:t>doi</a:t>
-            </a:r>
-            <a:r>
-              <a:rPr lang="en-US" sz="700" dirty="0"/>
-              <a:t>: 10.1109/ICIEA49774.2020.9102115.</a:t>
-            </a:r>
-          </a:p>
-          <a:p>
-            <a:pPr marL="0" indent="0">
-              <a:buNone/>
-            </a:pPr>
-            <a:r>
-              <a:rPr lang="en-US" sz="700" dirty="0"/>
-              <a:t>[20]  Z. Chen, "Multi-Source Information Based Short-term Taxi Demand Prediction Using Deep-Learning Approaches," Journal of Physics: Conference Series, vol. 2033, no. 1, 012167, 2021, </a:t>
-            </a:r>
-            <a:r>
-              <a:rPr lang="en-US" sz="700" dirty="0" err="1"/>
-              <a:t>doi</a:t>
-            </a:r>
-            <a:r>
-              <a:rPr lang="en-US" sz="700" dirty="0"/>
-              <a:t>: 10.1088/1742-6596/2033/1/012167.</a:t>
-            </a:r>
-          </a:p>
-          <a:p>
-            <a:pPr marL="0" indent="0">
-              <a:buNone/>
-            </a:pPr>
-            <a:r>
-              <a:rPr lang="en-US" sz="700" dirty="0"/>
-              <a:t>[21]  J. Du, M. Hu, W. Zhang, and J. Yin, "Finding Similar Historical Scenarios for Better Understanding Aircraft Taxi Time: A Deep Metric Learning Approach," IEEE Intelligent Transportation Systems Magazine, vol. 15, no. 2, pp. 101-116, 2023, </a:t>
-            </a:r>
-            <a:r>
-              <a:rPr lang="en-US" sz="700" dirty="0" err="1"/>
-              <a:t>doi</a:t>
-            </a:r>
-            <a:r>
-              <a:rPr lang="en-US" sz="700" dirty="0"/>
-              <a:t>: 10.1109/MITS.2021.3136329.</a:t>
-            </a:r>
-          </a:p>
-          <a:p>
-            <a:pPr marL="0" indent="0">
-              <a:buNone/>
-            </a:pPr>
-            <a:r>
-              <a:rPr lang="en-US" sz="700" dirty="0"/>
-              <a:t>[22]  H. Huang, "Taxi fare prediction based on multiple machine learning models," Applied and Computational Engineering, 2023, </a:t>
-            </a:r>
-            <a:r>
-              <a:rPr lang="en-US" sz="700" dirty="0" err="1"/>
-              <a:t>doi</a:t>
-            </a:r>
-            <a:r>
-              <a:rPr lang="en-US" sz="700" dirty="0"/>
-              <a:t>: 10.54254/2755-2721/16/20230849.</a:t>
-            </a:r>
-          </a:p>
-          <a:p>
-            <a:pPr marL="0" indent="0">
-              <a:buNone/>
-            </a:pPr>
-            <a:r>
-              <a:rPr lang="en-US" sz="700" dirty="0"/>
-              <a:t>[23]  C. Hsu and H. Chen, "Taxi Demand Prediction based on LSTM with Residuals and Multi-head Attention," Science and Information Conference, pp. 268-275, 2020, </a:t>
-            </a:r>
-            <a:r>
-              <a:rPr lang="en-US" sz="700" dirty="0" err="1"/>
-              <a:t>doi</a:t>
-            </a:r>
-            <a:r>
-              <a:rPr lang="en-US" sz="700" dirty="0"/>
-              <a:t>: 10.5220/0009562002680275.</a:t>
-            </a:r>
-          </a:p>
-          <a:p>
-            <a:pPr marL="0" indent="0">
-              <a:buNone/>
-            </a:pPr>
-            <a:endParaRPr lang="en-US" sz="700" dirty="0"/>
-          </a:p>
-          <a:p>
-            <a:pPr marL="0" indent="0">
-              <a:buNone/>
-            </a:pPr>
-            <a:endParaRPr lang="en-US" sz="700" dirty="0"/>
-          </a:p>
-        </p:txBody>
-      </p:sp>
+        </p:nvGraphicFramePr>
+        <p:xfrm>
+          <a:off x="808071" y="806364"/>
+          <a:ext cx="6413151" cy="5163663"/>
+        </p:xfrm>
+        <a:graphic>
+          <a:graphicData uri="http://schemas.openxmlformats.org/drawingml/2006/table">
+            <a:tbl>
+              <a:tblPr firstRow="1" firstCol="1" bandRow="1">
+                <a:tableStyleId>{793D81CF-94F2-401A-BA57-92F5A7B2D0C5}</a:tableStyleId>
+              </a:tblPr>
+              <a:tblGrid>
+                <a:gridCol w="2137717">
+                  <a:extLst>
+                    <a:ext uri="{9D8B030D-6E8A-4147-A177-3AD203B41FA5}">
+                      <a16:colId xmlns:a16="http://schemas.microsoft.com/office/drawing/2014/main" val="2776946853"/>
+                    </a:ext>
+                  </a:extLst>
+                </a:gridCol>
+                <a:gridCol w="2137717">
+                  <a:extLst>
+                    <a:ext uri="{9D8B030D-6E8A-4147-A177-3AD203B41FA5}">
+                      <a16:colId xmlns:a16="http://schemas.microsoft.com/office/drawing/2014/main" val="3411861752"/>
+                    </a:ext>
+                  </a:extLst>
+                </a:gridCol>
+                <a:gridCol w="2137717">
+                  <a:extLst>
+                    <a:ext uri="{9D8B030D-6E8A-4147-A177-3AD203B41FA5}">
+                      <a16:colId xmlns:a16="http://schemas.microsoft.com/office/drawing/2014/main" val="2675940680"/>
+                    </a:ext>
+                  </a:extLst>
+                </a:gridCol>
+              </a:tblGrid>
+              <a:tr h="254912">
+                <a:tc>
+                  <a:txBody>
+                    <a:bodyPr/>
+                    <a:lstStyle/>
+                    <a:p>
+                      <a:pPr marL="0" marR="0">
+                        <a:spcBef>
+                          <a:spcPts val="0"/>
+                        </a:spcBef>
+                        <a:spcAft>
+                          <a:spcPts val="0"/>
+                        </a:spcAft>
+                      </a:pPr>
+                      <a:r>
+                        <a:rPr lang="en-US" sz="800" dirty="0">
+                          <a:effectLst/>
+                        </a:rPr>
+                        <a:t>Paper (Year) </a:t>
+                      </a:r>
+                      <a:endParaRPr lang="en-US" sz="800" dirty="0">
+                        <a:effectLst/>
+                        <a:latin typeface="Calibri" panose="020F0502020204030204" pitchFamily="34" charset="0"/>
+                        <a:ea typeface="Calibri" panose="020F0502020204030204" pitchFamily="34" charset="0"/>
+                        <a:cs typeface="Mangal" panose="02040503050203030202" pitchFamily="18" charset="0"/>
+                      </a:endParaRPr>
+                    </a:p>
+                  </a:txBody>
+                  <a:tcPr marL="45326" marR="45326" marT="0" marB="0"/>
+                </a:tc>
+                <a:tc>
+                  <a:txBody>
+                    <a:bodyPr/>
+                    <a:lstStyle/>
+                    <a:p>
+                      <a:pPr marL="0" marR="0">
+                        <a:spcBef>
+                          <a:spcPts val="0"/>
+                        </a:spcBef>
+                        <a:spcAft>
+                          <a:spcPts val="0"/>
+                        </a:spcAft>
+                      </a:pPr>
+                      <a:r>
+                        <a:rPr lang="en-US" sz="800">
+                          <a:effectLst/>
+                        </a:rPr>
+                        <a:t>Author(s) </a:t>
+                      </a:r>
+                      <a:endParaRPr lang="en-US" sz="800">
+                        <a:effectLst/>
+                        <a:latin typeface="Calibri" panose="020F0502020204030204" pitchFamily="34" charset="0"/>
+                        <a:ea typeface="Calibri" panose="020F0502020204030204" pitchFamily="34" charset="0"/>
+                        <a:cs typeface="Mangal" panose="02040503050203030202" pitchFamily="18" charset="0"/>
+                      </a:endParaRPr>
+                    </a:p>
+                  </a:txBody>
+                  <a:tcPr marL="45326" marR="45326" marT="0" marB="0"/>
+                </a:tc>
+                <a:tc>
+                  <a:txBody>
+                    <a:bodyPr/>
+                    <a:lstStyle/>
+                    <a:p>
+                      <a:pPr marL="0" marR="0">
+                        <a:spcBef>
+                          <a:spcPts val="0"/>
+                        </a:spcBef>
+                        <a:spcAft>
+                          <a:spcPts val="0"/>
+                        </a:spcAft>
+                      </a:pPr>
+                      <a:r>
+                        <a:rPr lang="en-US" sz="800" dirty="0">
+                          <a:effectLst/>
+                        </a:rPr>
+                        <a:t>Contribution </a:t>
+                      </a:r>
+                      <a:endParaRPr lang="en-US" sz="800" dirty="0">
+                        <a:effectLst/>
+                        <a:latin typeface="Calibri" panose="020F0502020204030204" pitchFamily="34" charset="0"/>
+                        <a:ea typeface="Calibri" panose="020F0502020204030204" pitchFamily="34" charset="0"/>
+                        <a:cs typeface="Mangal" panose="02040503050203030202" pitchFamily="18" charset="0"/>
+                      </a:endParaRPr>
+                    </a:p>
+                  </a:txBody>
+                  <a:tcPr marL="45326" marR="45326" marT="0" marB="0"/>
+                </a:tc>
+                <a:extLst>
+                  <a:ext uri="{0D108BD9-81ED-4DB2-BD59-A6C34878D82A}">
+                    <a16:rowId xmlns:a16="http://schemas.microsoft.com/office/drawing/2014/main" val="2127210703"/>
+                  </a:ext>
+                </a:extLst>
+              </a:tr>
+              <a:tr h="387533">
+                <a:tc>
+                  <a:txBody>
+                    <a:bodyPr/>
+                    <a:lstStyle/>
+                    <a:p>
+                      <a:pPr marL="0" marR="0">
+                        <a:spcBef>
+                          <a:spcPts val="0"/>
+                        </a:spcBef>
+                        <a:spcAft>
+                          <a:spcPts val="0"/>
+                        </a:spcAft>
+                      </a:pPr>
+                      <a:r>
+                        <a:rPr lang="en-US" sz="800">
+                          <a:effectLst/>
+                        </a:rPr>
+                        <a:t>Using Neural Network for Predicting Hourly Origin-Destination Matrices from Trip Data and Environmental Information (2023) </a:t>
+                      </a:r>
+                      <a:endParaRPr lang="en-US" sz="800">
+                        <a:effectLst/>
+                        <a:latin typeface="Calibri" panose="020F0502020204030204" pitchFamily="34" charset="0"/>
+                        <a:ea typeface="Calibri" panose="020F0502020204030204" pitchFamily="34" charset="0"/>
+                        <a:cs typeface="Mangal" panose="02040503050203030202" pitchFamily="18" charset="0"/>
+                      </a:endParaRPr>
+                    </a:p>
+                  </a:txBody>
+                  <a:tcPr marL="45326" marR="45326" marT="0" marB="0"/>
+                </a:tc>
+                <a:tc>
+                  <a:txBody>
+                    <a:bodyPr/>
+                    <a:lstStyle/>
+                    <a:p>
+                      <a:pPr marL="0" marR="0">
+                        <a:spcBef>
+                          <a:spcPts val="0"/>
+                        </a:spcBef>
+                        <a:spcAft>
+                          <a:spcPts val="0"/>
+                        </a:spcAft>
+                      </a:pPr>
+                      <a:r>
+                        <a:rPr lang="en-US" sz="800">
+                          <a:effectLst/>
+                        </a:rPr>
+                        <a:t>E. Hassanzadeh, Z. Amini </a:t>
+                      </a:r>
+                      <a:endParaRPr lang="en-US" sz="800">
+                        <a:effectLst/>
+                        <a:latin typeface="Calibri" panose="020F0502020204030204" pitchFamily="34" charset="0"/>
+                        <a:ea typeface="Calibri" panose="020F0502020204030204" pitchFamily="34" charset="0"/>
+                        <a:cs typeface="Mangal" panose="02040503050203030202" pitchFamily="18" charset="0"/>
+                      </a:endParaRPr>
+                    </a:p>
+                  </a:txBody>
+                  <a:tcPr marL="45326" marR="45326" marT="0" marB="0"/>
+                </a:tc>
+                <a:tc>
+                  <a:txBody>
+                    <a:bodyPr/>
+                    <a:lstStyle/>
+                    <a:p>
+                      <a:pPr marL="0" marR="0">
+                        <a:spcBef>
+                          <a:spcPts val="0"/>
+                        </a:spcBef>
+                        <a:spcAft>
+                          <a:spcPts val="0"/>
+                        </a:spcAft>
+                      </a:pPr>
+                      <a:r>
+                        <a:rPr lang="en-US" sz="800">
+                          <a:effectLst/>
+                        </a:rPr>
+                        <a:t>Utilized neural networks to predict hourly origin-destination matrices, integrating trip data with environmental factors. </a:t>
+                      </a:r>
+                      <a:endParaRPr lang="en-US" sz="800">
+                        <a:effectLst/>
+                        <a:latin typeface="Calibri" panose="020F0502020204030204" pitchFamily="34" charset="0"/>
+                        <a:ea typeface="Calibri" panose="020F0502020204030204" pitchFamily="34" charset="0"/>
+                        <a:cs typeface="Mangal" panose="02040503050203030202" pitchFamily="18" charset="0"/>
+                      </a:endParaRPr>
+                    </a:p>
+                  </a:txBody>
+                  <a:tcPr marL="45326" marR="45326" marT="0" marB="0"/>
+                </a:tc>
+                <a:extLst>
+                  <a:ext uri="{0D108BD9-81ED-4DB2-BD59-A6C34878D82A}">
+                    <a16:rowId xmlns:a16="http://schemas.microsoft.com/office/drawing/2014/main" val="659355921"/>
+                  </a:ext>
+                </a:extLst>
+              </a:tr>
+              <a:tr h="258355">
+                <a:tc>
+                  <a:txBody>
+                    <a:bodyPr/>
+                    <a:lstStyle/>
+                    <a:p>
+                      <a:pPr marL="0" marR="0">
+                        <a:spcBef>
+                          <a:spcPts val="0"/>
+                        </a:spcBef>
+                        <a:spcAft>
+                          <a:spcPts val="0"/>
+                        </a:spcAft>
+                      </a:pPr>
+                      <a:r>
+                        <a:rPr lang="en-US" sz="800">
+                          <a:effectLst/>
+                        </a:rPr>
+                        <a:t>Flight Taxi-Out Time Prediction Based on Deep Learning (2022) </a:t>
+                      </a:r>
+                      <a:endParaRPr lang="en-US" sz="800">
+                        <a:effectLst/>
+                        <a:latin typeface="Calibri" panose="020F0502020204030204" pitchFamily="34" charset="0"/>
+                        <a:ea typeface="Calibri" panose="020F0502020204030204" pitchFamily="34" charset="0"/>
+                        <a:cs typeface="Mangal" panose="02040503050203030202" pitchFamily="18" charset="0"/>
+                      </a:endParaRPr>
+                    </a:p>
+                  </a:txBody>
+                  <a:tcPr marL="45326" marR="45326" marT="0" marB="0"/>
+                </a:tc>
+                <a:tc>
+                  <a:txBody>
+                    <a:bodyPr/>
+                    <a:lstStyle/>
+                    <a:p>
+                      <a:pPr marL="0" marR="0">
+                        <a:spcBef>
+                          <a:spcPts val="0"/>
+                        </a:spcBef>
+                        <a:spcAft>
+                          <a:spcPts val="0"/>
+                        </a:spcAft>
+                      </a:pPr>
+                      <a:r>
+                        <a:rPr lang="en-US" sz="800">
+                          <a:effectLst/>
+                        </a:rPr>
+                        <a:t>Y. He, M. Hu, L. Yuan, H. Jiang </a:t>
+                      </a:r>
+                      <a:endParaRPr lang="en-US" sz="800">
+                        <a:effectLst/>
+                        <a:latin typeface="Calibri" panose="020F0502020204030204" pitchFamily="34" charset="0"/>
+                        <a:ea typeface="Calibri" panose="020F0502020204030204" pitchFamily="34" charset="0"/>
+                        <a:cs typeface="Mangal" panose="02040503050203030202" pitchFamily="18" charset="0"/>
+                      </a:endParaRPr>
+                    </a:p>
+                  </a:txBody>
+                  <a:tcPr marL="45326" marR="45326" marT="0" marB="0"/>
+                </a:tc>
+                <a:tc>
+                  <a:txBody>
+                    <a:bodyPr/>
+                    <a:lstStyle/>
+                    <a:p>
+                      <a:pPr marL="0" marR="0">
+                        <a:spcBef>
+                          <a:spcPts val="0"/>
+                        </a:spcBef>
+                        <a:spcAft>
+                          <a:spcPts val="0"/>
+                        </a:spcAft>
+                      </a:pPr>
+                      <a:r>
+                        <a:rPr lang="en-US" sz="800">
+                          <a:effectLst/>
+                        </a:rPr>
+                        <a:t>Applied deep learning to predict taxi-out times for flights, potentially reducing airport delays. </a:t>
+                      </a:r>
+                      <a:endParaRPr lang="en-US" sz="800">
+                        <a:effectLst/>
+                        <a:latin typeface="Calibri" panose="020F0502020204030204" pitchFamily="34" charset="0"/>
+                        <a:ea typeface="Calibri" panose="020F0502020204030204" pitchFamily="34" charset="0"/>
+                        <a:cs typeface="Mangal" panose="02040503050203030202" pitchFamily="18" charset="0"/>
+                      </a:endParaRPr>
+                    </a:p>
+                  </a:txBody>
+                  <a:tcPr marL="45326" marR="45326" marT="0" marB="0"/>
+                </a:tc>
+                <a:extLst>
+                  <a:ext uri="{0D108BD9-81ED-4DB2-BD59-A6C34878D82A}">
+                    <a16:rowId xmlns:a16="http://schemas.microsoft.com/office/drawing/2014/main" val="3565594874"/>
+                  </a:ext>
+                </a:extLst>
+              </a:tr>
+              <a:tr h="387533">
+                <a:tc>
+                  <a:txBody>
+                    <a:bodyPr/>
+                    <a:lstStyle/>
+                    <a:p>
+                      <a:pPr marL="0" marR="0">
+                        <a:spcBef>
+                          <a:spcPts val="0"/>
+                        </a:spcBef>
+                        <a:spcAft>
+                          <a:spcPts val="0"/>
+                        </a:spcAft>
+                      </a:pPr>
+                      <a:r>
+                        <a:rPr lang="en-US" sz="800">
+                          <a:effectLst/>
+                        </a:rPr>
+                        <a:t>Predicting Taxi and Uber Demand in Cities: Approaching the Limit of Predictability (2021) </a:t>
+                      </a:r>
+                      <a:endParaRPr lang="en-US" sz="800">
+                        <a:effectLst/>
+                        <a:latin typeface="Calibri" panose="020F0502020204030204" pitchFamily="34" charset="0"/>
+                        <a:ea typeface="Calibri" panose="020F0502020204030204" pitchFamily="34" charset="0"/>
+                        <a:cs typeface="Mangal" panose="02040503050203030202" pitchFamily="18" charset="0"/>
+                      </a:endParaRPr>
+                    </a:p>
+                  </a:txBody>
+                  <a:tcPr marL="45326" marR="45326" marT="0" marB="0"/>
+                </a:tc>
+                <a:tc>
+                  <a:txBody>
+                    <a:bodyPr/>
+                    <a:lstStyle/>
+                    <a:p>
+                      <a:pPr marL="0" marR="0">
+                        <a:spcBef>
+                          <a:spcPts val="0"/>
+                        </a:spcBef>
+                        <a:spcAft>
+                          <a:spcPts val="0"/>
+                        </a:spcAft>
+                      </a:pPr>
+                      <a:r>
+                        <a:rPr lang="en-US" sz="800">
+                          <a:effectLst/>
+                        </a:rPr>
+                        <a:t>K. Zhao, D. Khryashchev, H. Vo </a:t>
+                      </a:r>
+                      <a:endParaRPr lang="en-US" sz="800">
+                        <a:effectLst/>
+                        <a:latin typeface="Calibri" panose="020F0502020204030204" pitchFamily="34" charset="0"/>
+                        <a:ea typeface="Calibri" panose="020F0502020204030204" pitchFamily="34" charset="0"/>
+                        <a:cs typeface="Mangal" panose="02040503050203030202" pitchFamily="18" charset="0"/>
+                      </a:endParaRPr>
+                    </a:p>
+                  </a:txBody>
+                  <a:tcPr marL="45326" marR="45326" marT="0" marB="0"/>
+                </a:tc>
+                <a:tc>
+                  <a:txBody>
+                    <a:bodyPr/>
+                    <a:lstStyle/>
+                    <a:p>
+                      <a:pPr marL="0" marR="0">
+                        <a:spcBef>
+                          <a:spcPts val="0"/>
+                        </a:spcBef>
+                        <a:spcAft>
+                          <a:spcPts val="0"/>
+                        </a:spcAft>
+                      </a:pPr>
+                      <a:r>
+                        <a:rPr lang="en-US" sz="800">
+                          <a:effectLst/>
+                        </a:rPr>
+                        <a:t>Explored limits of predictability in taxi and Uber demand in urban areas using advanced data analytics. </a:t>
+                      </a:r>
+                      <a:endParaRPr lang="en-US" sz="800">
+                        <a:effectLst/>
+                        <a:latin typeface="Calibri" panose="020F0502020204030204" pitchFamily="34" charset="0"/>
+                        <a:ea typeface="Calibri" panose="020F0502020204030204" pitchFamily="34" charset="0"/>
+                        <a:cs typeface="Mangal" panose="02040503050203030202" pitchFamily="18" charset="0"/>
+                      </a:endParaRPr>
+                    </a:p>
+                  </a:txBody>
+                  <a:tcPr marL="45326" marR="45326" marT="0" marB="0"/>
+                </a:tc>
+                <a:extLst>
+                  <a:ext uri="{0D108BD9-81ED-4DB2-BD59-A6C34878D82A}">
+                    <a16:rowId xmlns:a16="http://schemas.microsoft.com/office/drawing/2014/main" val="431211282"/>
+                  </a:ext>
+                </a:extLst>
+              </a:tr>
+              <a:tr h="387533">
+                <a:tc>
+                  <a:txBody>
+                    <a:bodyPr/>
+                    <a:lstStyle/>
+                    <a:p>
+                      <a:pPr marL="0" marR="0">
+                        <a:spcBef>
+                          <a:spcPts val="0"/>
+                        </a:spcBef>
+                        <a:spcAft>
+                          <a:spcPts val="0"/>
+                        </a:spcAft>
+                      </a:pPr>
+                      <a:r>
+                        <a:rPr lang="en-US" sz="800">
+                          <a:effectLst/>
+                        </a:rPr>
+                        <a:t>Taxi Destination Prediction with Deep Spatial-Temporal Features (2021) </a:t>
+                      </a:r>
+                      <a:endParaRPr lang="en-US" sz="800">
+                        <a:effectLst/>
+                        <a:latin typeface="Calibri" panose="020F0502020204030204" pitchFamily="34" charset="0"/>
+                        <a:ea typeface="Calibri" panose="020F0502020204030204" pitchFamily="34" charset="0"/>
+                        <a:cs typeface="Mangal" panose="02040503050203030202" pitchFamily="18" charset="0"/>
+                      </a:endParaRPr>
+                    </a:p>
+                  </a:txBody>
+                  <a:tcPr marL="45326" marR="45326" marT="0" marB="0"/>
+                </a:tc>
+                <a:tc>
+                  <a:txBody>
+                    <a:bodyPr/>
+                    <a:lstStyle/>
+                    <a:p>
+                      <a:pPr marL="0" marR="0">
+                        <a:spcBef>
+                          <a:spcPts val="0"/>
+                        </a:spcBef>
+                        <a:spcAft>
+                          <a:spcPts val="0"/>
+                        </a:spcAft>
+                      </a:pPr>
+                      <a:r>
+                        <a:rPr lang="en-US" sz="800">
+                          <a:effectLst/>
+                        </a:rPr>
+                        <a:t>Y. Li, S. Cui, L. Zhang, B. Liu, D. Song </a:t>
+                      </a:r>
+                      <a:endParaRPr lang="en-US" sz="800">
+                        <a:effectLst/>
+                        <a:latin typeface="Calibri" panose="020F0502020204030204" pitchFamily="34" charset="0"/>
+                        <a:ea typeface="Calibri" panose="020F0502020204030204" pitchFamily="34" charset="0"/>
+                        <a:cs typeface="Mangal" panose="02040503050203030202" pitchFamily="18" charset="0"/>
+                      </a:endParaRPr>
+                    </a:p>
+                  </a:txBody>
+                  <a:tcPr marL="45326" marR="45326" marT="0" marB="0"/>
+                </a:tc>
+                <a:tc>
+                  <a:txBody>
+                    <a:bodyPr/>
+                    <a:lstStyle/>
+                    <a:p>
+                      <a:pPr marL="0" marR="0">
+                        <a:spcBef>
+                          <a:spcPts val="0"/>
+                        </a:spcBef>
+                        <a:spcAft>
+                          <a:spcPts val="0"/>
+                        </a:spcAft>
+                      </a:pPr>
+                      <a:r>
+                        <a:rPr lang="en-US" sz="800">
+                          <a:effectLst/>
+                        </a:rPr>
+                        <a:t>Employed deep learning to predict taxi destinations using spatial-temporal features, enhancing route optimization. </a:t>
+                      </a:r>
+                      <a:endParaRPr lang="en-US" sz="800">
+                        <a:effectLst/>
+                        <a:latin typeface="Calibri" panose="020F0502020204030204" pitchFamily="34" charset="0"/>
+                        <a:ea typeface="Calibri" panose="020F0502020204030204" pitchFamily="34" charset="0"/>
+                        <a:cs typeface="Mangal" panose="02040503050203030202" pitchFamily="18" charset="0"/>
+                      </a:endParaRPr>
+                    </a:p>
+                  </a:txBody>
+                  <a:tcPr marL="45326" marR="45326" marT="0" marB="0"/>
+                </a:tc>
+                <a:extLst>
+                  <a:ext uri="{0D108BD9-81ED-4DB2-BD59-A6C34878D82A}">
+                    <a16:rowId xmlns:a16="http://schemas.microsoft.com/office/drawing/2014/main" val="1784749257"/>
+                  </a:ext>
+                </a:extLst>
+              </a:tr>
+              <a:tr h="387533">
+                <a:tc>
+                  <a:txBody>
+                    <a:bodyPr/>
+                    <a:lstStyle/>
+                    <a:p>
+                      <a:pPr marL="0" marR="0">
+                        <a:spcBef>
+                          <a:spcPts val="0"/>
+                        </a:spcBef>
+                        <a:spcAft>
+                          <a:spcPts val="0"/>
+                        </a:spcAft>
+                      </a:pPr>
+                      <a:r>
+                        <a:rPr lang="en-US" sz="800">
+                          <a:effectLst/>
+                        </a:rPr>
+                        <a:t>Trip Destination Prediction Based on a Deep Integration Network by Fusing Multiple Features from Taxi Trajectories (2021) </a:t>
+                      </a:r>
+                      <a:endParaRPr lang="en-US" sz="800">
+                        <a:effectLst/>
+                        <a:latin typeface="Calibri" panose="020F0502020204030204" pitchFamily="34" charset="0"/>
+                        <a:ea typeface="Calibri" panose="020F0502020204030204" pitchFamily="34" charset="0"/>
+                        <a:cs typeface="Mangal" panose="02040503050203030202" pitchFamily="18" charset="0"/>
+                      </a:endParaRPr>
+                    </a:p>
+                  </a:txBody>
+                  <a:tcPr marL="45326" marR="45326" marT="0" marB="0"/>
+                </a:tc>
+                <a:tc>
+                  <a:txBody>
+                    <a:bodyPr/>
+                    <a:lstStyle/>
+                    <a:p>
+                      <a:pPr marL="0" marR="0">
+                        <a:spcBef>
+                          <a:spcPts val="0"/>
+                        </a:spcBef>
+                        <a:spcAft>
+                          <a:spcPts val="0"/>
+                        </a:spcAft>
+                      </a:pPr>
+                      <a:r>
+                        <a:rPr lang="en-US" sz="800">
+                          <a:effectLst/>
+                        </a:rPr>
+                        <a:t>J. Tang, J. Liang, T. Yu, Y. Xiong, G. Zeng </a:t>
+                      </a:r>
+                      <a:endParaRPr lang="en-US" sz="800">
+                        <a:effectLst/>
+                        <a:latin typeface="Calibri" panose="020F0502020204030204" pitchFamily="34" charset="0"/>
+                        <a:ea typeface="Calibri" panose="020F0502020204030204" pitchFamily="34" charset="0"/>
+                        <a:cs typeface="Mangal" panose="02040503050203030202" pitchFamily="18" charset="0"/>
+                      </a:endParaRPr>
+                    </a:p>
+                  </a:txBody>
+                  <a:tcPr marL="45326" marR="45326" marT="0" marB="0"/>
+                </a:tc>
+                <a:tc>
+                  <a:txBody>
+                    <a:bodyPr/>
+                    <a:lstStyle/>
+                    <a:p>
+                      <a:pPr marL="0" marR="0">
+                        <a:spcBef>
+                          <a:spcPts val="0"/>
+                        </a:spcBef>
+                        <a:spcAft>
+                          <a:spcPts val="0"/>
+                        </a:spcAft>
+                      </a:pPr>
+                      <a:r>
+                        <a:rPr lang="en-US" sz="800">
+                          <a:effectLst/>
+                        </a:rPr>
+                        <a:t>Developed a deep learning model that integrates multiple features from taxi trajectories to predict trip destinations. </a:t>
+                      </a:r>
+                      <a:endParaRPr lang="en-US" sz="800">
+                        <a:effectLst/>
+                        <a:latin typeface="Calibri" panose="020F0502020204030204" pitchFamily="34" charset="0"/>
+                        <a:ea typeface="Calibri" panose="020F0502020204030204" pitchFamily="34" charset="0"/>
+                        <a:cs typeface="Mangal" panose="02040503050203030202" pitchFamily="18" charset="0"/>
+                      </a:endParaRPr>
+                    </a:p>
+                  </a:txBody>
+                  <a:tcPr marL="45326" marR="45326" marT="0" marB="0"/>
+                </a:tc>
+                <a:extLst>
+                  <a:ext uri="{0D108BD9-81ED-4DB2-BD59-A6C34878D82A}">
+                    <a16:rowId xmlns:a16="http://schemas.microsoft.com/office/drawing/2014/main" val="2127277268"/>
+                  </a:ext>
+                </a:extLst>
+              </a:tr>
+              <a:tr h="387533">
+                <a:tc>
+                  <a:txBody>
+                    <a:bodyPr/>
+                    <a:lstStyle/>
+                    <a:p>
+                      <a:pPr marL="0" marR="0">
+                        <a:spcBef>
+                          <a:spcPts val="0"/>
+                        </a:spcBef>
+                        <a:spcAft>
+                          <a:spcPts val="0"/>
+                        </a:spcAft>
+                      </a:pPr>
+                      <a:r>
+                        <a:rPr lang="en-US" sz="800">
+                          <a:effectLst/>
+                        </a:rPr>
+                        <a:t>BERT-Based Deep Spatial-Temporal Network for Taxi Demand Prediction (2022) </a:t>
+                      </a:r>
+                      <a:endParaRPr lang="en-US" sz="800">
+                        <a:effectLst/>
+                        <a:latin typeface="Calibri" panose="020F0502020204030204" pitchFamily="34" charset="0"/>
+                        <a:ea typeface="Calibri" panose="020F0502020204030204" pitchFamily="34" charset="0"/>
+                        <a:cs typeface="Mangal" panose="02040503050203030202" pitchFamily="18" charset="0"/>
+                      </a:endParaRPr>
+                    </a:p>
+                  </a:txBody>
+                  <a:tcPr marL="45326" marR="45326" marT="0" marB="0"/>
+                </a:tc>
+                <a:tc>
+                  <a:txBody>
+                    <a:bodyPr/>
+                    <a:lstStyle/>
+                    <a:p>
+                      <a:pPr marL="0" marR="0">
+                        <a:spcBef>
+                          <a:spcPts val="0"/>
+                        </a:spcBef>
+                        <a:spcAft>
+                          <a:spcPts val="0"/>
+                        </a:spcAft>
+                      </a:pPr>
+                      <a:r>
+                        <a:rPr lang="en-US" sz="800">
+                          <a:effectLst/>
+                        </a:rPr>
+                        <a:t>D. Cao et al. </a:t>
+                      </a:r>
+                      <a:endParaRPr lang="en-US" sz="800">
+                        <a:effectLst/>
+                        <a:latin typeface="Calibri" panose="020F0502020204030204" pitchFamily="34" charset="0"/>
+                        <a:ea typeface="Calibri" panose="020F0502020204030204" pitchFamily="34" charset="0"/>
+                        <a:cs typeface="Mangal" panose="02040503050203030202" pitchFamily="18" charset="0"/>
+                      </a:endParaRPr>
+                    </a:p>
+                  </a:txBody>
+                  <a:tcPr marL="45326" marR="45326" marT="0" marB="0"/>
+                </a:tc>
+                <a:tc>
+                  <a:txBody>
+                    <a:bodyPr/>
+                    <a:lstStyle/>
+                    <a:p>
+                      <a:pPr marL="0" marR="0">
+                        <a:spcBef>
+                          <a:spcPts val="0"/>
+                        </a:spcBef>
+                        <a:spcAft>
+                          <a:spcPts val="0"/>
+                        </a:spcAft>
+                      </a:pPr>
+                      <a:r>
+                        <a:rPr lang="en-US" sz="800">
+                          <a:effectLst/>
+                        </a:rPr>
+                        <a:t>Introduced a BERT-based deep learning model for predicting taxi demand, emphasizing spatial and temporal data. </a:t>
+                      </a:r>
+                      <a:endParaRPr lang="en-US" sz="800">
+                        <a:effectLst/>
+                        <a:latin typeface="Calibri" panose="020F0502020204030204" pitchFamily="34" charset="0"/>
+                        <a:ea typeface="Calibri" panose="020F0502020204030204" pitchFamily="34" charset="0"/>
+                        <a:cs typeface="Mangal" panose="02040503050203030202" pitchFamily="18" charset="0"/>
+                      </a:endParaRPr>
+                    </a:p>
+                  </a:txBody>
+                  <a:tcPr marL="45326" marR="45326" marT="0" marB="0"/>
+                </a:tc>
+                <a:extLst>
+                  <a:ext uri="{0D108BD9-81ED-4DB2-BD59-A6C34878D82A}">
+                    <a16:rowId xmlns:a16="http://schemas.microsoft.com/office/drawing/2014/main" val="3010946558"/>
+                  </a:ext>
+                </a:extLst>
+              </a:tr>
+              <a:tr h="387533">
+                <a:tc>
+                  <a:txBody>
+                    <a:bodyPr/>
+                    <a:lstStyle/>
+                    <a:p>
+                      <a:pPr marL="0" marR="0">
+                        <a:spcBef>
+                          <a:spcPts val="0"/>
+                        </a:spcBef>
+                        <a:spcAft>
+                          <a:spcPts val="0"/>
+                        </a:spcAft>
+                      </a:pPr>
+                      <a:r>
+                        <a:rPr lang="en-US" sz="800">
+                          <a:effectLst/>
+                        </a:rPr>
+                        <a:t>A Multi-Task Deep Learning Model for Short-Term Taxi Demand Forecasting Considering Spatiotemporal Dependences (2020) </a:t>
+                      </a:r>
+                      <a:endParaRPr lang="en-US" sz="800">
+                        <a:effectLst/>
+                        <a:latin typeface="Calibri" panose="020F0502020204030204" pitchFamily="34" charset="0"/>
+                        <a:ea typeface="Calibri" panose="020F0502020204030204" pitchFamily="34" charset="0"/>
+                        <a:cs typeface="Mangal" panose="02040503050203030202" pitchFamily="18" charset="0"/>
+                      </a:endParaRPr>
+                    </a:p>
+                  </a:txBody>
+                  <a:tcPr marL="45326" marR="45326" marT="0" marB="0"/>
+                </a:tc>
+                <a:tc>
+                  <a:txBody>
+                    <a:bodyPr/>
+                    <a:lstStyle/>
+                    <a:p>
+                      <a:pPr marL="0" marR="0">
+                        <a:spcBef>
+                          <a:spcPts val="0"/>
+                        </a:spcBef>
+                        <a:spcAft>
+                          <a:spcPts val="0"/>
+                        </a:spcAft>
+                      </a:pPr>
+                      <a:r>
+                        <a:rPr lang="en-US" sz="800">
+                          <a:effectLst/>
+                        </a:rPr>
+                        <a:t>H. Luo, J. Cai, K. Zhang, R. Xie, L. Zheng </a:t>
+                      </a:r>
+                      <a:endParaRPr lang="en-US" sz="800">
+                        <a:effectLst/>
+                        <a:latin typeface="Calibri" panose="020F0502020204030204" pitchFamily="34" charset="0"/>
+                        <a:ea typeface="Calibri" panose="020F0502020204030204" pitchFamily="34" charset="0"/>
+                        <a:cs typeface="Mangal" panose="02040503050203030202" pitchFamily="18" charset="0"/>
+                      </a:endParaRPr>
+                    </a:p>
+                  </a:txBody>
+                  <a:tcPr marL="45326" marR="45326" marT="0" marB="0"/>
+                </a:tc>
+                <a:tc>
+                  <a:txBody>
+                    <a:bodyPr/>
+                    <a:lstStyle/>
+                    <a:p>
+                      <a:pPr marL="0" marR="0">
+                        <a:spcBef>
+                          <a:spcPts val="0"/>
+                        </a:spcBef>
+                        <a:spcAft>
+                          <a:spcPts val="0"/>
+                        </a:spcAft>
+                      </a:pPr>
+                      <a:r>
+                        <a:rPr lang="en-US" sz="800">
+                          <a:effectLst/>
+                        </a:rPr>
+                        <a:t>Created a multi-task deep learning model for short-term taxi demand forecasting, incorporating spatiotemporal dependencies. </a:t>
+                      </a:r>
+                      <a:endParaRPr lang="en-US" sz="800">
+                        <a:effectLst/>
+                        <a:latin typeface="Calibri" panose="020F0502020204030204" pitchFamily="34" charset="0"/>
+                        <a:ea typeface="Calibri" panose="020F0502020204030204" pitchFamily="34" charset="0"/>
+                        <a:cs typeface="Mangal" panose="02040503050203030202" pitchFamily="18" charset="0"/>
+                      </a:endParaRPr>
+                    </a:p>
+                  </a:txBody>
+                  <a:tcPr marL="45326" marR="45326" marT="0" marB="0"/>
+                </a:tc>
+                <a:extLst>
+                  <a:ext uri="{0D108BD9-81ED-4DB2-BD59-A6C34878D82A}">
+                    <a16:rowId xmlns:a16="http://schemas.microsoft.com/office/drawing/2014/main" val="2608133037"/>
+                  </a:ext>
+                </a:extLst>
+              </a:tr>
+              <a:tr h="387533">
+                <a:tc>
+                  <a:txBody>
+                    <a:bodyPr/>
+                    <a:lstStyle/>
+                    <a:p>
+                      <a:pPr marL="0" marR="0">
+                        <a:spcBef>
+                          <a:spcPts val="0"/>
+                        </a:spcBef>
+                        <a:spcAft>
+                          <a:spcPts val="0"/>
+                        </a:spcAft>
+                      </a:pPr>
+                      <a:r>
+                        <a:rPr lang="en-US" sz="800">
+                          <a:effectLst/>
+                        </a:rPr>
+                        <a:t>Unifying Uber and Taxi Data via Deep Models for Taxi Passenger Demand Prediction (2020) </a:t>
+                      </a:r>
+                      <a:endParaRPr lang="en-US" sz="800">
+                        <a:effectLst/>
+                        <a:latin typeface="Calibri" panose="020F0502020204030204" pitchFamily="34" charset="0"/>
+                        <a:ea typeface="Calibri" panose="020F0502020204030204" pitchFamily="34" charset="0"/>
+                        <a:cs typeface="Mangal" panose="02040503050203030202" pitchFamily="18" charset="0"/>
+                      </a:endParaRPr>
+                    </a:p>
+                  </a:txBody>
+                  <a:tcPr marL="45326" marR="45326" marT="0" marB="0"/>
+                </a:tc>
+                <a:tc>
+                  <a:txBody>
+                    <a:bodyPr/>
+                    <a:lstStyle/>
+                    <a:p>
+                      <a:pPr marL="0" marR="0">
+                        <a:spcBef>
+                          <a:spcPts val="0"/>
+                        </a:spcBef>
+                        <a:spcAft>
+                          <a:spcPts val="0"/>
+                        </a:spcAft>
+                      </a:pPr>
+                      <a:r>
+                        <a:rPr lang="en-US" sz="800">
+                          <a:effectLst/>
+                        </a:rPr>
+                        <a:t>J. Zhao, C. Chen, H. Huang, C. Xiang </a:t>
+                      </a:r>
+                      <a:endParaRPr lang="en-US" sz="800">
+                        <a:effectLst/>
+                        <a:latin typeface="Calibri" panose="020F0502020204030204" pitchFamily="34" charset="0"/>
+                        <a:ea typeface="Calibri" panose="020F0502020204030204" pitchFamily="34" charset="0"/>
+                        <a:cs typeface="Mangal" panose="02040503050203030202" pitchFamily="18" charset="0"/>
+                      </a:endParaRPr>
+                    </a:p>
+                  </a:txBody>
+                  <a:tcPr marL="45326" marR="45326" marT="0" marB="0"/>
+                </a:tc>
+                <a:tc>
+                  <a:txBody>
+                    <a:bodyPr/>
+                    <a:lstStyle/>
+                    <a:p>
+                      <a:pPr marL="0" marR="0">
+                        <a:spcBef>
+                          <a:spcPts val="0"/>
+                        </a:spcBef>
+                        <a:spcAft>
+                          <a:spcPts val="0"/>
+                        </a:spcAft>
+                      </a:pPr>
+                      <a:r>
+                        <a:rPr lang="en-US" sz="800">
+                          <a:effectLst/>
+                        </a:rPr>
+                        <a:t>Used deep learning to integrate data from Uber and taxis to predict passenger demand, improving accuracy. </a:t>
+                      </a:r>
+                      <a:endParaRPr lang="en-US" sz="800">
+                        <a:effectLst/>
+                        <a:latin typeface="Calibri" panose="020F0502020204030204" pitchFamily="34" charset="0"/>
+                        <a:ea typeface="Calibri" panose="020F0502020204030204" pitchFamily="34" charset="0"/>
+                        <a:cs typeface="Mangal" panose="02040503050203030202" pitchFamily="18" charset="0"/>
+                      </a:endParaRPr>
+                    </a:p>
+                  </a:txBody>
+                  <a:tcPr marL="45326" marR="45326" marT="0" marB="0"/>
+                </a:tc>
+                <a:extLst>
+                  <a:ext uri="{0D108BD9-81ED-4DB2-BD59-A6C34878D82A}">
+                    <a16:rowId xmlns:a16="http://schemas.microsoft.com/office/drawing/2014/main" val="193853332"/>
+                  </a:ext>
+                </a:extLst>
+              </a:tr>
+              <a:tr h="387533">
+                <a:tc>
+                  <a:txBody>
+                    <a:bodyPr/>
+                    <a:lstStyle/>
+                    <a:p>
+                      <a:pPr marL="0" marR="0">
+                        <a:spcBef>
+                          <a:spcPts val="0"/>
+                        </a:spcBef>
+                        <a:spcAft>
+                          <a:spcPts val="0"/>
+                        </a:spcAft>
+                      </a:pPr>
+                      <a:r>
+                        <a:rPr lang="en-US" sz="800">
+                          <a:effectLst/>
+                        </a:rPr>
+                        <a:t>An Application of Ensemble and Deep Learning Models in Predictive Analytics (2020) </a:t>
+                      </a:r>
+                      <a:endParaRPr lang="en-US" sz="800">
+                        <a:effectLst/>
+                        <a:latin typeface="Calibri" panose="020F0502020204030204" pitchFamily="34" charset="0"/>
+                        <a:ea typeface="Calibri" panose="020F0502020204030204" pitchFamily="34" charset="0"/>
+                        <a:cs typeface="Mangal" panose="02040503050203030202" pitchFamily="18" charset="0"/>
+                      </a:endParaRPr>
+                    </a:p>
+                  </a:txBody>
+                  <a:tcPr marL="45326" marR="45326" marT="0" marB="0"/>
+                </a:tc>
+                <a:tc>
+                  <a:txBody>
+                    <a:bodyPr/>
+                    <a:lstStyle/>
+                    <a:p>
+                      <a:pPr marL="0" marR="0">
+                        <a:spcBef>
+                          <a:spcPts val="0"/>
+                        </a:spcBef>
+                        <a:spcAft>
+                          <a:spcPts val="0"/>
+                        </a:spcAft>
+                      </a:pPr>
+                      <a:r>
+                        <a:rPr lang="en-US" sz="800">
+                          <a:effectLst/>
+                        </a:rPr>
+                        <a:t>S. Sonbhadra, S. Agarwal, M. Syafrullah, K. Adiyarta </a:t>
+                      </a:r>
+                      <a:endParaRPr lang="en-US" sz="800">
+                        <a:effectLst/>
+                        <a:latin typeface="Calibri" panose="020F0502020204030204" pitchFamily="34" charset="0"/>
+                        <a:ea typeface="Calibri" panose="020F0502020204030204" pitchFamily="34" charset="0"/>
+                        <a:cs typeface="Mangal" panose="02040503050203030202" pitchFamily="18" charset="0"/>
+                      </a:endParaRPr>
+                    </a:p>
+                  </a:txBody>
+                  <a:tcPr marL="45326" marR="45326" marT="0" marB="0"/>
+                </a:tc>
+                <a:tc>
+                  <a:txBody>
+                    <a:bodyPr/>
+                    <a:lstStyle/>
+                    <a:p>
+                      <a:pPr marL="0" marR="0">
+                        <a:spcBef>
+                          <a:spcPts val="0"/>
+                        </a:spcBef>
+                        <a:spcAft>
+                          <a:spcPts val="0"/>
+                        </a:spcAft>
+                      </a:pPr>
+                      <a:r>
+                        <a:rPr lang="en-US" sz="800">
+                          <a:effectLst/>
+                        </a:rPr>
+                        <a:t>Applied ensemble and deep learning models in predictive analytics, focusing on taxi demand forecasting. </a:t>
+                      </a:r>
+                      <a:endParaRPr lang="en-US" sz="800">
+                        <a:effectLst/>
+                        <a:latin typeface="Calibri" panose="020F0502020204030204" pitchFamily="34" charset="0"/>
+                        <a:ea typeface="Calibri" panose="020F0502020204030204" pitchFamily="34" charset="0"/>
+                        <a:cs typeface="Mangal" panose="02040503050203030202" pitchFamily="18" charset="0"/>
+                      </a:endParaRPr>
+                    </a:p>
+                  </a:txBody>
+                  <a:tcPr marL="45326" marR="45326" marT="0" marB="0"/>
+                </a:tc>
+                <a:extLst>
+                  <a:ext uri="{0D108BD9-81ED-4DB2-BD59-A6C34878D82A}">
+                    <a16:rowId xmlns:a16="http://schemas.microsoft.com/office/drawing/2014/main" val="2226739544"/>
+                  </a:ext>
+                </a:extLst>
+              </a:tr>
+              <a:tr h="387533">
+                <a:tc>
+                  <a:txBody>
+                    <a:bodyPr/>
+                    <a:lstStyle/>
+                    <a:p>
+                      <a:pPr marL="0" marR="0">
+                        <a:spcBef>
+                          <a:spcPts val="0"/>
+                        </a:spcBef>
+                        <a:spcAft>
+                          <a:spcPts val="0"/>
+                        </a:spcAft>
+                      </a:pPr>
+                      <a:r>
+                        <a:rPr lang="en-US" sz="800">
+                          <a:effectLst/>
+                        </a:rPr>
+                        <a:t>Multi-Source Information Based Short-term Taxi Demand Prediction Using Deep-Learning Approaches (2021) </a:t>
+                      </a:r>
+                      <a:endParaRPr lang="en-US" sz="800">
+                        <a:effectLst/>
+                        <a:latin typeface="Calibri" panose="020F0502020204030204" pitchFamily="34" charset="0"/>
+                        <a:ea typeface="Calibri" panose="020F0502020204030204" pitchFamily="34" charset="0"/>
+                        <a:cs typeface="Mangal" panose="02040503050203030202" pitchFamily="18" charset="0"/>
+                      </a:endParaRPr>
+                    </a:p>
+                  </a:txBody>
+                  <a:tcPr marL="45326" marR="45326" marT="0" marB="0"/>
+                </a:tc>
+                <a:tc>
+                  <a:txBody>
+                    <a:bodyPr/>
+                    <a:lstStyle/>
+                    <a:p>
+                      <a:pPr marL="0" marR="0">
+                        <a:spcBef>
+                          <a:spcPts val="0"/>
+                        </a:spcBef>
+                        <a:spcAft>
+                          <a:spcPts val="0"/>
+                        </a:spcAft>
+                      </a:pPr>
+                      <a:r>
+                        <a:rPr lang="en-US" sz="800">
+                          <a:effectLst/>
+                        </a:rPr>
+                        <a:t>Z. Chen </a:t>
+                      </a:r>
+                      <a:endParaRPr lang="en-US" sz="800">
+                        <a:effectLst/>
+                        <a:latin typeface="Calibri" panose="020F0502020204030204" pitchFamily="34" charset="0"/>
+                        <a:ea typeface="Calibri" panose="020F0502020204030204" pitchFamily="34" charset="0"/>
+                        <a:cs typeface="Mangal" panose="02040503050203030202" pitchFamily="18" charset="0"/>
+                      </a:endParaRPr>
+                    </a:p>
+                  </a:txBody>
+                  <a:tcPr marL="45326" marR="45326" marT="0" marB="0"/>
+                </a:tc>
+                <a:tc>
+                  <a:txBody>
+                    <a:bodyPr/>
+                    <a:lstStyle/>
+                    <a:p>
+                      <a:pPr marL="0" marR="0">
+                        <a:spcBef>
+                          <a:spcPts val="0"/>
+                        </a:spcBef>
+                        <a:spcAft>
+                          <a:spcPts val="0"/>
+                        </a:spcAft>
+                      </a:pPr>
+                      <a:r>
+                        <a:rPr lang="en-US" sz="800">
+                          <a:effectLst/>
+                        </a:rPr>
+                        <a:t>Employed deep learning models using multi-source information for short-term taxi demand prediction. </a:t>
+                      </a:r>
+                      <a:endParaRPr lang="en-US" sz="800">
+                        <a:effectLst/>
+                        <a:latin typeface="Calibri" panose="020F0502020204030204" pitchFamily="34" charset="0"/>
+                        <a:ea typeface="Calibri" panose="020F0502020204030204" pitchFamily="34" charset="0"/>
+                        <a:cs typeface="Mangal" panose="02040503050203030202" pitchFamily="18" charset="0"/>
+                      </a:endParaRPr>
+                    </a:p>
+                  </a:txBody>
+                  <a:tcPr marL="45326" marR="45326" marT="0" marB="0"/>
+                </a:tc>
+                <a:extLst>
+                  <a:ext uri="{0D108BD9-81ED-4DB2-BD59-A6C34878D82A}">
+                    <a16:rowId xmlns:a16="http://schemas.microsoft.com/office/drawing/2014/main" val="2257281348"/>
+                  </a:ext>
+                </a:extLst>
+              </a:tr>
+              <a:tr h="387533">
+                <a:tc>
+                  <a:txBody>
+                    <a:bodyPr/>
+                    <a:lstStyle/>
+                    <a:p>
+                      <a:pPr marL="0" marR="0">
+                        <a:spcBef>
+                          <a:spcPts val="0"/>
+                        </a:spcBef>
+                        <a:spcAft>
+                          <a:spcPts val="0"/>
+                        </a:spcAft>
+                      </a:pPr>
+                      <a:r>
+                        <a:rPr lang="en-US" sz="800">
+                          <a:effectLst/>
+                        </a:rPr>
+                        <a:t>Finding Similar Historical Scenarios for Better Understanding Aircraft Taxi Time: A Deep Metric Learning Approach (2023) </a:t>
+                      </a:r>
+                      <a:endParaRPr lang="en-US" sz="800">
+                        <a:effectLst/>
+                        <a:latin typeface="Calibri" panose="020F0502020204030204" pitchFamily="34" charset="0"/>
+                        <a:ea typeface="Calibri" panose="020F0502020204030204" pitchFamily="34" charset="0"/>
+                        <a:cs typeface="Mangal" panose="02040503050203030202" pitchFamily="18" charset="0"/>
+                      </a:endParaRPr>
+                    </a:p>
+                  </a:txBody>
+                  <a:tcPr marL="45326" marR="45326" marT="0" marB="0"/>
+                </a:tc>
+                <a:tc>
+                  <a:txBody>
+                    <a:bodyPr/>
+                    <a:lstStyle/>
+                    <a:p>
+                      <a:pPr marL="0" marR="0">
+                        <a:spcBef>
+                          <a:spcPts val="0"/>
+                        </a:spcBef>
+                        <a:spcAft>
+                          <a:spcPts val="0"/>
+                        </a:spcAft>
+                      </a:pPr>
+                      <a:r>
+                        <a:rPr lang="en-US" sz="800">
+                          <a:effectLst/>
+                        </a:rPr>
+                        <a:t>J. Du, M. Hu, W. Zhang, J. Yin </a:t>
+                      </a:r>
+                      <a:endParaRPr lang="en-US" sz="800">
+                        <a:effectLst/>
+                        <a:latin typeface="Calibri" panose="020F0502020204030204" pitchFamily="34" charset="0"/>
+                        <a:ea typeface="Calibri" panose="020F0502020204030204" pitchFamily="34" charset="0"/>
+                        <a:cs typeface="Mangal" panose="02040503050203030202" pitchFamily="18" charset="0"/>
+                      </a:endParaRPr>
+                    </a:p>
+                  </a:txBody>
+                  <a:tcPr marL="45326" marR="45326" marT="0" marB="0"/>
+                </a:tc>
+                <a:tc>
+                  <a:txBody>
+                    <a:bodyPr/>
+                    <a:lstStyle/>
+                    <a:p>
+                      <a:pPr marL="0" marR="0">
+                        <a:spcBef>
+                          <a:spcPts val="0"/>
+                        </a:spcBef>
+                        <a:spcAft>
+                          <a:spcPts val="0"/>
+                        </a:spcAft>
+                      </a:pPr>
+                      <a:r>
+                        <a:rPr lang="en-US" sz="800">
+                          <a:effectLst/>
+                        </a:rPr>
+                        <a:t>Applied deep metric learning to identify historical scenarios that influence aircraft taxi times. </a:t>
+                      </a:r>
+                      <a:endParaRPr lang="en-US" sz="800">
+                        <a:effectLst/>
+                        <a:latin typeface="Calibri" panose="020F0502020204030204" pitchFamily="34" charset="0"/>
+                        <a:ea typeface="Calibri" panose="020F0502020204030204" pitchFamily="34" charset="0"/>
+                        <a:cs typeface="Mangal" panose="02040503050203030202" pitchFamily="18" charset="0"/>
+                      </a:endParaRPr>
+                    </a:p>
+                  </a:txBody>
+                  <a:tcPr marL="45326" marR="45326" marT="0" marB="0"/>
+                </a:tc>
+                <a:extLst>
+                  <a:ext uri="{0D108BD9-81ED-4DB2-BD59-A6C34878D82A}">
+                    <a16:rowId xmlns:a16="http://schemas.microsoft.com/office/drawing/2014/main" val="2875868171"/>
+                  </a:ext>
+                </a:extLst>
+              </a:tr>
+              <a:tr h="387533">
+                <a:tc>
+                  <a:txBody>
+                    <a:bodyPr/>
+                    <a:lstStyle/>
+                    <a:p>
+                      <a:pPr marL="0" marR="0">
+                        <a:spcBef>
+                          <a:spcPts val="0"/>
+                        </a:spcBef>
+                        <a:spcAft>
+                          <a:spcPts val="0"/>
+                        </a:spcAft>
+                      </a:pPr>
+                      <a:r>
+                        <a:rPr lang="en-US" sz="800">
+                          <a:effectLst/>
+                        </a:rPr>
+                        <a:t>Taxi Fare Prediction Based on Multiple Machine Learning Models (2023) </a:t>
+                      </a:r>
+                      <a:endParaRPr lang="en-US" sz="800">
+                        <a:effectLst/>
+                        <a:latin typeface="Calibri" panose="020F0502020204030204" pitchFamily="34" charset="0"/>
+                        <a:ea typeface="Calibri" panose="020F0502020204030204" pitchFamily="34" charset="0"/>
+                        <a:cs typeface="Mangal" panose="02040503050203030202" pitchFamily="18" charset="0"/>
+                      </a:endParaRPr>
+                    </a:p>
+                  </a:txBody>
+                  <a:tcPr marL="45326" marR="45326" marT="0" marB="0"/>
+                </a:tc>
+                <a:tc>
+                  <a:txBody>
+                    <a:bodyPr/>
+                    <a:lstStyle/>
+                    <a:p>
+                      <a:pPr marL="0" marR="0">
+                        <a:spcBef>
+                          <a:spcPts val="0"/>
+                        </a:spcBef>
+                        <a:spcAft>
+                          <a:spcPts val="0"/>
+                        </a:spcAft>
+                      </a:pPr>
+                      <a:r>
+                        <a:rPr lang="en-US" sz="800">
+                          <a:effectLst/>
+                        </a:rPr>
+                        <a:t>H. Huang </a:t>
+                      </a:r>
+                      <a:endParaRPr lang="en-US" sz="800">
+                        <a:effectLst/>
+                        <a:latin typeface="Calibri" panose="020F0502020204030204" pitchFamily="34" charset="0"/>
+                        <a:ea typeface="Calibri" panose="020F0502020204030204" pitchFamily="34" charset="0"/>
+                        <a:cs typeface="Mangal" panose="02040503050203030202" pitchFamily="18" charset="0"/>
+                      </a:endParaRPr>
+                    </a:p>
+                  </a:txBody>
+                  <a:tcPr marL="45326" marR="45326" marT="0" marB="0"/>
+                </a:tc>
+                <a:tc>
+                  <a:txBody>
+                    <a:bodyPr/>
+                    <a:lstStyle/>
+                    <a:p>
+                      <a:pPr marL="0" marR="0">
+                        <a:spcBef>
+                          <a:spcPts val="0"/>
+                        </a:spcBef>
+                        <a:spcAft>
+                          <a:spcPts val="0"/>
+                        </a:spcAft>
+                      </a:pPr>
+                      <a:r>
+                        <a:rPr lang="en-US" sz="800">
+                          <a:effectLst/>
+                        </a:rPr>
+                        <a:t>Utilized a combination of machine learning models to predict taxi fares, aiming to improve fare accuracy. </a:t>
+                      </a:r>
+                      <a:endParaRPr lang="en-US" sz="800">
+                        <a:effectLst/>
+                        <a:latin typeface="Calibri" panose="020F0502020204030204" pitchFamily="34" charset="0"/>
+                        <a:ea typeface="Calibri" panose="020F0502020204030204" pitchFamily="34" charset="0"/>
+                        <a:cs typeface="Mangal" panose="02040503050203030202" pitchFamily="18" charset="0"/>
+                      </a:endParaRPr>
+                    </a:p>
+                  </a:txBody>
+                  <a:tcPr marL="45326" marR="45326" marT="0" marB="0"/>
+                </a:tc>
+                <a:extLst>
+                  <a:ext uri="{0D108BD9-81ED-4DB2-BD59-A6C34878D82A}">
+                    <a16:rowId xmlns:a16="http://schemas.microsoft.com/office/drawing/2014/main" val="2409378790"/>
+                  </a:ext>
+                </a:extLst>
+              </a:tr>
+              <a:tr h="387533">
+                <a:tc>
+                  <a:txBody>
+                    <a:bodyPr/>
+                    <a:lstStyle/>
+                    <a:p>
+                      <a:pPr marL="0" marR="0">
+                        <a:spcBef>
+                          <a:spcPts val="0"/>
+                        </a:spcBef>
+                        <a:spcAft>
+                          <a:spcPts val="0"/>
+                        </a:spcAft>
+                      </a:pPr>
+                      <a:r>
+                        <a:rPr lang="en-US" sz="800">
+                          <a:effectLst/>
+                        </a:rPr>
+                        <a:t>Taxi Demand Prediction Based on LSTM with Residuals and Multi-head Attention (2020) </a:t>
+                      </a:r>
+                      <a:endParaRPr lang="en-US" sz="800">
+                        <a:effectLst/>
+                        <a:latin typeface="Calibri" panose="020F0502020204030204" pitchFamily="34" charset="0"/>
+                        <a:ea typeface="Calibri" panose="020F0502020204030204" pitchFamily="34" charset="0"/>
+                        <a:cs typeface="Mangal" panose="02040503050203030202" pitchFamily="18" charset="0"/>
+                      </a:endParaRPr>
+                    </a:p>
+                  </a:txBody>
+                  <a:tcPr marL="45326" marR="45326" marT="0" marB="0"/>
+                </a:tc>
+                <a:tc>
+                  <a:txBody>
+                    <a:bodyPr/>
+                    <a:lstStyle/>
+                    <a:p>
+                      <a:pPr marL="0" marR="0">
+                        <a:spcBef>
+                          <a:spcPts val="0"/>
+                        </a:spcBef>
+                        <a:spcAft>
+                          <a:spcPts val="0"/>
+                        </a:spcAft>
+                      </a:pPr>
+                      <a:r>
+                        <a:rPr lang="en-US" sz="800">
+                          <a:effectLst/>
+                        </a:rPr>
+                        <a:t>C. Hsu, H. Chen </a:t>
+                      </a:r>
+                      <a:endParaRPr lang="en-US" sz="800">
+                        <a:effectLst/>
+                        <a:latin typeface="Calibri" panose="020F0502020204030204" pitchFamily="34" charset="0"/>
+                        <a:ea typeface="Calibri" panose="020F0502020204030204" pitchFamily="34" charset="0"/>
+                        <a:cs typeface="Mangal" panose="02040503050203030202" pitchFamily="18" charset="0"/>
+                      </a:endParaRPr>
+                    </a:p>
+                  </a:txBody>
+                  <a:tcPr marL="45326" marR="45326" marT="0" marB="0"/>
+                </a:tc>
+                <a:tc>
+                  <a:txBody>
+                    <a:bodyPr/>
+                    <a:lstStyle/>
+                    <a:p>
+                      <a:pPr marL="0" marR="0">
+                        <a:spcBef>
+                          <a:spcPts val="0"/>
+                        </a:spcBef>
+                        <a:spcAft>
+                          <a:spcPts val="0"/>
+                        </a:spcAft>
+                      </a:pPr>
+                      <a:r>
+                        <a:rPr lang="en-US" sz="800" dirty="0">
+                          <a:effectLst/>
+                        </a:rPr>
+                        <a:t>Developed an LSTM model enhanced with residuals and multi-head attention for predicting taxi demand. </a:t>
+                      </a:r>
+                      <a:endParaRPr lang="en-US" sz="800" dirty="0">
+                        <a:effectLst/>
+                        <a:latin typeface="Calibri" panose="020F0502020204030204" pitchFamily="34" charset="0"/>
+                        <a:ea typeface="Calibri" panose="020F0502020204030204" pitchFamily="34" charset="0"/>
+                        <a:cs typeface="Mangal" panose="02040503050203030202" pitchFamily="18" charset="0"/>
+                      </a:endParaRPr>
+                    </a:p>
+                  </a:txBody>
+                  <a:tcPr marL="45326" marR="45326" marT="0" marB="0"/>
+                </a:tc>
+                <a:extLst>
+                  <a:ext uri="{0D108BD9-81ED-4DB2-BD59-A6C34878D82A}">
+                    <a16:rowId xmlns:a16="http://schemas.microsoft.com/office/drawing/2014/main" val="4034181228"/>
+                  </a:ext>
+                </a:extLst>
+              </a:tr>
+            </a:tbl>
+          </a:graphicData>
+        </a:graphic>
+      </p:graphicFrame>
     </p:spTree>
     <p:extLst>
       <p:ext uri="{BB962C8B-B14F-4D97-AF65-F5344CB8AC3E}">
-        <p14:creationId xmlns:p14="http://schemas.microsoft.com/office/powerpoint/2010/main" val="2723137705"/>
+        <p14:creationId xmlns:p14="http://schemas.microsoft.com/office/powerpoint/2010/main" val="3923275403"/>
       </p:ext>
     </p:extLst>
   </p:cSld>
@@ -25262,7 +28472,7 @@
             <p:ph idx="1"/>
             <p:extLst>
               <p:ext uri="{D42A27DB-BD31-4B8C-83A1-F6EECF244321}">
-                <p14:modId xmlns:p14="http://schemas.microsoft.com/office/powerpoint/2010/main" val="3323125709"/>
+                <p14:modId xmlns:p14="http://schemas.microsoft.com/office/powerpoint/2010/main" val="1239042673"/>
               </p:ext>
             </p:extLst>
           </p:nvPr>
